--- a/GestionDeProjet/Reunions/Reunion 20_05_2022/Reunion_avancement20_05_22.pptx
+++ b/GestionDeProjet/Reunions/Reunion 20_05_2022/Reunion_avancement20_05_22.pptx
@@ -11,8 +11,11 @@
     <p:sldId id="259" r:id="rId5"/>
     <p:sldId id="260" r:id="rId6"/>
     <p:sldId id="261" r:id="rId7"/>
-    <p:sldId id="262" r:id="rId8"/>
-    <p:sldId id="263" r:id="rId9"/>
+    <p:sldId id="264" r:id="rId8"/>
+    <p:sldId id="265" r:id="rId9"/>
+    <p:sldId id="266" r:id="rId10"/>
+    <p:sldId id="267" r:id="rId11"/>
+    <p:sldId id="263" r:id="rId12"/>
   </p:sldIdLst>
   <p:sldSz cx="12192000" cy="6858000"/>
   <p:notesSz cx="6858000" cy="9144000"/>
@@ -247,7 +250,7 @@
   </p:defaultTextStyle>
   <p:extLst>
     <p:ext uri="{EFAFB233-063F-42B5-8137-9DF3F51BA10A}">
-      <p15:sldGuideLst xmlns:p15="http://schemas.microsoft.com/office/powerpoint/2012/main">
+      <p15:sldGuideLst xmlns:p15="http://schemas.microsoft.com/office/powerpoint/2012/main" xmlns="">
         <p15:guide id="1" orient="horz" pos="2160">
           <p15:clr>
             <a:srgbClr val="A4A3A4"/>
@@ -1004,7 +1007,7 @@
     </p:spTree>
     <p:extLst>
       <p:ext uri="{BB962C8B-B14F-4D97-AF65-F5344CB8AC3E}">
-        <p14:creationId xmlns:p14="http://schemas.microsoft.com/office/powerpoint/2010/main" val="1683196634"/>
+        <p14:creationId xmlns:p14="http://schemas.microsoft.com/office/powerpoint/2010/main" xmlns="" val="1683196634"/>
       </p:ext>
     </p:extLst>
   </p:cSld>
@@ -1753,7 +1756,7 @@
     </p:spTree>
     <p:extLst>
       <p:ext uri="{BB962C8B-B14F-4D97-AF65-F5344CB8AC3E}">
-        <p14:creationId xmlns:p14="http://schemas.microsoft.com/office/powerpoint/2010/main" val="3557230879"/>
+        <p14:creationId xmlns:p14="http://schemas.microsoft.com/office/powerpoint/2010/main" xmlns="" val="3557230879"/>
       </p:ext>
     </p:extLst>
   </p:cSld>
@@ -2511,7 +2514,7 @@
     </p:spTree>
     <p:extLst>
       <p:ext uri="{BB962C8B-B14F-4D97-AF65-F5344CB8AC3E}">
-        <p14:creationId xmlns:p14="http://schemas.microsoft.com/office/powerpoint/2010/main" val="1370354911"/>
+        <p14:creationId xmlns:p14="http://schemas.microsoft.com/office/powerpoint/2010/main" xmlns="" val="1370354911"/>
       </p:ext>
     </p:extLst>
   </p:cSld>
@@ -3263,7 +3266,7 @@
     </p:spTree>
     <p:extLst>
       <p:ext uri="{BB962C8B-B14F-4D97-AF65-F5344CB8AC3E}">
-        <p14:creationId xmlns:p14="http://schemas.microsoft.com/office/powerpoint/2010/main" val="1488441881"/>
+        <p14:creationId xmlns:p14="http://schemas.microsoft.com/office/powerpoint/2010/main" xmlns="" val="1488441881"/>
       </p:ext>
     </p:extLst>
   </p:cSld>
@@ -4012,7 +4015,7 @@
     </p:spTree>
     <p:extLst>
       <p:ext uri="{BB962C8B-B14F-4D97-AF65-F5344CB8AC3E}">
-        <p14:creationId xmlns:p14="http://schemas.microsoft.com/office/powerpoint/2010/main" val="4145855993"/>
+        <p14:creationId xmlns:p14="http://schemas.microsoft.com/office/powerpoint/2010/main" xmlns="" val="4145855993"/>
       </p:ext>
     </p:extLst>
   </p:cSld>
@@ -4793,7 +4796,7 @@
     </p:spTree>
     <p:extLst>
       <p:ext uri="{BB962C8B-B14F-4D97-AF65-F5344CB8AC3E}">
-        <p14:creationId xmlns:p14="http://schemas.microsoft.com/office/powerpoint/2010/main" val="3023544346"/>
+        <p14:creationId xmlns:p14="http://schemas.microsoft.com/office/powerpoint/2010/main" xmlns="" val="3023544346"/>
       </p:ext>
     </p:extLst>
   </p:cSld>
@@ -5515,7 +5518,7 @@
     </p:spTree>
     <p:extLst>
       <p:ext uri="{BB962C8B-B14F-4D97-AF65-F5344CB8AC3E}">
-        <p14:creationId xmlns:p14="http://schemas.microsoft.com/office/powerpoint/2010/main" val="2230660444"/>
+        <p14:creationId xmlns:p14="http://schemas.microsoft.com/office/powerpoint/2010/main" xmlns="" val="2230660444"/>
       </p:ext>
     </p:extLst>
   </p:cSld>
@@ -5882,7 +5885,7 @@
     </p:spTree>
     <p:extLst>
       <p:ext uri="{BB962C8B-B14F-4D97-AF65-F5344CB8AC3E}">
-        <p14:creationId xmlns:p14="http://schemas.microsoft.com/office/powerpoint/2010/main" val="2065464872"/>
+        <p14:creationId xmlns:p14="http://schemas.microsoft.com/office/powerpoint/2010/main" xmlns="" val="2065464872"/>
       </p:ext>
     </p:extLst>
   </p:cSld>
@@ -6979,7 +6982,7 @@
     </p:spTree>
     <p:extLst>
       <p:ext uri="{BB962C8B-B14F-4D97-AF65-F5344CB8AC3E}">
-        <p14:creationId xmlns:p14="http://schemas.microsoft.com/office/powerpoint/2010/main" val="2551948298"/>
+        <p14:creationId xmlns:p14="http://schemas.microsoft.com/office/powerpoint/2010/main" xmlns="" val="2551948298"/>
       </p:ext>
     </p:extLst>
   </p:cSld>
@@ -7708,7 +7711,7 @@
           <p:cNvPr id="2" name="Titre 1">
             <a:extLst>
               <a:ext uri="{FF2B5EF4-FFF2-40B4-BE49-F238E27FC236}">
-                <a16:creationId xmlns:a16="http://schemas.microsoft.com/office/drawing/2014/main" id="{AB203E22-A68F-43B4-8A2A-8135BAB9C7D4}"/>
+                <a16:creationId xmlns:a16="http://schemas.microsoft.com/office/drawing/2014/main" xmlns="" id="{AB203E22-A68F-43B4-8A2A-8135BAB9C7D4}"/>
               </a:ext>
             </a:extLst>
           </p:cNvPr>
@@ -7738,7 +7741,7 @@
           <p:cNvPr id="3" name="Sous-titre 2">
             <a:extLst>
               <a:ext uri="{FF2B5EF4-FFF2-40B4-BE49-F238E27FC236}">
-                <a16:creationId xmlns:a16="http://schemas.microsoft.com/office/drawing/2014/main" id="{E4DA1A89-6A6D-438F-AD0A-7258D468F648}"/>
+                <a16:creationId xmlns:a16="http://schemas.microsoft.com/office/drawing/2014/main" xmlns="" id="{E4DA1A89-6A6D-438F-AD0A-7258D468F648}"/>
               </a:ext>
             </a:extLst>
           </p:cNvPr>
@@ -7781,7 +7784,7 @@
     </p:spTree>
     <p:extLst>
       <p:ext uri="{BB962C8B-B14F-4D97-AF65-F5344CB8AC3E}">
-        <p14:creationId xmlns:p14="http://schemas.microsoft.com/office/powerpoint/2010/main" val="3615421672"/>
+        <p14:creationId xmlns:p14="http://schemas.microsoft.com/office/powerpoint/2010/main" xmlns="" val="3615421672"/>
       </p:ext>
     </p:extLst>
   </p:cSld>
@@ -7791,6 +7794,216 @@
   <p:transition spd="med">
     <p:fade/>
   </p:transition>
+</p:sld>
+</file>
+
+<file path=ppt/slides/slide10.xml><?xml version="1.0" encoding="utf-8"?>
+<p:sld xmlns:a="http://schemas.openxmlformats.org/drawingml/2006/main" xmlns:r="http://schemas.openxmlformats.org/officeDocument/2006/relationships" xmlns:p="http://schemas.openxmlformats.org/presentationml/2006/main">
+  <p:cSld>
+    <p:spTree>
+      <p:nvGrpSpPr>
+        <p:cNvPr id="1" name=""/>
+        <p:cNvGrpSpPr/>
+        <p:nvPr/>
+      </p:nvGrpSpPr>
+      <p:grpSpPr>
+        <a:xfrm>
+          <a:off x="0" y="0"/>
+          <a:ext cx="0" cy="0"/>
+          <a:chOff x="0" y="0"/>
+          <a:chExt cx="0" cy="0"/>
+        </a:xfrm>
+      </p:grpSpPr>
+      <p:sp>
+        <p:nvSpPr>
+          <p:cNvPr id="2" name="Titre 1"/>
+          <p:cNvSpPr>
+            <a:spLocks noGrp="1"/>
+          </p:cNvSpPr>
+          <p:nvPr>
+            <p:ph type="title"/>
+          </p:nvPr>
+        </p:nvSpPr>
+        <p:spPr/>
+        <p:txBody>
+          <a:bodyPr/>
+          <a:lstStyle/>
+          <a:p>
+            <a:endParaRPr lang="fr-FR"/>
+          </a:p>
+        </p:txBody>
+      </p:sp>
+      <p:sp>
+        <p:nvSpPr>
+          <p:cNvPr id="3" name="Espace réservé du texte 2"/>
+          <p:cNvSpPr>
+            <a:spLocks noGrp="1"/>
+          </p:cNvSpPr>
+          <p:nvPr>
+            <p:ph type="body" idx="1"/>
+          </p:nvPr>
+        </p:nvSpPr>
+        <p:spPr/>
+        <p:txBody>
+          <a:bodyPr/>
+          <a:lstStyle/>
+          <a:p>
+            <a:endParaRPr lang="fr-FR"/>
+          </a:p>
+        </p:txBody>
+      </p:sp>
+      <p:pic>
+        <p:nvPicPr>
+          <p:cNvPr id="5122" name="Picture 2"/>
+          <p:cNvPicPr>
+            <a:picLocks noChangeAspect="1" noChangeArrowheads="1"/>
+          </p:cNvPicPr>
+          <p:nvPr/>
+        </p:nvPicPr>
+        <p:blipFill>
+          <a:blip r:embed="rId2" cstate="print"/>
+          <a:srcRect/>
+          <a:stretch>
+            <a:fillRect/>
+          </a:stretch>
+        </p:blipFill>
+        <p:spPr bwMode="auto">
+          <a:xfrm>
+            <a:off x="3143250" y="1547218"/>
+            <a:ext cx="5838825" cy="4744045"/>
+          </a:xfrm>
+          <a:prstGeom prst="rect">
+            <a:avLst/>
+          </a:prstGeom>
+          <a:noFill/>
+          <a:ln w="9525">
+            <a:noFill/>
+            <a:miter lim="800000"/>
+            <a:headEnd/>
+            <a:tailEnd/>
+          </a:ln>
+        </p:spPr>
+      </p:pic>
+    </p:spTree>
+  </p:cSld>
+  <p:clrMapOvr>
+    <a:masterClrMapping/>
+  </p:clrMapOvr>
+</p:sld>
+</file>
+
+<file path=ppt/slides/slide11.xml><?xml version="1.0" encoding="utf-8"?>
+<p:sld xmlns:a="http://schemas.openxmlformats.org/drawingml/2006/main" xmlns:r="http://schemas.openxmlformats.org/officeDocument/2006/relationships" xmlns:p="http://schemas.openxmlformats.org/presentationml/2006/main">
+  <p:cSld>
+    <p:spTree>
+      <p:nvGrpSpPr>
+        <p:cNvPr id="1" name=""/>
+        <p:cNvGrpSpPr/>
+        <p:nvPr/>
+      </p:nvGrpSpPr>
+      <p:grpSpPr>
+        <a:xfrm>
+          <a:off x="0" y="0"/>
+          <a:ext cx="0" cy="0"/>
+          <a:chOff x="0" y="0"/>
+          <a:chExt cx="0" cy="0"/>
+        </a:xfrm>
+      </p:grpSpPr>
+      <p:sp>
+        <p:nvSpPr>
+          <p:cNvPr id="2" name="Titre 1">
+            <a:extLst>
+              <a:ext uri="{FF2B5EF4-FFF2-40B4-BE49-F238E27FC236}">
+                <a16:creationId xmlns:a16="http://schemas.microsoft.com/office/drawing/2014/main" xmlns="" id="{60DD8BB1-FA8A-8972-AACC-056C8CA353FF}"/>
+              </a:ext>
+            </a:extLst>
+          </p:cNvPr>
+          <p:cNvSpPr>
+            <a:spLocks noGrp="1"/>
+          </p:cNvSpPr>
+          <p:nvPr>
+            <p:ph type="title"/>
+          </p:nvPr>
+        </p:nvSpPr>
+        <p:spPr/>
+        <p:txBody>
+          <a:bodyPr/>
+          <a:lstStyle/>
+          <a:p>
+            <a:r>
+              <a:rPr lang="fr-FR" dirty="0"/>
+              <a:t>Bilan de puissance </a:t>
+            </a:r>
+          </a:p>
+        </p:txBody>
+      </p:sp>
+      <p:sp>
+        <p:nvSpPr>
+          <p:cNvPr id="3" name="Espace réservé du texte 2">
+            <a:extLst>
+              <a:ext uri="{FF2B5EF4-FFF2-40B4-BE49-F238E27FC236}">
+                <a16:creationId xmlns:a16="http://schemas.microsoft.com/office/drawing/2014/main" xmlns="" id="{0C4E86A4-93E7-2C97-23AB-406BE1AFA25F}"/>
+              </a:ext>
+            </a:extLst>
+          </p:cNvPr>
+          <p:cNvSpPr>
+            <a:spLocks noGrp="1"/>
+          </p:cNvSpPr>
+          <p:nvPr>
+            <p:ph type="body" idx="1"/>
+          </p:nvPr>
+        </p:nvSpPr>
+        <p:spPr/>
+        <p:txBody>
+          <a:bodyPr/>
+          <a:lstStyle/>
+          <a:p>
+            <a:endParaRPr lang="fr-FR" dirty="0"/>
+          </a:p>
+        </p:txBody>
+      </p:sp>
+      <p:pic>
+        <p:nvPicPr>
+          <p:cNvPr id="6146" name="Picture 2"/>
+          <p:cNvPicPr>
+            <a:picLocks noChangeAspect="1" noChangeArrowheads="1"/>
+          </p:cNvPicPr>
+          <p:nvPr/>
+        </p:nvPicPr>
+        <p:blipFill>
+          <a:blip r:embed="rId2" cstate="print"/>
+          <a:srcRect/>
+          <a:stretch>
+            <a:fillRect/>
+          </a:stretch>
+        </p:blipFill>
+        <p:spPr bwMode="auto">
+          <a:xfrm>
+            <a:off x="438150" y="2494823"/>
+            <a:ext cx="11344275" cy="2124801"/>
+          </a:xfrm>
+          <a:prstGeom prst="rect">
+            <a:avLst/>
+          </a:prstGeom>
+          <a:noFill/>
+          <a:ln w="9525">
+            <a:noFill/>
+            <a:miter lim="800000"/>
+            <a:headEnd/>
+            <a:tailEnd/>
+          </a:ln>
+        </p:spPr>
+      </p:pic>
+    </p:spTree>
+    <p:extLst>
+      <p:ext uri="{BB962C8B-B14F-4D97-AF65-F5344CB8AC3E}">
+        <p14:creationId xmlns:p14="http://schemas.microsoft.com/office/powerpoint/2010/main" xmlns="" val="2213253413"/>
+      </p:ext>
+    </p:extLst>
+  </p:cSld>
+  <p:clrMapOvr>
+    <a:masterClrMapping/>
+  </p:clrMapOvr>
 </p:sld>
 </file>
 
@@ -7816,7 +8029,7 @@
           <p:cNvPr id="2" name="Titre 1">
             <a:extLst>
               <a:ext uri="{FF2B5EF4-FFF2-40B4-BE49-F238E27FC236}">
-                <a16:creationId xmlns:a16="http://schemas.microsoft.com/office/drawing/2014/main" id="{709515F8-52F5-41EA-9F94-01B0981A1295}"/>
+                <a16:creationId xmlns:a16="http://schemas.microsoft.com/office/drawing/2014/main" xmlns="" id="{709515F8-52F5-41EA-9F94-01B0981A1295}"/>
               </a:ext>
             </a:extLst>
           </p:cNvPr>
@@ -7844,7 +8057,7 @@
           <p:cNvPr id="3" name="Espace réservé du contenu 2">
             <a:extLst>
               <a:ext uri="{FF2B5EF4-FFF2-40B4-BE49-F238E27FC236}">
-                <a16:creationId xmlns:a16="http://schemas.microsoft.com/office/drawing/2014/main" id="{BF6A637C-CB97-4C62-85F7-63CB79C428D8}"/>
+                <a16:creationId xmlns:a16="http://schemas.microsoft.com/office/drawing/2014/main" xmlns="" id="{BF6A637C-CB97-4C62-85F7-63CB79C428D8}"/>
               </a:ext>
             </a:extLst>
           </p:cNvPr>
@@ -7993,7 +8206,7 @@
     </p:spTree>
     <p:extLst>
       <p:ext uri="{BB962C8B-B14F-4D97-AF65-F5344CB8AC3E}">
-        <p14:creationId xmlns:p14="http://schemas.microsoft.com/office/powerpoint/2010/main" val="4219772065"/>
+        <p14:creationId xmlns:p14="http://schemas.microsoft.com/office/powerpoint/2010/main" xmlns="" val="4219772065"/>
       </p:ext>
     </p:extLst>
   </p:cSld>
@@ -8025,7 +8238,7 @@
           <p:cNvPr id="2" name="Titre 1">
             <a:extLst>
               <a:ext uri="{FF2B5EF4-FFF2-40B4-BE49-F238E27FC236}">
-                <a16:creationId xmlns:a16="http://schemas.microsoft.com/office/drawing/2014/main" id="{0F27501F-F26B-46CD-BAAA-F12624F0404D}"/>
+                <a16:creationId xmlns:a16="http://schemas.microsoft.com/office/drawing/2014/main" xmlns="" id="{0F27501F-F26B-46CD-BAAA-F12624F0404D}"/>
               </a:ext>
             </a:extLst>
           </p:cNvPr>
@@ -8058,7 +8271,7 @@
           <p:cNvPr id="7" name="Image 6">
             <a:extLst>
               <a:ext uri="{FF2B5EF4-FFF2-40B4-BE49-F238E27FC236}">
-                <a16:creationId xmlns:a16="http://schemas.microsoft.com/office/drawing/2014/main" id="{313BAE3B-9142-056F-E2AA-105E775B9EAD}"/>
+                <a16:creationId xmlns:a16="http://schemas.microsoft.com/office/drawing/2014/main" xmlns="" id="{313BAE3B-9142-056F-E2AA-105E775B9EAD}"/>
               </a:ext>
             </a:extLst>
           </p:cNvPr>
@@ -8068,10 +8281,10 @@
           <p:nvPr/>
         </p:nvPicPr>
         <p:blipFill>
-          <a:blip r:embed="rId2">
+          <a:blip r:embed="rId2" cstate="print">
             <a:extLst>
               <a:ext uri="{28A0092B-C50C-407E-A947-70E740481C1C}">
-                <a14:useLocalDpi xmlns:a14="http://schemas.microsoft.com/office/drawing/2010/main" val="0"/>
+                <a14:useLocalDpi xmlns:a14="http://schemas.microsoft.com/office/drawing/2010/main" xmlns="" val="0"/>
               </a:ext>
             </a:extLst>
           </a:blip>
@@ -8092,7 +8305,7 @@
     </p:spTree>
     <p:extLst>
       <p:ext uri="{BB962C8B-B14F-4D97-AF65-F5344CB8AC3E}">
-        <p14:creationId xmlns:p14="http://schemas.microsoft.com/office/powerpoint/2010/main" val="2767477300"/>
+        <p14:creationId xmlns:p14="http://schemas.microsoft.com/office/powerpoint/2010/main" xmlns="" val="2767477300"/>
       </p:ext>
     </p:extLst>
   </p:cSld>
@@ -8124,7 +8337,7 @@
           <p:cNvPr id="2" name="Titre 1">
             <a:extLst>
               <a:ext uri="{FF2B5EF4-FFF2-40B4-BE49-F238E27FC236}">
-                <a16:creationId xmlns:a16="http://schemas.microsoft.com/office/drawing/2014/main" id="{0F27501F-F26B-46CD-BAAA-F12624F0404D}"/>
+                <a16:creationId xmlns:a16="http://schemas.microsoft.com/office/drawing/2014/main" xmlns="" id="{0F27501F-F26B-46CD-BAAA-F12624F0404D}"/>
               </a:ext>
             </a:extLst>
           </p:cNvPr>
@@ -8157,7 +8370,7 @@
           <p:cNvPr id="3" name="Espace réservé du contenu 2">
             <a:extLst>
               <a:ext uri="{FF2B5EF4-FFF2-40B4-BE49-F238E27FC236}">
-                <a16:creationId xmlns:a16="http://schemas.microsoft.com/office/drawing/2014/main" id="{DC79A26A-F989-8AAC-161F-647794972DA7}"/>
+                <a16:creationId xmlns:a16="http://schemas.microsoft.com/office/drawing/2014/main" xmlns="" id="{DC79A26A-F989-8AAC-161F-647794972DA7}"/>
               </a:ext>
             </a:extLst>
           </p:cNvPr>
@@ -9137,7 +9350,7 @@
     </p:spTree>
     <p:extLst>
       <p:ext uri="{BB962C8B-B14F-4D97-AF65-F5344CB8AC3E}">
-        <p14:creationId xmlns:p14="http://schemas.microsoft.com/office/powerpoint/2010/main" val="4061388971"/>
+        <p14:creationId xmlns:p14="http://schemas.microsoft.com/office/powerpoint/2010/main" xmlns="" val="4061388971"/>
       </p:ext>
     </p:extLst>
   </p:cSld>
@@ -9169,7 +9382,7 @@
           <p:cNvPr id="2" name="Titre 1">
             <a:extLst>
               <a:ext uri="{FF2B5EF4-FFF2-40B4-BE49-F238E27FC236}">
-                <a16:creationId xmlns:a16="http://schemas.microsoft.com/office/drawing/2014/main" id="{B2528BF9-71D7-B2EB-BC00-3756A629F7C9}"/>
+                <a16:creationId xmlns:a16="http://schemas.microsoft.com/office/drawing/2014/main" xmlns="" id="{B2528BF9-71D7-B2EB-BC00-3756A629F7C9}"/>
               </a:ext>
             </a:extLst>
           </p:cNvPr>
@@ -9197,7 +9410,7 @@
           <p:cNvPr id="3" name="Espace réservé du texte 2">
             <a:extLst>
               <a:ext uri="{FF2B5EF4-FFF2-40B4-BE49-F238E27FC236}">
-                <a16:creationId xmlns:a16="http://schemas.microsoft.com/office/drawing/2014/main" id="{7E40D924-9265-A739-8DAE-2B89321A4F2E}"/>
+                <a16:creationId xmlns:a16="http://schemas.microsoft.com/office/drawing/2014/main" xmlns="" id="{7E40D924-9265-A739-8DAE-2B89321A4F2E}"/>
               </a:ext>
             </a:extLst>
           </p:cNvPr>
@@ -9220,7 +9433,7 @@
     </p:spTree>
     <p:extLst>
       <p:ext uri="{BB962C8B-B14F-4D97-AF65-F5344CB8AC3E}">
-        <p14:creationId xmlns:p14="http://schemas.microsoft.com/office/powerpoint/2010/main" val="2990754855"/>
+        <p14:creationId xmlns:p14="http://schemas.microsoft.com/office/powerpoint/2010/main" xmlns="" val="2990754855"/>
       </p:ext>
     </p:extLst>
   </p:cSld>
@@ -9252,7 +9465,7 @@
           <p:cNvPr id="2" name="Titre 1">
             <a:extLst>
               <a:ext uri="{FF2B5EF4-FFF2-40B4-BE49-F238E27FC236}">
-                <a16:creationId xmlns:a16="http://schemas.microsoft.com/office/drawing/2014/main" id="{60DD8BB1-FA8A-8972-AACC-056C8CA353FF}"/>
+                <a16:creationId xmlns:a16="http://schemas.microsoft.com/office/drawing/2014/main" xmlns="" id="{60DD8BB1-FA8A-8972-AACC-056C8CA353FF}"/>
               </a:ext>
             </a:extLst>
           </p:cNvPr>
@@ -9275,35 +9488,74 @@
           </a:p>
         </p:txBody>
       </p:sp>
-      <p:sp>
-        <p:nvSpPr>
-          <p:cNvPr id="3" name="Espace réservé du texte 2">
-            <a:extLst>
-              <a:ext uri="{FF2B5EF4-FFF2-40B4-BE49-F238E27FC236}">
-                <a16:creationId xmlns:a16="http://schemas.microsoft.com/office/drawing/2014/main" id="{0C4E86A4-93E7-2C97-23AB-406BE1AFA25F}"/>
-              </a:ext>
-            </a:extLst>
-          </p:cNvPr>
-          <p:cNvSpPr>
-            <a:spLocks noGrp="1"/>
-          </p:cNvSpPr>
-          <p:nvPr>
-            <p:ph type="body" idx="1"/>
-          </p:nvPr>
-        </p:nvSpPr>
-        <p:spPr/>
-        <p:txBody>
-          <a:bodyPr/>
-          <a:lstStyle/>
-          <a:p>
-            <a:endParaRPr lang="fr-FR" dirty="0"/>
-          </a:p>
-        </p:txBody>
-      </p:sp>
+      <p:pic>
+        <p:nvPicPr>
+          <p:cNvPr id="1026" name="Picture 2"/>
+          <p:cNvPicPr>
+            <a:picLocks noChangeAspect="1" noChangeArrowheads="1"/>
+          </p:cNvPicPr>
+          <p:nvPr/>
+        </p:nvPicPr>
+        <p:blipFill>
+          <a:blip r:embed="rId2" cstate="print"/>
+          <a:srcRect/>
+          <a:stretch>
+            <a:fillRect/>
+          </a:stretch>
+        </p:blipFill>
+        <p:spPr bwMode="auto">
+          <a:xfrm>
+            <a:off x="201441" y="1496711"/>
+            <a:ext cx="4833937" cy="4851058"/>
+          </a:xfrm>
+          <a:prstGeom prst="rect">
+            <a:avLst/>
+          </a:prstGeom>
+          <a:noFill/>
+          <a:ln w="9525">
+            <a:noFill/>
+            <a:miter lim="800000"/>
+            <a:headEnd/>
+            <a:tailEnd/>
+          </a:ln>
+        </p:spPr>
+      </p:pic>
+      <p:pic>
+        <p:nvPicPr>
+          <p:cNvPr id="1027" name="Picture 3"/>
+          <p:cNvPicPr>
+            <a:picLocks noChangeAspect="1" noChangeArrowheads="1"/>
+          </p:cNvPicPr>
+          <p:nvPr/>
+        </p:nvPicPr>
+        <p:blipFill>
+          <a:blip r:embed="rId3" cstate="print"/>
+          <a:srcRect/>
+          <a:stretch>
+            <a:fillRect/>
+          </a:stretch>
+        </p:blipFill>
+        <p:spPr bwMode="auto">
+          <a:xfrm>
+            <a:off x="5618206" y="2439231"/>
+            <a:ext cx="5430022" cy="3380158"/>
+          </a:xfrm>
+          <a:prstGeom prst="rect">
+            <a:avLst/>
+          </a:prstGeom>
+          <a:noFill/>
+          <a:ln w="9525">
+            <a:noFill/>
+            <a:miter lim="800000"/>
+            <a:headEnd/>
+            <a:tailEnd/>
+          </a:ln>
+        </p:spPr>
+      </p:pic>
     </p:spTree>
     <p:extLst>
       <p:ext uri="{BB962C8B-B14F-4D97-AF65-F5344CB8AC3E}">
-        <p14:creationId xmlns:p14="http://schemas.microsoft.com/office/powerpoint/2010/main" val="1205318223"/>
+        <p14:creationId xmlns:p14="http://schemas.microsoft.com/office/powerpoint/2010/main" xmlns="" val="1205318223"/>
       </p:ext>
     </p:extLst>
   </p:cSld>
@@ -9332,13 +9584,7 @@
       </p:grpSpPr>
       <p:sp>
         <p:nvSpPr>
-          <p:cNvPr id="2" name="Titre 1">
-            <a:extLst>
-              <a:ext uri="{FF2B5EF4-FFF2-40B4-BE49-F238E27FC236}">
-                <a16:creationId xmlns:a16="http://schemas.microsoft.com/office/drawing/2014/main" id="{60DD8BB1-FA8A-8972-AACC-056C8CA353FF}"/>
-              </a:ext>
-            </a:extLst>
-          </p:cNvPr>
+          <p:cNvPr id="2" name="Titre 1"/>
           <p:cNvSpPr>
             <a:spLocks noGrp="1"/>
           </p:cNvSpPr>
@@ -9351,44 +9597,43 @@
           <a:bodyPr/>
           <a:lstStyle/>
           <a:p>
-            <a:r>
-              <a:rPr lang="fr-FR" dirty="0"/>
-              <a:t>Gestion de la batterie </a:t>
-            </a:r>
-          </a:p>
-        </p:txBody>
-      </p:sp>
-      <p:sp>
-        <p:nvSpPr>
-          <p:cNvPr id="3" name="Espace réservé du texte 2">
-            <a:extLst>
-              <a:ext uri="{FF2B5EF4-FFF2-40B4-BE49-F238E27FC236}">
-                <a16:creationId xmlns:a16="http://schemas.microsoft.com/office/drawing/2014/main" id="{0C4E86A4-93E7-2C97-23AB-406BE1AFA25F}"/>
-              </a:ext>
-            </a:extLst>
-          </p:cNvPr>
-          <p:cNvSpPr>
-            <a:spLocks noGrp="1"/>
-          </p:cNvSpPr>
-          <p:nvPr>
-            <p:ph type="body" idx="1"/>
-          </p:nvPr>
-        </p:nvSpPr>
-        <p:spPr/>
-        <p:txBody>
-          <a:bodyPr/>
-          <a:lstStyle/>
-          <a:p>
             <a:endParaRPr lang="fr-FR" dirty="0"/>
           </a:p>
         </p:txBody>
       </p:sp>
+      <p:pic>
+        <p:nvPicPr>
+          <p:cNvPr id="4" name="Picture 2"/>
+          <p:cNvPicPr>
+            <a:picLocks noChangeAspect="1" noChangeArrowheads="1"/>
+          </p:cNvPicPr>
+          <p:nvPr/>
+        </p:nvPicPr>
+        <p:blipFill>
+          <a:blip r:embed="rId2" cstate="print"/>
+          <a:srcRect/>
+          <a:stretch>
+            <a:fillRect/>
+          </a:stretch>
+        </p:blipFill>
+        <p:spPr bwMode="auto">
+          <a:xfrm>
+            <a:off x="363623" y="1316381"/>
+            <a:ext cx="11382375" cy="5114925"/>
+          </a:xfrm>
+          <a:prstGeom prst="rect">
+            <a:avLst/>
+          </a:prstGeom>
+          <a:noFill/>
+          <a:ln w="9525">
+            <a:noFill/>
+            <a:miter lim="800000"/>
+            <a:headEnd/>
+            <a:tailEnd/>
+          </a:ln>
+        </p:spPr>
+      </p:pic>
     </p:spTree>
-    <p:extLst>
-      <p:ext uri="{BB962C8B-B14F-4D97-AF65-F5344CB8AC3E}">
-        <p14:creationId xmlns:p14="http://schemas.microsoft.com/office/powerpoint/2010/main" val="2817518626"/>
-      </p:ext>
-    </p:extLst>
   </p:cSld>
   <p:clrMapOvr>
     <a:masterClrMapping/>
@@ -9415,13 +9660,7 @@
       </p:grpSpPr>
       <p:sp>
         <p:nvSpPr>
-          <p:cNvPr id="2" name="Titre 1">
-            <a:extLst>
-              <a:ext uri="{FF2B5EF4-FFF2-40B4-BE49-F238E27FC236}">
-                <a16:creationId xmlns:a16="http://schemas.microsoft.com/office/drawing/2014/main" id="{60DD8BB1-FA8A-8972-AACC-056C8CA353FF}"/>
-              </a:ext>
-            </a:extLst>
-          </p:cNvPr>
+          <p:cNvPr id="2" name="Titre 1"/>
           <p:cNvSpPr>
             <a:spLocks noGrp="1"/>
           </p:cNvSpPr>
@@ -9434,27 +9673,171 @@
           <a:bodyPr/>
           <a:lstStyle/>
           <a:p>
-            <a:r>
-              <a:rPr lang="fr-FR" dirty="0"/>
-              <a:t>Bilan de puissance </a:t>
-            </a:r>
+            <a:endParaRPr lang="fr-FR"/>
           </a:p>
         </p:txBody>
       </p:sp>
+      <p:pic>
+        <p:nvPicPr>
+          <p:cNvPr id="3074" name="Picture 2"/>
+          <p:cNvPicPr>
+            <a:picLocks noChangeAspect="1" noChangeArrowheads="1"/>
+          </p:cNvPicPr>
+          <p:nvPr/>
+        </p:nvPicPr>
+        <p:blipFill>
+          <a:blip r:embed="rId2" cstate="print"/>
+          <a:srcRect/>
+          <a:stretch>
+            <a:fillRect/>
+          </a:stretch>
+        </p:blipFill>
+        <p:spPr bwMode="auto">
+          <a:xfrm>
+            <a:off x="628650" y="1745712"/>
+            <a:ext cx="4514850" cy="4669376"/>
+          </a:xfrm>
+          <a:prstGeom prst="rect">
+            <a:avLst/>
+          </a:prstGeom>
+          <a:noFill/>
+          <a:ln w="9525">
+            <a:noFill/>
+            <a:miter lim="800000"/>
+            <a:headEnd/>
+            <a:tailEnd/>
+          </a:ln>
+        </p:spPr>
+      </p:pic>
+      <p:pic>
+        <p:nvPicPr>
+          <p:cNvPr id="3075" name="Picture 3"/>
+          <p:cNvPicPr>
+            <a:picLocks noChangeAspect="1" noChangeArrowheads="1"/>
+          </p:cNvPicPr>
+          <p:nvPr/>
+        </p:nvPicPr>
+        <p:blipFill>
+          <a:blip r:embed="rId3" cstate="print"/>
+          <a:srcRect/>
+          <a:stretch>
+            <a:fillRect/>
+          </a:stretch>
+        </p:blipFill>
+        <p:spPr bwMode="auto">
+          <a:xfrm>
+            <a:off x="5376863" y="1693753"/>
+            <a:ext cx="4605337" cy="2411522"/>
+          </a:xfrm>
+          <a:prstGeom prst="rect">
+            <a:avLst/>
+          </a:prstGeom>
+          <a:noFill/>
+          <a:ln w="9525">
+            <a:noFill/>
+            <a:miter lim="800000"/>
+            <a:headEnd/>
+            <a:tailEnd/>
+          </a:ln>
+        </p:spPr>
+      </p:pic>
+      <p:pic>
+        <p:nvPicPr>
+          <p:cNvPr id="6" name="Picture 2"/>
+          <p:cNvPicPr>
+            <a:picLocks noChangeAspect="1" noChangeArrowheads="1"/>
+          </p:cNvPicPr>
+          <p:nvPr/>
+        </p:nvPicPr>
+        <p:blipFill>
+          <a:blip r:embed="rId4" cstate="print"/>
+          <a:srcRect/>
+          <a:stretch>
+            <a:fillRect/>
+          </a:stretch>
+        </p:blipFill>
+        <p:spPr bwMode="auto">
+          <a:xfrm>
+            <a:off x="5205414" y="4191670"/>
+            <a:ext cx="2538412" cy="2337717"/>
+          </a:xfrm>
+          <a:prstGeom prst="rect">
+            <a:avLst/>
+          </a:prstGeom>
+          <a:noFill/>
+          <a:ln w="9525">
+            <a:noFill/>
+            <a:miter lim="800000"/>
+            <a:headEnd/>
+            <a:tailEnd/>
+          </a:ln>
+        </p:spPr>
+      </p:pic>
+      <p:pic>
+        <p:nvPicPr>
+          <p:cNvPr id="3076" name="Picture 4"/>
+          <p:cNvPicPr>
+            <a:picLocks noChangeAspect="1" noChangeArrowheads="1"/>
+          </p:cNvPicPr>
+          <p:nvPr/>
+        </p:nvPicPr>
+        <p:blipFill>
+          <a:blip r:embed="rId5" cstate="print"/>
+          <a:srcRect/>
+          <a:stretch>
+            <a:fillRect/>
+          </a:stretch>
+        </p:blipFill>
+        <p:spPr bwMode="auto">
+          <a:xfrm>
+            <a:off x="8162925" y="4621389"/>
+            <a:ext cx="2495550" cy="1617486"/>
+          </a:xfrm>
+          <a:prstGeom prst="rect">
+            <a:avLst/>
+          </a:prstGeom>
+          <a:noFill/>
+          <a:ln w="9525">
+            <a:noFill/>
+            <a:miter lim="800000"/>
+            <a:headEnd/>
+            <a:tailEnd/>
+          </a:ln>
+        </p:spPr>
+      </p:pic>
+    </p:spTree>
+  </p:cSld>
+  <p:clrMapOvr>
+    <a:masterClrMapping/>
+  </p:clrMapOvr>
+</p:sld>
+</file>
+
+<file path=ppt/slides/slide9.xml><?xml version="1.0" encoding="utf-8"?>
+<p:sld xmlns:a="http://schemas.openxmlformats.org/drawingml/2006/main" xmlns:r="http://schemas.openxmlformats.org/officeDocument/2006/relationships" xmlns:p="http://schemas.openxmlformats.org/presentationml/2006/main">
+  <p:cSld>
+    <p:spTree>
+      <p:nvGrpSpPr>
+        <p:cNvPr id="1" name=""/>
+        <p:cNvGrpSpPr/>
+        <p:nvPr/>
+      </p:nvGrpSpPr>
+      <p:grpSpPr>
+        <a:xfrm>
+          <a:off x="0" y="0"/>
+          <a:ext cx="0" cy="0"/>
+          <a:chOff x="0" y="0"/>
+          <a:chExt cx="0" cy="0"/>
+        </a:xfrm>
+      </p:grpSpPr>
       <p:sp>
         <p:nvSpPr>
-          <p:cNvPr id="3" name="Espace réservé du texte 2">
-            <a:extLst>
-              <a:ext uri="{FF2B5EF4-FFF2-40B4-BE49-F238E27FC236}">
-                <a16:creationId xmlns:a16="http://schemas.microsoft.com/office/drawing/2014/main" id="{0C4E86A4-93E7-2C97-23AB-406BE1AFA25F}"/>
-              </a:ext>
-            </a:extLst>
-          </p:cNvPr>
+          <p:cNvPr id="2" name="Titre 1"/>
           <p:cNvSpPr>
             <a:spLocks noGrp="1"/>
           </p:cNvSpPr>
           <p:nvPr>
-            <p:ph type="body" idx="1"/>
+            <p:ph type="title"/>
           </p:nvPr>
         </p:nvSpPr>
         <p:spPr/>
@@ -9462,16 +9845,139 @@
           <a:bodyPr/>
           <a:lstStyle/>
           <a:p>
-            <a:endParaRPr lang="fr-FR" dirty="0"/>
+            <a:endParaRPr lang="fr-FR"/>
           </a:p>
         </p:txBody>
       </p:sp>
+      <p:pic>
+        <p:nvPicPr>
+          <p:cNvPr id="4099" name="Picture 3"/>
+          <p:cNvPicPr>
+            <a:picLocks noChangeAspect="1" noChangeArrowheads="1"/>
+          </p:cNvPicPr>
+          <p:nvPr/>
+        </p:nvPicPr>
+        <p:blipFill>
+          <a:blip r:embed="rId2" cstate="print"/>
+          <a:srcRect/>
+          <a:stretch>
+            <a:fillRect/>
+          </a:stretch>
+        </p:blipFill>
+        <p:spPr bwMode="auto">
+          <a:xfrm>
+            <a:off x="542926" y="2323927"/>
+            <a:ext cx="2704658" cy="3824461"/>
+          </a:xfrm>
+          <a:prstGeom prst="rect">
+            <a:avLst/>
+          </a:prstGeom>
+          <a:noFill/>
+          <a:ln w="9525">
+            <a:noFill/>
+            <a:miter lim="800000"/>
+            <a:headEnd/>
+            <a:tailEnd/>
+          </a:ln>
+        </p:spPr>
+      </p:pic>
+      <p:pic>
+        <p:nvPicPr>
+          <p:cNvPr id="4100" name="Picture 4"/>
+          <p:cNvPicPr>
+            <a:picLocks noChangeAspect="1" noChangeArrowheads="1"/>
+          </p:cNvPicPr>
+          <p:nvPr/>
+        </p:nvPicPr>
+        <p:blipFill>
+          <a:blip r:embed="rId3" cstate="print"/>
+          <a:srcRect/>
+          <a:stretch>
+            <a:fillRect/>
+          </a:stretch>
+        </p:blipFill>
+        <p:spPr bwMode="auto">
+          <a:xfrm>
+            <a:off x="3319463" y="2276788"/>
+            <a:ext cx="2684105" cy="3876361"/>
+          </a:xfrm>
+          <a:prstGeom prst="rect">
+            <a:avLst/>
+          </a:prstGeom>
+          <a:noFill/>
+          <a:ln w="9525">
+            <a:noFill/>
+            <a:miter lim="800000"/>
+            <a:headEnd/>
+            <a:tailEnd/>
+          </a:ln>
+        </p:spPr>
+      </p:pic>
+      <p:pic>
+        <p:nvPicPr>
+          <p:cNvPr id="4101" name="Picture 5"/>
+          <p:cNvPicPr>
+            <a:picLocks noChangeAspect="1" noChangeArrowheads="1"/>
+          </p:cNvPicPr>
+          <p:nvPr/>
+        </p:nvPicPr>
+        <p:blipFill>
+          <a:blip r:embed="rId4" cstate="print"/>
+          <a:srcRect/>
+          <a:stretch>
+            <a:fillRect/>
+          </a:stretch>
+        </p:blipFill>
+        <p:spPr bwMode="auto">
+          <a:xfrm>
+            <a:off x="6043614" y="2365560"/>
+            <a:ext cx="2675884" cy="3792353"/>
+          </a:xfrm>
+          <a:prstGeom prst="rect">
+            <a:avLst/>
+          </a:prstGeom>
+          <a:noFill/>
+          <a:ln w="9525">
+            <a:noFill/>
+            <a:miter lim="800000"/>
+            <a:headEnd/>
+            <a:tailEnd/>
+          </a:ln>
+        </p:spPr>
+      </p:pic>
+      <p:pic>
+        <p:nvPicPr>
+          <p:cNvPr id="4102" name="Picture 6"/>
+          <p:cNvPicPr>
+            <a:picLocks noChangeAspect="1" noChangeArrowheads="1"/>
+          </p:cNvPicPr>
+          <p:nvPr/>
+        </p:nvPicPr>
+        <p:blipFill>
+          <a:blip r:embed="rId5" cstate="print"/>
+          <a:srcRect/>
+          <a:stretch>
+            <a:fillRect/>
+          </a:stretch>
+        </p:blipFill>
+        <p:spPr bwMode="auto">
+          <a:xfrm>
+            <a:off x="8758238" y="2324100"/>
+            <a:ext cx="2815639" cy="3886200"/>
+          </a:xfrm>
+          <a:prstGeom prst="rect">
+            <a:avLst/>
+          </a:prstGeom>
+          <a:noFill/>
+          <a:ln w="9525">
+            <a:noFill/>
+            <a:miter lim="800000"/>
+            <a:headEnd/>
+            <a:tailEnd/>
+          </a:ln>
+        </p:spPr>
+      </p:pic>
     </p:spTree>
-    <p:extLst>
-      <p:ext uri="{BB962C8B-B14F-4D97-AF65-F5344CB8AC3E}">
-        <p14:creationId xmlns:p14="http://schemas.microsoft.com/office/powerpoint/2010/main" val="2213253413"/>
-      </p:ext>
-    </p:extLst>
   </p:cSld>
   <p:clrMapOvr>
     <a:masterClrMapping/>
@@ -9759,7 +10265,7 @@
   <a:extraClrSchemeLst/>
   <a:extLst>
     <a:ext uri="{05A4C25C-085E-4340-85A3-A5531E510DB2}">
-      <thm15:themeFamily xmlns:thm15="http://schemas.microsoft.com/office/thememl/2012/main" name="Thème1" id="{F8D90D31-0E82-441F-979D-5CA5121051FF}" vid="{6756C6E6-5B85-46E8-8880-4CDFF9CDDAE6}"/>
+      <thm15:themeFamily xmlns:thm15="http://schemas.microsoft.com/office/thememl/2012/main" xmlns="" name="Thème1" id="{F8D90D31-0E82-441F-979D-5CA5121051FF}" vid="{6756C6E6-5B85-46E8-8880-4CDFF9CDDAE6}"/>
     </a:ext>
   </a:extLst>
 </a:theme>

--- a/GestionDeProjet/Reunions/Reunion 20_05_2022/Reunion_avancement20_05_22.pptx
+++ b/GestionDeProjet/Reunions/Reunion 20_05_2022/Reunion_avancement20_05_22.pptx
@@ -10,12 +10,14 @@
     <p:sldId id="258" r:id="rId4"/>
     <p:sldId id="259" r:id="rId5"/>
     <p:sldId id="260" r:id="rId6"/>
-    <p:sldId id="261" r:id="rId7"/>
-    <p:sldId id="264" r:id="rId8"/>
-    <p:sldId id="265" r:id="rId9"/>
-    <p:sldId id="266" r:id="rId10"/>
-    <p:sldId id="267" r:id="rId11"/>
-    <p:sldId id="263" r:id="rId12"/>
+    <p:sldId id="268" r:id="rId7"/>
+    <p:sldId id="269" r:id="rId8"/>
+    <p:sldId id="261" r:id="rId9"/>
+    <p:sldId id="264" r:id="rId10"/>
+    <p:sldId id="265" r:id="rId11"/>
+    <p:sldId id="266" r:id="rId12"/>
+    <p:sldId id="267" r:id="rId13"/>
+    <p:sldId id="263" r:id="rId14"/>
   </p:sldIdLst>
   <p:sldSz cx="12192000" cy="6858000"/>
   <p:notesSz cx="6858000" cy="9144000"/>
@@ -250,7 +252,7 @@
   </p:defaultTextStyle>
   <p:extLst>
     <p:ext uri="{EFAFB233-063F-42B5-8137-9DF3F51BA10A}">
-      <p15:sldGuideLst xmlns:p15="http://schemas.microsoft.com/office/powerpoint/2012/main" xmlns="">
+      <p15:sldGuideLst xmlns:p15="http://schemas.microsoft.com/office/powerpoint/2012/main">
         <p15:guide id="1" orient="horz" pos="2160">
           <p15:clr>
             <a:srgbClr val="A4A3A4"/>
@@ -1007,7 +1009,7 @@
     </p:spTree>
     <p:extLst>
       <p:ext uri="{BB962C8B-B14F-4D97-AF65-F5344CB8AC3E}">
-        <p14:creationId xmlns:p14="http://schemas.microsoft.com/office/powerpoint/2010/main" xmlns="" val="1683196634"/>
+        <p14:creationId xmlns:p14="http://schemas.microsoft.com/office/powerpoint/2010/main" val="1683196634"/>
       </p:ext>
     </p:extLst>
   </p:cSld>
@@ -1756,7 +1758,7 @@
     </p:spTree>
     <p:extLst>
       <p:ext uri="{BB962C8B-B14F-4D97-AF65-F5344CB8AC3E}">
-        <p14:creationId xmlns:p14="http://schemas.microsoft.com/office/powerpoint/2010/main" xmlns="" val="3557230879"/>
+        <p14:creationId xmlns:p14="http://schemas.microsoft.com/office/powerpoint/2010/main" val="3557230879"/>
       </p:ext>
     </p:extLst>
   </p:cSld>
@@ -2514,7 +2516,7 @@
     </p:spTree>
     <p:extLst>
       <p:ext uri="{BB962C8B-B14F-4D97-AF65-F5344CB8AC3E}">
-        <p14:creationId xmlns:p14="http://schemas.microsoft.com/office/powerpoint/2010/main" xmlns="" val="1370354911"/>
+        <p14:creationId xmlns:p14="http://schemas.microsoft.com/office/powerpoint/2010/main" val="1370354911"/>
       </p:ext>
     </p:extLst>
   </p:cSld>
@@ -3266,7 +3268,7 @@
     </p:spTree>
     <p:extLst>
       <p:ext uri="{BB962C8B-B14F-4D97-AF65-F5344CB8AC3E}">
-        <p14:creationId xmlns:p14="http://schemas.microsoft.com/office/powerpoint/2010/main" xmlns="" val="1488441881"/>
+        <p14:creationId xmlns:p14="http://schemas.microsoft.com/office/powerpoint/2010/main" val="1488441881"/>
       </p:ext>
     </p:extLst>
   </p:cSld>
@@ -4015,7 +4017,7 @@
     </p:spTree>
     <p:extLst>
       <p:ext uri="{BB962C8B-B14F-4D97-AF65-F5344CB8AC3E}">
-        <p14:creationId xmlns:p14="http://schemas.microsoft.com/office/powerpoint/2010/main" xmlns="" val="4145855993"/>
+        <p14:creationId xmlns:p14="http://schemas.microsoft.com/office/powerpoint/2010/main" val="4145855993"/>
       </p:ext>
     </p:extLst>
   </p:cSld>
@@ -4796,7 +4798,7 @@
     </p:spTree>
     <p:extLst>
       <p:ext uri="{BB962C8B-B14F-4D97-AF65-F5344CB8AC3E}">
-        <p14:creationId xmlns:p14="http://schemas.microsoft.com/office/powerpoint/2010/main" xmlns="" val="3023544346"/>
+        <p14:creationId xmlns:p14="http://schemas.microsoft.com/office/powerpoint/2010/main" val="3023544346"/>
       </p:ext>
     </p:extLst>
   </p:cSld>
@@ -5518,7 +5520,7 @@
     </p:spTree>
     <p:extLst>
       <p:ext uri="{BB962C8B-B14F-4D97-AF65-F5344CB8AC3E}">
-        <p14:creationId xmlns:p14="http://schemas.microsoft.com/office/powerpoint/2010/main" xmlns="" val="2230660444"/>
+        <p14:creationId xmlns:p14="http://schemas.microsoft.com/office/powerpoint/2010/main" val="2230660444"/>
       </p:ext>
     </p:extLst>
   </p:cSld>
@@ -5885,7 +5887,7 @@
     </p:spTree>
     <p:extLst>
       <p:ext uri="{BB962C8B-B14F-4D97-AF65-F5344CB8AC3E}">
-        <p14:creationId xmlns:p14="http://schemas.microsoft.com/office/powerpoint/2010/main" xmlns="" val="2065464872"/>
+        <p14:creationId xmlns:p14="http://schemas.microsoft.com/office/powerpoint/2010/main" val="2065464872"/>
       </p:ext>
     </p:extLst>
   </p:cSld>
@@ -6982,7 +6984,7 @@
     </p:spTree>
     <p:extLst>
       <p:ext uri="{BB962C8B-B14F-4D97-AF65-F5344CB8AC3E}">
-        <p14:creationId xmlns:p14="http://schemas.microsoft.com/office/powerpoint/2010/main" xmlns="" val="2551948298"/>
+        <p14:creationId xmlns:p14="http://schemas.microsoft.com/office/powerpoint/2010/main" val="2551948298"/>
       </p:ext>
     </p:extLst>
   </p:cSld>
@@ -7711,7 +7713,7 @@
           <p:cNvPr id="2" name="Titre 1">
             <a:extLst>
               <a:ext uri="{FF2B5EF4-FFF2-40B4-BE49-F238E27FC236}">
-                <a16:creationId xmlns:a16="http://schemas.microsoft.com/office/drawing/2014/main" xmlns="" id="{AB203E22-A68F-43B4-8A2A-8135BAB9C7D4}"/>
+                <a16:creationId xmlns:a16="http://schemas.microsoft.com/office/drawing/2014/main" id="{AB203E22-A68F-43B4-8A2A-8135BAB9C7D4}"/>
               </a:ext>
             </a:extLst>
           </p:cNvPr>
@@ -7741,7 +7743,7 @@
           <p:cNvPr id="3" name="Sous-titre 2">
             <a:extLst>
               <a:ext uri="{FF2B5EF4-FFF2-40B4-BE49-F238E27FC236}">
-                <a16:creationId xmlns:a16="http://schemas.microsoft.com/office/drawing/2014/main" xmlns="" id="{E4DA1A89-6A6D-438F-AD0A-7258D468F648}"/>
+                <a16:creationId xmlns:a16="http://schemas.microsoft.com/office/drawing/2014/main" id="{E4DA1A89-6A6D-438F-AD0A-7258D468F648}"/>
               </a:ext>
             </a:extLst>
           </p:cNvPr>
@@ -7784,7 +7786,7 @@
     </p:spTree>
     <p:extLst>
       <p:ext uri="{BB962C8B-B14F-4D97-AF65-F5344CB8AC3E}">
-        <p14:creationId xmlns:p14="http://schemas.microsoft.com/office/powerpoint/2010/main" xmlns="" val="3615421672"/>
+        <p14:creationId xmlns:p14="http://schemas.microsoft.com/office/powerpoint/2010/main" val="3615421672"/>
       </p:ext>
     </p:extLst>
   </p:cSld>
@@ -7798,1850 +7800,6 @@
 </file>
 
 <file path=ppt/slides/slide10.xml><?xml version="1.0" encoding="utf-8"?>
-<p:sld xmlns:a="http://schemas.openxmlformats.org/drawingml/2006/main" xmlns:r="http://schemas.openxmlformats.org/officeDocument/2006/relationships" xmlns:p="http://schemas.openxmlformats.org/presentationml/2006/main">
-  <p:cSld>
-    <p:spTree>
-      <p:nvGrpSpPr>
-        <p:cNvPr id="1" name=""/>
-        <p:cNvGrpSpPr/>
-        <p:nvPr/>
-      </p:nvGrpSpPr>
-      <p:grpSpPr>
-        <a:xfrm>
-          <a:off x="0" y="0"/>
-          <a:ext cx="0" cy="0"/>
-          <a:chOff x="0" y="0"/>
-          <a:chExt cx="0" cy="0"/>
-        </a:xfrm>
-      </p:grpSpPr>
-      <p:sp>
-        <p:nvSpPr>
-          <p:cNvPr id="2" name="Titre 1"/>
-          <p:cNvSpPr>
-            <a:spLocks noGrp="1"/>
-          </p:cNvSpPr>
-          <p:nvPr>
-            <p:ph type="title"/>
-          </p:nvPr>
-        </p:nvSpPr>
-        <p:spPr/>
-        <p:txBody>
-          <a:bodyPr/>
-          <a:lstStyle/>
-          <a:p>
-            <a:endParaRPr lang="fr-FR"/>
-          </a:p>
-        </p:txBody>
-      </p:sp>
-      <p:sp>
-        <p:nvSpPr>
-          <p:cNvPr id="3" name="Espace réservé du texte 2"/>
-          <p:cNvSpPr>
-            <a:spLocks noGrp="1"/>
-          </p:cNvSpPr>
-          <p:nvPr>
-            <p:ph type="body" idx="1"/>
-          </p:nvPr>
-        </p:nvSpPr>
-        <p:spPr/>
-        <p:txBody>
-          <a:bodyPr/>
-          <a:lstStyle/>
-          <a:p>
-            <a:endParaRPr lang="fr-FR"/>
-          </a:p>
-        </p:txBody>
-      </p:sp>
-      <p:pic>
-        <p:nvPicPr>
-          <p:cNvPr id="5122" name="Picture 2"/>
-          <p:cNvPicPr>
-            <a:picLocks noChangeAspect="1" noChangeArrowheads="1"/>
-          </p:cNvPicPr>
-          <p:nvPr/>
-        </p:nvPicPr>
-        <p:blipFill>
-          <a:blip r:embed="rId2" cstate="print"/>
-          <a:srcRect/>
-          <a:stretch>
-            <a:fillRect/>
-          </a:stretch>
-        </p:blipFill>
-        <p:spPr bwMode="auto">
-          <a:xfrm>
-            <a:off x="3143250" y="1547218"/>
-            <a:ext cx="5838825" cy="4744045"/>
-          </a:xfrm>
-          <a:prstGeom prst="rect">
-            <a:avLst/>
-          </a:prstGeom>
-          <a:noFill/>
-          <a:ln w="9525">
-            <a:noFill/>
-            <a:miter lim="800000"/>
-            <a:headEnd/>
-            <a:tailEnd/>
-          </a:ln>
-        </p:spPr>
-      </p:pic>
-    </p:spTree>
-  </p:cSld>
-  <p:clrMapOvr>
-    <a:masterClrMapping/>
-  </p:clrMapOvr>
-</p:sld>
-</file>
-
-<file path=ppt/slides/slide11.xml><?xml version="1.0" encoding="utf-8"?>
-<p:sld xmlns:a="http://schemas.openxmlformats.org/drawingml/2006/main" xmlns:r="http://schemas.openxmlformats.org/officeDocument/2006/relationships" xmlns:p="http://schemas.openxmlformats.org/presentationml/2006/main">
-  <p:cSld>
-    <p:spTree>
-      <p:nvGrpSpPr>
-        <p:cNvPr id="1" name=""/>
-        <p:cNvGrpSpPr/>
-        <p:nvPr/>
-      </p:nvGrpSpPr>
-      <p:grpSpPr>
-        <a:xfrm>
-          <a:off x="0" y="0"/>
-          <a:ext cx="0" cy="0"/>
-          <a:chOff x="0" y="0"/>
-          <a:chExt cx="0" cy="0"/>
-        </a:xfrm>
-      </p:grpSpPr>
-      <p:sp>
-        <p:nvSpPr>
-          <p:cNvPr id="2" name="Titre 1">
-            <a:extLst>
-              <a:ext uri="{FF2B5EF4-FFF2-40B4-BE49-F238E27FC236}">
-                <a16:creationId xmlns:a16="http://schemas.microsoft.com/office/drawing/2014/main" xmlns="" id="{60DD8BB1-FA8A-8972-AACC-056C8CA353FF}"/>
-              </a:ext>
-            </a:extLst>
-          </p:cNvPr>
-          <p:cNvSpPr>
-            <a:spLocks noGrp="1"/>
-          </p:cNvSpPr>
-          <p:nvPr>
-            <p:ph type="title"/>
-          </p:nvPr>
-        </p:nvSpPr>
-        <p:spPr/>
-        <p:txBody>
-          <a:bodyPr/>
-          <a:lstStyle/>
-          <a:p>
-            <a:r>
-              <a:rPr lang="fr-FR" dirty="0"/>
-              <a:t>Bilan de puissance </a:t>
-            </a:r>
-          </a:p>
-        </p:txBody>
-      </p:sp>
-      <p:sp>
-        <p:nvSpPr>
-          <p:cNvPr id="3" name="Espace réservé du texte 2">
-            <a:extLst>
-              <a:ext uri="{FF2B5EF4-FFF2-40B4-BE49-F238E27FC236}">
-                <a16:creationId xmlns:a16="http://schemas.microsoft.com/office/drawing/2014/main" xmlns="" id="{0C4E86A4-93E7-2C97-23AB-406BE1AFA25F}"/>
-              </a:ext>
-            </a:extLst>
-          </p:cNvPr>
-          <p:cNvSpPr>
-            <a:spLocks noGrp="1"/>
-          </p:cNvSpPr>
-          <p:nvPr>
-            <p:ph type="body" idx="1"/>
-          </p:nvPr>
-        </p:nvSpPr>
-        <p:spPr/>
-        <p:txBody>
-          <a:bodyPr/>
-          <a:lstStyle/>
-          <a:p>
-            <a:endParaRPr lang="fr-FR" dirty="0"/>
-          </a:p>
-        </p:txBody>
-      </p:sp>
-      <p:pic>
-        <p:nvPicPr>
-          <p:cNvPr id="6146" name="Picture 2"/>
-          <p:cNvPicPr>
-            <a:picLocks noChangeAspect="1" noChangeArrowheads="1"/>
-          </p:cNvPicPr>
-          <p:nvPr/>
-        </p:nvPicPr>
-        <p:blipFill>
-          <a:blip r:embed="rId2" cstate="print"/>
-          <a:srcRect/>
-          <a:stretch>
-            <a:fillRect/>
-          </a:stretch>
-        </p:blipFill>
-        <p:spPr bwMode="auto">
-          <a:xfrm>
-            <a:off x="438150" y="2494823"/>
-            <a:ext cx="11344275" cy="2124801"/>
-          </a:xfrm>
-          <a:prstGeom prst="rect">
-            <a:avLst/>
-          </a:prstGeom>
-          <a:noFill/>
-          <a:ln w="9525">
-            <a:noFill/>
-            <a:miter lim="800000"/>
-            <a:headEnd/>
-            <a:tailEnd/>
-          </a:ln>
-        </p:spPr>
-      </p:pic>
-    </p:spTree>
-    <p:extLst>
-      <p:ext uri="{BB962C8B-B14F-4D97-AF65-F5344CB8AC3E}">
-        <p14:creationId xmlns:p14="http://schemas.microsoft.com/office/powerpoint/2010/main" xmlns="" val="2213253413"/>
-      </p:ext>
-    </p:extLst>
-  </p:cSld>
-  <p:clrMapOvr>
-    <a:masterClrMapping/>
-  </p:clrMapOvr>
-</p:sld>
-</file>
-
-<file path=ppt/slides/slide2.xml><?xml version="1.0" encoding="utf-8"?>
-<p:sld xmlns:a="http://schemas.openxmlformats.org/drawingml/2006/main" xmlns:r="http://schemas.openxmlformats.org/officeDocument/2006/relationships" xmlns:p="http://schemas.openxmlformats.org/presentationml/2006/main">
-  <p:cSld>
-    <p:spTree>
-      <p:nvGrpSpPr>
-        <p:cNvPr id="1" name=""/>
-        <p:cNvGrpSpPr/>
-        <p:nvPr/>
-      </p:nvGrpSpPr>
-      <p:grpSpPr>
-        <a:xfrm>
-          <a:off x="0" y="0"/>
-          <a:ext cx="0" cy="0"/>
-          <a:chOff x="0" y="0"/>
-          <a:chExt cx="0" cy="0"/>
-        </a:xfrm>
-      </p:grpSpPr>
-      <p:sp>
-        <p:nvSpPr>
-          <p:cNvPr id="2" name="Titre 1">
-            <a:extLst>
-              <a:ext uri="{FF2B5EF4-FFF2-40B4-BE49-F238E27FC236}">
-                <a16:creationId xmlns:a16="http://schemas.microsoft.com/office/drawing/2014/main" xmlns="" id="{709515F8-52F5-41EA-9F94-01B0981A1295}"/>
-              </a:ext>
-            </a:extLst>
-          </p:cNvPr>
-          <p:cNvSpPr>
-            <a:spLocks noGrp="1"/>
-          </p:cNvSpPr>
-          <p:nvPr>
-            <p:ph type="title"/>
-          </p:nvPr>
-        </p:nvSpPr>
-        <p:spPr/>
-        <p:txBody>
-          <a:bodyPr/>
-          <a:lstStyle/>
-          <a:p>
-            <a:r>
-              <a:rPr lang="fr-FR" dirty="0"/>
-              <a:t>Ordre du jour</a:t>
-            </a:r>
-          </a:p>
-        </p:txBody>
-      </p:sp>
-      <p:sp>
-        <p:nvSpPr>
-          <p:cNvPr id="3" name="Espace réservé du contenu 2">
-            <a:extLst>
-              <a:ext uri="{FF2B5EF4-FFF2-40B4-BE49-F238E27FC236}">
-                <a16:creationId xmlns:a16="http://schemas.microsoft.com/office/drawing/2014/main" xmlns="" id="{BF6A637C-CB97-4C62-85F7-63CB79C428D8}"/>
-              </a:ext>
-            </a:extLst>
-          </p:cNvPr>
-          <p:cNvSpPr>
-            <a:spLocks noGrp="1"/>
-          </p:cNvSpPr>
-          <p:nvPr>
-            <p:ph type="body" idx="1"/>
-          </p:nvPr>
-        </p:nvSpPr>
-        <p:spPr/>
-        <p:txBody>
-          <a:bodyPr/>
-          <a:lstStyle/>
-          <a:p>
-            <a:pPr algn="l"/>
-            <a:r>
-              <a:rPr lang="fr-FR" sz="1800" b="0" i="0" dirty="0">
-                <a:solidFill>
-                  <a:srgbClr val="000000"/>
-                </a:solidFill>
-                <a:effectLst/>
-                <a:latin typeface="arial" panose="020B0604020202020204" pitchFamily="34" charset="0"/>
-              </a:rPr>
-              <a:t>Spécifications définitives</a:t>
-            </a:r>
-            <a:endParaRPr lang="fr-FR" sz="2000" b="0" i="0" dirty="0">
-              <a:solidFill>
-                <a:srgbClr val="000000"/>
-              </a:solidFill>
-              <a:effectLst/>
-              <a:latin typeface="arial" panose="020B0604020202020204" pitchFamily="34" charset="0"/>
-            </a:endParaRPr>
-          </a:p>
-          <a:p>
-            <a:pPr algn="l"/>
-            <a:r>
-              <a:rPr lang="fr-FR" sz="1800" b="0" i="0" dirty="0">
-                <a:solidFill>
-                  <a:srgbClr val="000000"/>
-                </a:solidFill>
-                <a:effectLst/>
-                <a:latin typeface="arial" panose="020B0604020202020204" pitchFamily="34" charset="0"/>
-              </a:rPr>
-              <a:t>Ordre de priorité des fonctions à réaliser </a:t>
-            </a:r>
-            <a:endParaRPr lang="fr-FR" sz="2000" b="0" i="0" dirty="0">
-              <a:solidFill>
-                <a:srgbClr val="000000"/>
-              </a:solidFill>
-              <a:effectLst/>
-              <a:latin typeface="arial" panose="020B0604020202020204" pitchFamily="34" charset="0"/>
-            </a:endParaRPr>
-          </a:p>
-          <a:p>
-            <a:pPr algn="l"/>
-            <a:r>
-              <a:rPr lang="fr-FR" sz="1800" b="0" i="0" dirty="0">
-                <a:solidFill>
-                  <a:srgbClr val="000000"/>
-                </a:solidFill>
-                <a:effectLst/>
-                <a:latin typeface="arial" panose="020B0604020202020204" pitchFamily="34" charset="0"/>
-              </a:rPr>
-              <a:t>Travaux Soft</a:t>
-            </a:r>
-            <a:endParaRPr lang="fr-FR" sz="2000" b="0" i="0" dirty="0">
-              <a:solidFill>
-                <a:srgbClr val="000000"/>
-              </a:solidFill>
-              <a:effectLst/>
-              <a:latin typeface="arial" panose="020B0604020202020204" pitchFamily="34" charset="0"/>
-            </a:endParaRPr>
-          </a:p>
-          <a:p>
-            <a:pPr algn="l"/>
-            <a:r>
-              <a:rPr lang="fr-FR" sz="1800" b="0" i="0" dirty="0">
-                <a:solidFill>
-                  <a:srgbClr val="000000"/>
-                </a:solidFill>
-                <a:effectLst/>
-                <a:latin typeface="arial" panose="020B0604020202020204" pitchFamily="34" charset="0"/>
-              </a:rPr>
-              <a:t>Schématique et PCB </a:t>
-            </a:r>
-            <a:endParaRPr lang="fr-FR" sz="2000" b="0" i="0" dirty="0">
-              <a:solidFill>
-                <a:srgbClr val="000000"/>
-              </a:solidFill>
-              <a:effectLst/>
-              <a:latin typeface="arial" panose="020B0604020202020204" pitchFamily="34" charset="0"/>
-            </a:endParaRPr>
-          </a:p>
-          <a:p>
-            <a:pPr algn="l"/>
-            <a:r>
-              <a:rPr lang="fr-FR" sz="1800" b="0" i="0" dirty="0">
-                <a:solidFill>
-                  <a:srgbClr val="000000"/>
-                </a:solidFill>
-                <a:effectLst/>
-                <a:latin typeface="arial" panose="020B0604020202020204" pitchFamily="34" charset="0"/>
-              </a:rPr>
-              <a:t>Gestion de la batterie</a:t>
-            </a:r>
-            <a:endParaRPr lang="fr-FR" sz="2000" b="0" i="0" dirty="0">
-              <a:solidFill>
-                <a:srgbClr val="000000"/>
-              </a:solidFill>
-              <a:effectLst/>
-              <a:latin typeface="arial" panose="020B0604020202020204" pitchFamily="34" charset="0"/>
-            </a:endParaRPr>
-          </a:p>
-          <a:p>
-            <a:pPr algn="l"/>
-            <a:r>
-              <a:rPr lang="fr-FR" sz="1800" b="0" i="0" dirty="0">
-                <a:solidFill>
-                  <a:srgbClr val="000000"/>
-                </a:solidFill>
-                <a:effectLst/>
-                <a:latin typeface="arial" panose="020B0604020202020204" pitchFamily="34" charset="0"/>
-              </a:rPr>
-              <a:t>Bilan de puissance</a:t>
-            </a:r>
-            <a:endParaRPr lang="fr-FR" sz="2000" b="0" i="0" dirty="0">
-              <a:solidFill>
-                <a:srgbClr val="000000"/>
-              </a:solidFill>
-              <a:effectLst/>
-              <a:latin typeface="arial" panose="020B0604020202020204" pitchFamily="34" charset="0"/>
-            </a:endParaRPr>
-          </a:p>
-          <a:p>
-            <a:endParaRPr lang="fr-FR" dirty="0"/>
-          </a:p>
-          <a:p>
-            <a:endParaRPr lang="fr-FR" dirty="0"/>
-          </a:p>
-          <a:p>
-            <a:endParaRPr lang="fr-FR" dirty="0"/>
-          </a:p>
-        </p:txBody>
-      </p:sp>
-    </p:spTree>
-    <p:extLst>
-      <p:ext uri="{BB962C8B-B14F-4D97-AF65-F5344CB8AC3E}">
-        <p14:creationId xmlns:p14="http://schemas.microsoft.com/office/powerpoint/2010/main" xmlns="" val="4219772065"/>
-      </p:ext>
-    </p:extLst>
-  </p:cSld>
-  <p:clrMapOvr>
-    <a:masterClrMapping/>
-  </p:clrMapOvr>
-</p:sld>
-</file>
-
-<file path=ppt/slides/slide3.xml><?xml version="1.0" encoding="utf-8"?>
-<p:sld xmlns:a="http://schemas.openxmlformats.org/drawingml/2006/main" xmlns:r="http://schemas.openxmlformats.org/officeDocument/2006/relationships" xmlns:p="http://schemas.openxmlformats.org/presentationml/2006/main">
-  <p:cSld>
-    <p:spTree>
-      <p:nvGrpSpPr>
-        <p:cNvPr id="1" name=""/>
-        <p:cNvGrpSpPr/>
-        <p:nvPr/>
-      </p:nvGrpSpPr>
-      <p:grpSpPr>
-        <a:xfrm>
-          <a:off x="0" y="0"/>
-          <a:ext cx="0" cy="0"/>
-          <a:chOff x="0" y="0"/>
-          <a:chExt cx="0" cy="0"/>
-        </a:xfrm>
-      </p:grpSpPr>
-      <p:sp>
-        <p:nvSpPr>
-          <p:cNvPr id="2" name="Titre 1">
-            <a:extLst>
-              <a:ext uri="{FF2B5EF4-FFF2-40B4-BE49-F238E27FC236}">
-                <a16:creationId xmlns:a16="http://schemas.microsoft.com/office/drawing/2014/main" xmlns="" id="{0F27501F-F26B-46CD-BAAA-F12624F0404D}"/>
-              </a:ext>
-            </a:extLst>
-          </p:cNvPr>
-          <p:cNvSpPr>
-            <a:spLocks noGrp="1"/>
-          </p:cNvSpPr>
-          <p:nvPr>
-            <p:ph type="title"/>
-          </p:nvPr>
-        </p:nvSpPr>
-        <p:spPr>
-          <a:xfrm>
-            <a:off x="479425" y="710394"/>
-            <a:ext cx="10515600" cy="535200"/>
-          </a:xfrm>
-        </p:spPr>
-        <p:txBody>
-          <a:bodyPr/>
-          <a:lstStyle/>
-          <a:p>
-            <a:r>
-              <a:rPr lang="fr-FR" dirty="0"/>
-              <a:t>Spécifications définitives</a:t>
-            </a:r>
-          </a:p>
-        </p:txBody>
-      </p:sp>
-      <p:pic>
-        <p:nvPicPr>
-          <p:cNvPr id="7" name="Image 6">
-            <a:extLst>
-              <a:ext uri="{FF2B5EF4-FFF2-40B4-BE49-F238E27FC236}">
-                <a16:creationId xmlns:a16="http://schemas.microsoft.com/office/drawing/2014/main" xmlns="" id="{313BAE3B-9142-056F-E2AA-105E775B9EAD}"/>
-              </a:ext>
-            </a:extLst>
-          </p:cNvPr>
-          <p:cNvPicPr>
-            <a:picLocks noChangeAspect="1"/>
-          </p:cNvPicPr>
-          <p:nvPr/>
-        </p:nvPicPr>
-        <p:blipFill>
-          <a:blip r:embed="rId2" cstate="print">
-            <a:extLst>
-              <a:ext uri="{28A0092B-C50C-407E-A947-70E740481C1C}">
-                <a14:useLocalDpi xmlns:a14="http://schemas.microsoft.com/office/drawing/2010/main" xmlns="" val="0"/>
-              </a:ext>
-            </a:extLst>
-          </a:blip>
-          <a:stretch>
-            <a:fillRect/>
-          </a:stretch>
-        </p:blipFill>
-        <p:spPr>
-          <a:xfrm>
-            <a:off x="4537537" y="0"/>
-            <a:ext cx="7261087" cy="6858000"/>
-          </a:xfrm>
-          <a:prstGeom prst="rect">
-            <a:avLst/>
-          </a:prstGeom>
-        </p:spPr>
-      </p:pic>
-    </p:spTree>
-    <p:extLst>
-      <p:ext uri="{BB962C8B-B14F-4D97-AF65-F5344CB8AC3E}">
-        <p14:creationId xmlns:p14="http://schemas.microsoft.com/office/powerpoint/2010/main" xmlns="" val="2767477300"/>
-      </p:ext>
-    </p:extLst>
-  </p:cSld>
-  <p:clrMapOvr>
-    <a:masterClrMapping/>
-  </p:clrMapOvr>
-</p:sld>
-</file>
-
-<file path=ppt/slides/slide4.xml><?xml version="1.0" encoding="utf-8"?>
-<p:sld xmlns:a="http://schemas.openxmlformats.org/drawingml/2006/main" xmlns:r="http://schemas.openxmlformats.org/officeDocument/2006/relationships" xmlns:p="http://schemas.openxmlformats.org/presentationml/2006/main">
-  <p:cSld>
-    <p:spTree>
-      <p:nvGrpSpPr>
-        <p:cNvPr id="1" name=""/>
-        <p:cNvGrpSpPr/>
-        <p:nvPr/>
-      </p:nvGrpSpPr>
-      <p:grpSpPr>
-        <a:xfrm>
-          <a:off x="0" y="0"/>
-          <a:ext cx="0" cy="0"/>
-          <a:chOff x="0" y="0"/>
-          <a:chExt cx="0" cy="0"/>
-        </a:xfrm>
-      </p:grpSpPr>
-      <p:sp>
-        <p:nvSpPr>
-          <p:cNvPr id="2" name="Titre 1">
-            <a:extLst>
-              <a:ext uri="{FF2B5EF4-FFF2-40B4-BE49-F238E27FC236}">
-                <a16:creationId xmlns:a16="http://schemas.microsoft.com/office/drawing/2014/main" xmlns="" id="{0F27501F-F26B-46CD-BAAA-F12624F0404D}"/>
-              </a:ext>
-            </a:extLst>
-          </p:cNvPr>
-          <p:cNvSpPr>
-            <a:spLocks noGrp="1"/>
-          </p:cNvSpPr>
-          <p:nvPr>
-            <p:ph type="title"/>
-          </p:nvPr>
-        </p:nvSpPr>
-        <p:spPr>
-          <a:xfrm>
-            <a:off x="479425" y="710394"/>
-            <a:ext cx="10515600" cy="535200"/>
-          </a:xfrm>
-        </p:spPr>
-        <p:txBody>
-          <a:bodyPr/>
-          <a:lstStyle/>
-          <a:p>
-            <a:r>
-              <a:rPr lang="fr-FR" dirty="0"/>
-              <a:t>Ordre de priorité des fonctions à réaliser</a:t>
-            </a:r>
-          </a:p>
-        </p:txBody>
-      </p:sp>
-      <p:sp>
-        <p:nvSpPr>
-          <p:cNvPr id="3" name="Espace réservé du contenu 2">
-            <a:extLst>
-              <a:ext uri="{FF2B5EF4-FFF2-40B4-BE49-F238E27FC236}">
-                <a16:creationId xmlns:a16="http://schemas.microsoft.com/office/drawing/2014/main" xmlns="" id="{DC79A26A-F989-8AAC-161F-647794972DA7}"/>
-              </a:ext>
-            </a:extLst>
-          </p:cNvPr>
-          <p:cNvSpPr>
-            <a:spLocks noGrp="1"/>
-          </p:cNvSpPr>
-          <p:nvPr>
-            <p:ph type="body" idx="1"/>
-          </p:nvPr>
-        </p:nvSpPr>
-        <p:spPr>
-          <a:xfrm>
-            <a:off x="838200" y="1245594"/>
-            <a:ext cx="10515600" cy="5532711"/>
-          </a:xfrm>
-        </p:spPr>
-        <p:txBody>
-          <a:bodyPr/>
-          <a:lstStyle/>
-          <a:p>
-            <a:pPr algn="l">
-              <a:spcBef>
-                <a:spcPts val="600"/>
-              </a:spcBef>
-            </a:pPr>
-            <a:r>
-              <a:rPr lang="fr-FR" sz="1400" dirty="0">
-                <a:solidFill>
-                  <a:srgbClr val="000000"/>
-                </a:solidFill>
-                <a:latin typeface="arial" panose="020B0604020202020204" pitchFamily="34" charset="0"/>
-              </a:rPr>
-              <a:t>Communication Holo32 (Odométrie + commandes)		PS</a:t>
-            </a:r>
-          </a:p>
-          <a:p>
-            <a:pPr algn="l">
-              <a:spcBef>
-                <a:spcPts val="600"/>
-              </a:spcBef>
-            </a:pPr>
-            <a:r>
-              <a:rPr lang="fr-FR" sz="1400" b="0" i="0" dirty="0">
-                <a:solidFill>
-                  <a:srgbClr val="000000"/>
-                </a:solidFill>
-                <a:effectLst/>
-                <a:latin typeface="arial" panose="020B0604020202020204" pitchFamily="34" charset="0"/>
-              </a:rPr>
-              <a:t>Communication à distance Zybo</a:t>
-            </a:r>
-            <a:r>
-              <a:rPr lang="fr-FR" sz="1400" dirty="0">
-                <a:solidFill>
-                  <a:srgbClr val="000000"/>
-                </a:solidFill>
-                <a:latin typeface="arial" panose="020B0604020202020204" pitchFamily="34" charset="0"/>
-              </a:rPr>
-              <a:t>-PC				PS</a:t>
-            </a:r>
-          </a:p>
-          <a:p>
-            <a:pPr algn="l">
-              <a:spcBef>
-                <a:spcPts val="600"/>
-              </a:spcBef>
-            </a:pPr>
-            <a:r>
-              <a:rPr lang="fr-FR" sz="1400" dirty="0">
-                <a:solidFill>
-                  <a:srgbClr val="000000"/>
-                </a:solidFill>
-                <a:latin typeface="arial" panose="020B0604020202020204" pitchFamily="34" charset="0"/>
-              </a:rPr>
-              <a:t>Localisation :        </a:t>
-            </a:r>
-            <a:r>
-              <a:rPr lang="fr-FR" sz="1100" b="1" dirty="0">
-                <a:solidFill>
-                  <a:srgbClr val="FFC000"/>
-                </a:solidFill>
-                <a:latin typeface="arial" panose="020B0604020202020204" pitchFamily="34" charset="0"/>
-              </a:rPr>
-              <a:t>-</a:t>
-            </a:r>
-            <a:r>
-              <a:rPr lang="fr-FR" sz="1400" b="1" dirty="0">
-                <a:solidFill>
-                  <a:srgbClr val="000000"/>
-                </a:solidFill>
-                <a:latin typeface="arial" panose="020B0604020202020204" pitchFamily="34" charset="0"/>
-              </a:rPr>
-              <a:t> </a:t>
-            </a:r>
-            <a:r>
-              <a:rPr lang="fr-FR" sz="1400" dirty="0">
-                <a:solidFill>
-                  <a:srgbClr val="000000"/>
-                </a:solidFill>
-                <a:latin typeface="arial" panose="020B0604020202020204" pitchFamily="34" charset="0"/>
-              </a:rPr>
-              <a:t>      </a:t>
-            </a:r>
-            <a:r>
-              <a:rPr lang="fr-FR" sz="800" dirty="0">
-                <a:solidFill>
-                  <a:srgbClr val="000000"/>
-                </a:solidFill>
-                <a:latin typeface="arial" panose="020B0604020202020204" pitchFamily="34" charset="0"/>
-                <a:sym typeface="Calibri"/>
-              </a:rPr>
-              <a:t>Cartographie				Manuellement</a:t>
-            </a:r>
-          </a:p>
-          <a:p>
-            <a:pPr lvl="3">
-              <a:buFontTx/>
-              <a:buChar char="-"/>
-            </a:pPr>
-            <a:r>
-              <a:rPr lang="fr-FR" sz="800" dirty="0">
-                <a:solidFill>
-                  <a:srgbClr val="000000"/>
-                </a:solidFill>
-                <a:latin typeface="arial" panose="020B0604020202020204" pitchFamily="34" charset="0"/>
-              </a:rPr>
-              <a:t>NFC 					FPGA</a:t>
-            </a:r>
-          </a:p>
-          <a:p>
-            <a:pPr lvl="3">
-              <a:buFontTx/>
-              <a:buChar char="-"/>
-            </a:pPr>
-            <a:r>
-              <a:rPr lang="fr-FR" sz="800" b="0" i="0" dirty="0">
-                <a:solidFill>
-                  <a:srgbClr val="000000"/>
-                </a:solidFill>
-                <a:effectLst/>
-                <a:latin typeface="arial" panose="020B0604020202020204" pitchFamily="34" charset="0"/>
-              </a:rPr>
-              <a:t>Odométrie </a:t>
-            </a:r>
-            <a:r>
-              <a:rPr lang="fr-FR" sz="800" dirty="0">
-                <a:solidFill>
-                  <a:srgbClr val="000000"/>
-                </a:solidFill>
-                <a:latin typeface="arial" panose="020B0604020202020204" pitchFamily="34" charset="0"/>
-              </a:rPr>
-              <a:t>				FPGA</a:t>
-            </a:r>
-            <a:endParaRPr lang="fr-FR" sz="800" b="0" i="0" dirty="0">
-              <a:solidFill>
-                <a:srgbClr val="000000"/>
-              </a:solidFill>
-              <a:effectLst/>
-              <a:latin typeface="arial" panose="020B0604020202020204" pitchFamily="34" charset="0"/>
-            </a:endParaRPr>
-          </a:p>
-          <a:p>
-            <a:pPr lvl="3">
-              <a:buFontTx/>
-              <a:buChar char="-"/>
-            </a:pPr>
-            <a:r>
-              <a:rPr lang="fr-FR" sz="800" dirty="0">
-                <a:solidFill>
-                  <a:srgbClr val="000000"/>
-                </a:solidFill>
-                <a:latin typeface="arial" panose="020B0604020202020204" pitchFamily="34" charset="0"/>
-              </a:rPr>
-              <a:t>IMU					FPGA</a:t>
-            </a:r>
-            <a:endParaRPr lang="fr-FR" dirty="0">
-              <a:solidFill>
-                <a:srgbClr val="000000"/>
-              </a:solidFill>
-              <a:latin typeface="arial" panose="020B0604020202020204" pitchFamily="34" charset="0"/>
-            </a:endParaRPr>
-          </a:p>
-          <a:p>
-            <a:pPr>
-              <a:spcBef>
-                <a:spcPts val="600"/>
-              </a:spcBef>
-            </a:pPr>
-            <a:r>
-              <a:rPr lang="fr-FR" sz="1400" dirty="0">
-                <a:solidFill>
-                  <a:srgbClr val="000000"/>
-                </a:solidFill>
-                <a:latin typeface="arial" panose="020B0604020202020204" pitchFamily="34" charset="0"/>
-              </a:rPr>
-              <a:t>Navigation </a:t>
-            </a:r>
-            <a:r>
-              <a:rPr lang="fr-FR" sz="1400" dirty="0"/>
-              <a:t>:         </a:t>
-            </a:r>
-            <a:r>
-              <a:rPr kumimoji="0" lang="fr-FR" sz="1100" b="1" i="0" u="none" strike="noStrike" kern="0" cap="none" spc="0" normalizeH="0" baseline="0" noProof="0" dirty="0">
-                <a:ln>
-                  <a:noFill/>
-                </a:ln>
-                <a:solidFill>
-                  <a:srgbClr val="FFC000"/>
-                </a:solidFill>
-                <a:effectLst/>
-                <a:uLnTx/>
-                <a:uFillTx/>
-                <a:latin typeface="arial" panose="020B0604020202020204" pitchFamily="34" charset="0"/>
-                <a:cs typeface="Arial"/>
-                <a:sym typeface="Arial"/>
-              </a:rPr>
-              <a:t>-</a:t>
-            </a:r>
-            <a:r>
-              <a:rPr kumimoji="0" lang="fr-FR" sz="1100" b="0" i="0" u="none" strike="noStrike" kern="0" cap="none" spc="0" normalizeH="0" baseline="0" noProof="0" dirty="0">
-                <a:ln>
-                  <a:noFill/>
-                </a:ln>
-                <a:solidFill>
-                  <a:srgbClr val="FFC000"/>
-                </a:solidFill>
-                <a:effectLst/>
-                <a:uLnTx/>
-                <a:uFillTx/>
-                <a:latin typeface="arial" panose="020B0604020202020204" pitchFamily="34" charset="0"/>
-                <a:cs typeface="Arial"/>
-                <a:sym typeface="Arial"/>
-              </a:rPr>
-              <a:t> </a:t>
-            </a:r>
-            <a:r>
-              <a:rPr kumimoji="0" lang="fr-FR" sz="1200" b="0" i="0" u="none" strike="noStrike" kern="0" cap="none" spc="0" normalizeH="0" baseline="0" noProof="0" dirty="0">
-                <a:ln>
-                  <a:noFill/>
-                </a:ln>
-                <a:solidFill>
-                  <a:srgbClr val="FFC000"/>
-                </a:solidFill>
-                <a:effectLst/>
-                <a:uLnTx/>
-                <a:uFillTx/>
-                <a:latin typeface="arial" panose="020B0604020202020204" pitchFamily="34" charset="0"/>
-                <a:cs typeface="Arial"/>
-                <a:sym typeface="Arial"/>
-              </a:rPr>
-              <a:t>         </a:t>
-            </a:r>
-            <a:r>
-              <a:rPr lang="fr-FR" sz="800" dirty="0">
-                <a:solidFill>
-                  <a:srgbClr val="000000"/>
-                </a:solidFill>
-                <a:latin typeface="arial" panose="020B0604020202020204" pitchFamily="34" charset="0"/>
-              </a:rPr>
-              <a:t>Dijkstra				FPGA</a:t>
-            </a:r>
-            <a:endParaRPr lang="fr-FR" sz="800" dirty="0">
-              <a:solidFill>
-                <a:srgbClr val="000000"/>
-              </a:solidFill>
-              <a:latin typeface="arial" panose="020B0604020202020204" pitchFamily="34" charset="0"/>
-              <a:sym typeface="Calibri"/>
-            </a:endParaRPr>
-          </a:p>
-          <a:p>
-            <a:pPr lvl="3">
-              <a:buFontTx/>
-              <a:buChar char="-"/>
-            </a:pPr>
-            <a:r>
-              <a:rPr lang="fr-FR" sz="800" dirty="0">
-                <a:solidFill>
-                  <a:srgbClr val="000000"/>
-                </a:solidFill>
-                <a:latin typeface="arial" panose="020B0604020202020204" pitchFamily="34" charset="0"/>
-              </a:rPr>
-              <a:t>Orientation 				</a:t>
-            </a:r>
-          </a:p>
-          <a:p>
-            <a:pPr lvl="3">
-              <a:buFontTx/>
-              <a:buChar char="-"/>
-            </a:pPr>
-            <a:r>
-              <a:rPr lang="fr-FR" sz="800" dirty="0">
-                <a:solidFill>
-                  <a:srgbClr val="000000"/>
-                </a:solidFill>
-                <a:latin typeface="arial" panose="020B0604020202020204" pitchFamily="34" charset="0"/>
-              </a:rPr>
-              <a:t>Cheminement </a:t>
-            </a:r>
-            <a:endParaRPr lang="fr-FR" sz="1100" dirty="0"/>
-          </a:p>
-          <a:p>
-            <a:pPr>
-              <a:spcBef>
-                <a:spcPts val="600"/>
-              </a:spcBef>
-            </a:pPr>
-            <a:r>
-              <a:rPr lang="fr-FR" sz="1400" dirty="0"/>
-              <a:t>Détection d’alertes  					FPGA</a:t>
-            </a:r>
-          </a:p>
-          <a:p>
-            <a:pPr marL="609585" marR="0" lvl="0" indent="-423323" algn="l" defTabSz="914400" rtl="0" eaLnBrk="1" fontAlgn="auto" latinLnBrk="0" hangingPunct="1">
-              <a:lnSpc>
-                <a:spcPct val="90000"/>
-              </a:lnSpc>
-              <a:spcBef>
-                <a:spcPts val="600"/>
-              </a:spcBef>
-              <a:spcAft>
-                <a:spcPts val="0"/>
-              </a:spcAft>
-              <a:buClr>
-                <a:srgbClr val="F9B63B"/>
-              </a:buClr>
-              <a:buSzPts val="1400"/>
-              <a:buFont typeface="Arial"/>
-              <a:buChar char="•"/>
-              <a:tabLst/>
-              <a:defRPr/>
-            </a:pPr>
-            <a:r>
-              <a:rPr lang="fr-FR" sz="1400" dirty="0"/>
-              <a:t>Gestionnaire de mission :             </a:t>
-            </a:r>
-            <a:r>
-              <a:rPr kumimoji="0" lang="fr-FR" sz="1100" b="1" i="0" u="none" strike="noStrike" kern="0" cap="none" spc="0" normalizeH="0" baseline="0" noProof="0" dirty="0">
-                <a:ln>
-                  <a:noFill/>
-                </a:ln>
-                <a:solidFill>
-                  <a:srgbClr val="FFC000"/>
-                </a:solidFill>
-                <a:effectLst/>
-                <a:uLnTx/>
-                <a:uFillTx/>
-                <a:latin typeface="arial" panose="020B0604020202020204" pitchFamily="34" charset="0"/>
-                <a:cs typeface="Arial"/>
-                <a:sym typeface="Arial"/>
-              </a:rPr>
-              <a:t>-</a:t>
-            </a:r>
-            <a:r>
-              <a:rPr kumimoji="0" lang="fr-FR" sz="1100" b="0" i="0" u="none" strike="noStrike" kern="0" cap="none" spc="0" normalizeH="0" baseline="0" noProof="0" dirty="0">
-                <a:ln>
-                  <a:noFill/>
-                </a:ln>
-                <a:solidFill>
-                  <a:srgbClr val="FFC000"/>
-                </a:solidFill>
-                <a:effectLst/>
-                <a:uLnTx/>
-                <a:uFillTx/>
-                <a:latin typeface="arial" panose="020B0604020202020204" pitchFamily="34" charset="0"/>
-                <a:cs typeface="Arial"/>
-                <a:sym typeface="Arial"/>
-              </a:rPr>
-              <a:t> </a:t>
-            </a:r>
-            <a:r>
-              <a:rPr kumimoji="0" lang="fr-FR" sz="1200" b="0" i="0" u="none" strike="noStrike" kern="0" cap="none" spc="0" normalizeH="0" baseline="0" noProof="0" dirty="0">
-                <a:ln>
-                  <a:noFill/>
-                </a:ln>
-                <a:solidFill>
-                  <a:srgbClr val="FFC000"/>
-                </a:solidFill>
-                <a:effectLst/>
-                <a:uLnTx/>
-                <a:uFillTx/>
-                <a:latin typeface="arial" panose="020B0604020202020204" pitchFamily="34" charset="0"/>
-                <a:cs typeface="Arial"/>
-                <a:sym typeface="Arial"/>
-              </a:rPr>
-              <a:t>        </a:t>
-            </a:r>
-            <a:r>
-              <a:rPr lang="fr-FR" sz="800" dirty="0">
-                <a:solidFill>
-                  <a:srgbClr val="000000"/>
-                </a:solidFill>
-                <a:latin typeface="arial" panose="020B0604020202020204" pitchFamily="34" charset="0"/>
-              </a:rPr>
-              <a:t>Démarrage			PS</a:t>
-            </a:r>
-          </a:p>
-          <a:p>
-            <a:pPr lvl="5">
-              <a:spcBef>
-                <a:spcPts val="300"/>
-              </a:spcBef>
-              <a:buClr>
-                <a:srgbClr val="FFC000"/>
-              </a:buClr>
-              <a:buFontTx/>
-              <a:buChar char="-"/>
-              <a:defRPr/>
-            </a:pPr>
-            <a:r>
-              <a:rPr kumimoji="0" lang="fr-FR" sz="800" b="0" u="none" strike="noStrike" kern="0" cap="none" spc="0" normalizeH="0" baseline="0" noProof="0" dirty="0">
-                <a:ln>
-                  <a:noFill/>
-                </a:ln>
-                <a:solidFill>
-                  <a:srgbClr val="000000"/>
-                </a:solidFill>
-                <a:effectLst/>
-                <a:uLnTx/>
-                <a:uFillTx/>
-                <a:latin typeface="arial" panose="020B0604020202020204" pitchFamily="34" charset="0"/>
-                <a:cs typeface="Arial"/>
-                <a:sym typeface="Arial"/>
-              </a:rPr>
-              <a:t>Mode auto/mode manuel		PS</a:t>
-            </a:r>
-          </a:p>
-          <a:p>
-            <a:pPr lvl="5">
-              <a:spcBef>
-                <a:spcPts val="300"/>
-              </a:spcBef>
-              <a:buClr>
-                <a:srgbClr val="FFC000"/>
-              </a:buClr>
-              <a:buFontTx/>
-              <a:buChar char="-"/>
-              <a:defRPr/>
-            </a:pPr>
-            <a:r>
-              <a:rPr kumimoji="0" lang="fr-FR" sz="800" b="0" u="none" strike="noStrike" kern="0" cap="none" spc="0" normalizeH="0" baseline="0" noProof="0" dirty="0">
-                <a:ln>
-                  <a:noFill/>
-                </a:ln>
-                <a:solidFill>
-                  <a:srgbClr val="000000"/>
-                </a:solidFill>
-                <a:effectLst/>
-                <a:uLnTx/>
-                <a:uFillTx/>
-                <a:latin typeface="arial" panose="020B0604020202020204" pitchFamily="34" charset="0"/>
-                <a:cs typeface="Arial"/>
-                <a:sym typeface="Arial"/>
-              </a:rPr>
-              <a:t>Gestion d’alertes			PS</a:t>
-            </a:r>
-          </a:p>
-          <a:p>
-            <a:pPr lvl="5">
-              <a:spcBef>
-                <a:spcPts val="300"/>
-              </a:spcBef>
-              <a:buClr>
-                <a:srgbClr val="FFC000"/>
-              </a:buClr>
-              <a:buFontTx/>
-              <a:buChar char="-"/>
-              <a:defRPr/>
-            </a:pPr>
-            <a:r>
-              <a:rPr lang="fr-FR" sz="800" dirty="0">
-                <a:solidFill>
-                  <a:srgbClr val="000000"/>
-                </a:solidFill>
-                <a:latin typeface="arial" panose="020B0604020202020204" pitchFamily="34" charset="0"/>
-                <a:cs typeface="Arial"/>
-                <a:sym typeface="Arial"/>
-              </a:rPr>
-              <a:t>Rondes et </a:t>
-            </a:r>
-            <a:r>
-              <a:rPr lang="fr-FR" sz="800" dirty="0" err="1">
-                <a:solidFill>
-                  <a:srgbClr val="000000"/>
-                </a:solidFill>
-                <a:latin typeface="arial" panose="020B0604020202020204" pitchFamily="34" charset="0"/>
-                <a:cs typeface="Arial"/>
-                <a:sym typeface="Arial"/>
-              </a:rPr>
-              <a:t>timer</a:t>
-            </a:r>
-            <a:r>
-              <a:rPr lang="fr-FR" sz="800" dirty="0">
-                <a:solidFill>
-                  <a:srgbClr val="000000"/>
-                </a:solidFill>
-                <a:latin typeface="arial" panose="020B0604020202020204" pitchFamily="34" charset="0"/>
-                <a:cs typeface="Arial"/>
-                <a:sym typeface="Arial"/>
-              </a:rPr>
-              <a:t>			PS &amp; FPGA pour le </a:t>
-            </a:r>
-            <a:r>
-              <a:rPr lang="fr-FR" sz="800" dirty="0" err="1">
-                <a:solidFill>
-                  <a:srgbClr val="000000"/>
-                </a:solidFill>
-                <a:latin typeface="arial" panose="020B0604020202020204" pitchFamily="34" charset="0"/>
-                <a:cs typeface="Arial"/>
-                <a:sym typeface="Arial"/>
-              </a:rPr>
-              <a:t>timer</a:t>
-            </a:r>
-            <a:endParaRPr lang="fr-FR" sz="800" dirty="0">
-              <a:solidFill>
-                <a:srgbClr val="000000"/>
-              </a:solidFill>
-              <a:latin typeface="arial" panose="020B0604020202020204" pitchFamily="34" charset="0"/>
-              <a:cs typeface="Arial"/>
-              <a:sym typeface="Arial"/>
-            </a:endParaRPr>
-          </a:p>
-          <a:p>
-            <a:pPr lvl="5">
-              <a:spcBef>
-                <a:spcPts val="300"/>
-              </a:spcBef>
-              <a:buClr>
-                <a:srgbClr val="FFC000"/>
-              </a:buClr>
-              <a:buFontTx/>
-              <a:buChar char="-"/>
-              <a:defRPr/>
-            </a:pPr>
-            <a:r>
-              <a:rPr kumimoji="0" lang="fr-FR" sz="800" b="0" u="none" strike="noStrike" kern="0" cap="none" spc="0" normalizeH="0" baseline="0" noProof="0" dirty="0">
-                <a:ln>
-                  <a:noFill/>
-                </a:ln>
-                <a:solidFill>
-                  <a:srgbClr val="000000"/>
-                </a:solidFill>
-                <a:effectLst/>
-                <a:uLnTx/>
-                <a:uFillTx/>
-                <a:latin typeface="arial" panose="020B0604020202020204" pitchFamily="34" charset="0"/>
-                <a:cs typeface="Arial"/>
-                <a:sym typeface="Arial"/>
-              </a:rPr>
-              <a:t>Interruption Ronde </a:t>
-            </a:r>
-            <a:r>
-              <a:rPr kumimoji="0" lang="fr-FR" sz="800" b="0" u="none" strike="noStrike" kern="0" cap="none" spc="0" normalizeH="0" baseline="0" noProof="0" dirty="0">
-                <a:ln>
-                  <a:noFill/>
-                </a:ln>
-                <a:solidFill>
-                  <a:srgbClr val="000000"/>
-                </a:solidFill>
-                <a:effectLst/>
-                <a:uLnTx/>
-                <a:uFillTx/>
-                <a:latin typeface="arial" panose="020B0604020202020204" pitchFamily="34" charset="0"/>
-                <a:cs typeface="Arial"/>
-                <a:sym typeface="Wingdings" panose="05000000000000000000" pitchFamily="2" charset="2"/>
-              </a:rPr>
-              <a:t></a:t>
-            </a:r>
-            <a:r>
-              <a:rPr kumimoji="0" lang="fr-FR" sz="800" b="0" u="none" strike="noStrike" kern="0" cap="none" spc="0" normalizeH="0" baseline="0" noProof="0" dirty="0">
-                <a:ln>
-                  <a:noFill/>
-                </a:ln>
-                <a:solidFill>
-                  <a:srgbClr val="000000"/>
-                </a:solidFill>
-                <a:effectLst/>
-                <a:uLnTx/>
-                <a:uFillTx/>
-                <a:latin typeface="arial" panose="020B0604020202020204" pitchFamily="34" charset="0"/>
-                <a:cs typeface="Arial"/>
-                <a:sym typeface="Arial"/>
-              </a:rPr>
-              <a:t> alertes		PS</a:t>
-            </a:r>
-            <a:endParaRPr lang="fr-FR" sz="1800" dirty="0"/>
-          </a:p>
-          <a:p>
-            <a:pPr marL="609585" marR="0" lvl="0" indent="-423323" algn="l" defTabSz="914400" rtl="0" eaLnBrk="1" fontAlgn="auto" latinLnBrk="0" hangingPunct="1">
-              <a:lnSpc>
-                <a:spcPct val="90000"/>
-              </a:lnSpc>
-              <a:spcBef>
-                <a:spcPts val="600"/>
-              </a:spcBef>
-              <a:spcAft>
-                <a:spcPts val="0"/>
-              </a:spcAft>
-              <a:buClr>
-                <a:srgbClr val="F9B63B"/>
-              </a:buClr>
-              <a:buSzPts val="1400"/>
-              <a:buFont typeface="Arial"/>
-              <a:buChar char="•"/>
-              <a:tabLst/>
-              <a:defRPr/>
-            </a:pPr>
-            <a:r>
-              <a:rPr lang="fr-FR" sz="1400" dirty="0"/>
-              <a:t>Evitement d’obstacle :      </a:t>
-            </a:r>
-            <a:r>
-              <a:rPr kumimoji="0" lang="fr-FR" sz="1100" b="1" i="0" u="none" strike="noStrike" kern="0" cap="none" spc="0" normalizeH="0" baseline="0" noProof="0" dirty="0">
-                <a:ln>
-                  <a:noFill/>
-                </a:ln>
-                <a:solidFill>
-                  <a:srgbClr val="FFC000"/>
-                </a:solidFill>
-                <a:effectLst/>
-                <a:uLnTx/>
-                <a:uFillTx/>
-                <a:latin typeface="arial" panose="020B0604020202020204" pitchFamily="34" charset="0"/>
-                <a:cs typeface="Arial"/>
-                <a:sym typeface="Arial"/>
-              </a:rPr>
-              <a:t>-</a:t>
-            </a:r>
-            <a:r>
-              <a:rPr kumimoji="0" lang="fr-FR" sz="1100" b="0" i="0" u="none" strike="noStrike" kern="0" cap="none" spc="0" normalizeH="0" baseline="0" noProof="0" dirty="0">
-                <a:ln>
-                  <a:noFill/>
-                </a:ln>
-                <a:solidFill>
-                  <a:srgbClr val="FFC000"/>
-                </a:solidFill>
-                <a:effectLst/>
-                <a:uLnTx/>
-                <a:uFillTx/>
-                <a:latin typeface="arial" panose="020B0604020202020204" pitchFamily="34" charset="0"/>
-                <a:cs typeface="Arial"/>
-                <a:sym typeface="Arial"/>
-              </a:rPr>
-              <a:t> </a:t>
-            </a:r>
-            <a:r>
-              <a:rPr kumimoji="0" lang="fr-FR" sz="1200" b="0" i="0" u="none" strike="noStrike" kern="0" cap="none" spc="0" normalizeH="0" baseline="0" noProof="0" dirty="0">
-                <a:ln>
-                  <a:noFill/>
-                </a:ln>
-                <a:solidFill>
-                  <a:srgbClr val="FFC000"/>
-                </a:solidFill>
-                <a:effectLst/>
-                <a:uLnTx/>
-                <a:uFillTx/>
-                <a:latin typeface="arial" panose="020B0604020202020204" pitchFamily="34" charset="0"/>
-                <a:cs typeface="Arial"/>
-                <a:sym typeface="Arial"/>
-              </a:rPr>
-              <a:t>        </a:t>
-            </a:r>
-            <a:r>
-              <a:rPr lang="fr-FR" sz="800" dirty="0">
-                <a:solidFill>
-                  <a:srgbClr val="000000"/>
-                </a:solidFill>
-                <a:latin typeface="arial" panose="020B0604020202020204" pitchFamily="34" charset="0"/>
-              </a:rPr>
-              <a:t>Détection</a:t>
-            </a:r>
-            <a:r>
-              <a:rPr kumimoji="0" lang="fr-FR" sz="800" b="0" i="0" u="none" strike="noStrike" kern="0" cap="none" spc="0" normalizeH="0" baseline="0" noProof="0" dirty="0">
-                <a:ln>
-                  <a:noFill/>
-                </a:ln>
-                <a:solidFill>
-                  <a:srgbClr val="000000"/>
-                </a:solidFill>
-                <a:effectLst/>
-                <a:uLnTx/>
-                <a:uFillTx/>
-                <a:latin typeface="arial" panose="020B0604020202020204" pitchFamily="34" charset="0"/>
-                <a:cs typeface="Arial"/>
-                <a:sym typeface="Arial"/>
-              </a:rPr>
-              <a:t> 				FPGA</a:t>
-            </a:r>
-            <a:endParaRPr kumimoji="0" lang="fr-FR" sz="700" b="0" i="0" u="none" strike="noStrike" kern="0" cap="none" spc="0" normalizeH="0" baseline="0" noProof="0" dirty="0">
-              <a:ln>
-                <a:noFill/>
-              </a:ln>
-              <a:solidFill>
-                <a:srgbClr val="000000"/>
-              </a:solidFill>
-              <a:effectLst/>
-              <a:uLnTx/>
-              <a:uFillTx/>
-              <a:latin typeface="arial" panose="020B0604020202020204" pitchFamily="34" charset="0"/>
-              <a:cs typeface="Arial"/>
-              <a:sym typeface="Arial"/>
-            </a:endParaRPr>
-          </a:p>
-          <a:p>
-            <a:pPr lvl="4">
-              <a:spcBef>
-                <a:spcPts val="300"/>
-              </a:spcBef>
-              <a:buClr>
-                <a:srgbClr val="FFC000"/>
-              </a:buClr>
-              <a:buFontTx/>
-              <a:buChar char="-"/>
-              <a:defRPr/>
-            </a:pPr>
-            <a:r>
-              <a:rPr kumimoji="0" lang="fr-FR" sz="800" b="0" i="0" u="none" strike="noStrike" kern="0" cap="none" spc="0" normalizeH="0" baseline="0" noProof="0" dirty="0">
-                <a:ln>
-                  <a:noFill/>
-                </a:ln>
-                <a:solidFill>
-                  <a:srgbClr val="000000"/>
-                </a:solidFill>
-                <a:effectLst/>
-                <a:uLnTx/>
-                <a:uFillTx/>
-                <a:latin typeface="arial" panose="020B0604020202020204" pitchFamily="34" charset="0"/>
-                <a:cs typeface="Arial"/>
-                <a:sym typeface="Arial"/>
-              </a:rPr>
-              <a:t>Interruption navigation			PS</a:t>
-            </a:r>
-          </a:p>
-          <a:p>
-            <a:pPr lvl="4">
-              <a:spcBef>
-                <a:spcPts val="300"/>
-              </a:spcBef>
-              <a:buClr>
-                <a:srgbClr val="FFC000"/>
-              </a:buClr>
-              <a:buFontTx/>
-              <a:buChar char="-"/>
-              <a:defRPr/>
-            </a:pPr>
-            <a:r>
-              <a:rPr kumimoji="0" lang="fr-FR" sz="800" b="0" i="0" u="none" strike="noStrike" kern="0" cap="none" spc="0" normalizeH="0" baseline="0" noProof="0" dirty="0">
-                <a:ln>
-                  <a:noFill/>
-                </a:ln>
-                <a:solidFill>
-                  <a:srgbClr val="000000"/>
-                </a:solidFill>
-                <a:effectLst/>
-                <a:uLnTx/>
-                <a:uFillTx/>
-                <a:latin typeface="arial" panose="020B0604020202020204" pitchFamily="34" charset="0"/>
-                <a:cs typeface="Arial"/>
-                <a:sym typeface="Arial"/>
-              </a:rPr>
-              <a:t>Arbre de décision 			PS</a:t>
-            </a:r>
-          </a:p>
-          <a:p>
-            <a:pPr lvl="4">
-              <a:spcBef>
-                <a:spcPts val="300"/>
-              </a:spcBef>
-              <a:buClr>
-                <a:srgbClr val="FFC000"/>
-              </a:buClr>
-              <a:buFontTx/>
-              <a:buChar char="-"/>
-              <a:defRPr/>
-            </a:pPr>
-            <a:r>
-              <a:rPr lang="fr-FR" sz="800" dirty="0">
-                <a:solidFill>
-                  <a:srgbClr val="000000"/>
-                </a:solidFill>
-                <a:latin typeface="arial" panose="020B0604020202020204" pitchFamily="34" charset="0"/>
-                <a:cs typeface="Arial"/>
-                <a:sym typeface="Arial"/>
-              </a:rPr>
-              <a:t>Sortie interruption			PS</a:t>
-            </a:r>
-            <a:endParaRPr lang="fr-FR" dirty="0"/>
-          </a:p>
-          <a:p>
-            <a:pPr marL="609585" marR="0" lvl="0" indent="-423323" algn="l" defTabSz="914400" rtl="0" eaLnBrk="1" fontAlgn="auto" latinLnBrk="0" hangingPunct="1">
-              <a:lnSpc>
-                <a:spcPct val="90000"/>
-              </a:lnSpc>
-              <a:spcBef>
-                <a:spcPts val="600"/>
-              </a:spcBef>
-              <a:spcAft>
-                <a:spcPts val="0"/>
-              </a:spcAft>
-              <a:buClr>
-                <a:srgbClr val="F9B63B"/>
-              </a:buClr>
-              <a:buSzPts val="1400"/>
-              <a:buFont typeface="Arial"/>
-              <a:buChar char="•"/>
-              <a:tabLst/>
-              <a:defRPr/>
-            </a:pPr>
-            <a:r>
-              <a:rPr lang="fr-FR" sz="1400" dirty="0"/>
-              <a:t>Autonome en énergie :     </a:t>
-            </a:r>
-            <a:r>
-              <a:rPr kumimoji="0" lang="fr-FR" sz="1100" b="1" i="0" u="none" strike="noStrike" kern="0" cap="none" spc="0" normalizeH="0" baseline="0" noProof="0" dirty="0">
-                <a:ln>
-                  <a:noFill/>
-                </a:ln>
-                <a:solidFill>
-                  <a:srgbClr val="FFC000"/>
-                </a:solidFill>
-                <a:effectLst/>
-                <a:uLnTx/>
-                <a:uFillTx/>
-                <a:latin typeface="arial" panose="020B0604020202020204" pitchFamily="34" charset="0"/>
-                <a:cs typeface="Arial"/>
-                <a:sym typeface="Arial"/>
-              </a:rPr>
-              <a:t>-</a:t>
-            </a:r>
-            <a:r>
-              <a:rPr kumimoji="0" lang="fr-FR" sz="1100" b="0" i="0" u="none" strike="noStrike" kern="0" cap="none" spc="0" normalizeH="0" baseline="0" noProof="0" dirty="0">
-                <a:ln>
-                  <a:noFill/>
-                </a:ln>
-                <a:solidFill>
-                  <a:srgbClr val="FFC000"/>
-                </a:solidFill>
-                <a:effectLst/>
-                <a:uLnTx/>
-                <a:uFillTx/>
-                <a:latin typeface="arial" panose="020B0604020202020204" pitchFamily="34" charset="0"/>
-                <a:cs typeface="Arial"/>
-                <a:sym typeface="Arial"/>
-              </a:rPr>
-              <a:t> </a:t>
-            </a:r>
-            <a:r>
-              <a:rPr kumimoji="0" lang="fr-FR" sz="1200" b="0" i="0" u="none" strike="noStrike" kern="0" cap="none" spc="0" normalizeH="0" baseline="0" noProof="0" dirty="0">
-                <a:ln>
-                  <a:noFill/>
-                </a:ln>
-                <a:solidFill>
-                  <a:srgbClr val="FFC000"/>
-                </a:solidFill>
-                <a:effectLst/>
-                <a:uLnTx/>
-                <a:uFillTx/>
-                <a:latin typeface="arial" panose="020B0604020202020204" pitchFamily="34" charset="0"/>
-                <a:cs typeface="Arial"/>
-                <a:sym typeface="Arial"/>
-              </a:rPr>
-              <a:t>        </a:t>
-            </a:r>
-            <a:r>
-              <a:rPr lang="fr-FR" sz="800" dirty="0">
-                <a:solidFill>
-                  <a:srgbClr val="000000"/>
-                </a:solidFill>
-                <a:latin typeface="arial" panose="020B0604020202020204" pitchFamily="34" charset="0"/>
-              </a:rPr>
-              <a:t>Calcul et réception des données			PS</a:t>
-            </a:r>
-            <a:endParaRPr kumimoji="0" lang="fr-FR" sz="700" b="0" i="0" u="none" strike="noStrike" kern="0" cap="none" spc="0" normalizeH="0" baseline="0" noProof="0" dirty="0">
-              <a:ln>
-                <a:noFill/>
-              </a:ln>
-              <a:solidFill>
-                <a:srgbClr val="000000"/>
-              </a:solidFill>
-              <a:effectLst/>
-              <a:uLnTx/>
-              <a:uFillTx/>
-              <a:latin typeface="arial" panose="020B0604020202020204" pitchFamily="34" charset="0"/>
-              <a:cs typeface="Arial"/>
-              <a:sym typeface="Arial"/>
-            </a:endParaRPr>
-          </a:p>
-          <a:p>
-            <a:pPr lvl="4">
-              <a:spcBef>
-                <a:spcPts val="300"/>
-              </a:spcBef>
-              <a:buClr>
-                <a:srgbClr val="FFC000"/>
-              </a:buClr>
-              <a:buFontTx/>
-              <a:buChar char="-"/>
-              <a:defRPr/>
-            </a:pPr>
-            <a:r>
-              <a:rPr kumimoji="0" lang="fr-FR" sz="800" b="0" i="0" u="none" strike="noStrike" kern="0" cap="none" spc="0" normalizeH="0" baseline="0" noProof="0" dirty="0">
-                <a:ln>
-                  <a:noFill/>
-                </a:ln>
-                <a:solidFill>
-                  <a:srgbClr val="000000"/>
-                </a:solidFill>
-                <a:effectLst/>
-                <a:uLnTx/>
-                <a:uFillTx/>
-                <a:latin typeface="arial" panose="020B0604020202020204" pitchFamily="34" charset="0"/>
-                <a:cs typeface="Arial"/>
-                <a:sym typeface="Arial"/>
-              </a:rPr>
-              <a:t>Interruption par gestionnaire de mission 		PS</a:t>
-            </a:r>
-          </a:p>
-          <a:p>
-            <a:pPr lvl="4">
-              <a:spcBef>
-                <a:spcPts val="300"/>
-              </a:spcBef>
-              <a:buClr>
-                <a:srgbClr val="FFC000"/>
-              </a:buClr>
-              <a:buFontTx/>
-              <a:buChar char="-"/>
-              <a:defRPr/>
-            </a:pPr>
-            <a:r>
-              <a:rPr kumimoji="0" lang="fr-FR" sz="800" b="0" i="0" u="none" strike="noStrike" kern="0" cap="none" spc="0" normalizeH="0" baseline="0" noProof="0" dirty="0">
-                <a:ln>
-                  <a:noFill/>
-                </a:ln>
-                <a:solidFill>
-                  <a:srgbClr val="000000"/>
-                </a:solidFill>
-                <a:effectLst/>
-                <a:uLnTx/>
-                <a:uFillTx/>
-                <a:latin typeface="arial" panose="020B0604020202020204" pitchFamily="34" charset="0"/>
-                <a:cs typeface="Arial"/>
-                <a:sym typeface="Arial"/>
-              </a:rPr>
-              <a:t>En charge				PS</a:t>
-            </a:r>
-          </a:p>
-          <a:p>
-            <a:pPr>
-              <a:spcBef>
-                <a:spcPts val="600"/>
-              </a:spcBef>
-            </a:pPr>
-            <a:r>
-              <a:rPr lang="fr-FR" sz="1400" dirty="0"/>
-              <a:t>Vidéo/Image</a:t>
-            </a:r>
-          </a:p>
-          <a:p>
-            <a:pPr>
-              <a:spcBef>
-                <a:spcPts val="600"/>
-              </a:spcBef>
-            </a:pPr>
-            <a:r>
-              <a:rPr lang="fr-FR" sz="1400" dirty="0"/>
-              <a:t>Alerte GSM</a:t>
-            </a:r>
-          </a:p>
-          <a:p>
-            <a:endParaRPr lang="fr-FR" sz="2000" dirty="0"/>
-          </a:p>
-          <a:p>
-            <a:endParaRPr lang="fr-FR" sz="2000" dirty="0"/>
-          </a:p>
-        </p:txBody>
-      </p:sp>
-    </p:spTree>
-    <p:extLst>
-      <p:ext uri="{BB962C8B-B14F-4D97-AF65-F5344CB8AC3E}">
-        <p14:creationId xmlns:p14="http://schemas.microsoft.com/office/powerpoint/2010/main" xmlns="" val="4061388971"/>
-      </p:ext>
-    </p:extLst>
-  </p:cSld>
-  <p:clrMapOvr>
-    <a:masterClrMapping/>
-  </p:clrMapOvr>
-</p:sld>
-</file>
-
-<file path=ppt/slides/slide5.xml><?xml version="1.0" encoding="utf-8"?>
-<p:sld xmlns:a="http://schemas.openxmlformats.org/drawingml/2006/main" xmlns:r="http://schemas.openxmlformats.org/officeDocument/2006/relationships" xmlns:p="http://schemas.openxmlformats.org/presentationml/2006/main">
-  <p:cSld>
-    <p:spTree>
-      <p:nvGrpSpPr>
-        <p:cNvPr id="1" name=""/>
-        <p:cNvGrpSpPr/>
-        <p:nvPr/>
-      </p:nvGrpSpPr>
-      <p:grpSpPr>
-        <a:xfrm>
-          <a:off x="0" y="0"/>
-          <a:ext cx="0" cy="0"/>
-          <a:chOff x="0" y="0"/>
-          <a:chExt cx="0" cy="0"/>
-        </a:xfrm>
-      </p:grpSpPr>
-      <p:sp>
-        <p:nvSpPr>
-          <p:cNvPr id="2" name="Titre 1">
-            <a:extLst>
-              <a:ext uri="{FF2B5EF4-FFF2-40B4-BE49-F238E27FC236}">
-                <a16:creationId xmlns:a16="http://schemas.microsoft.com/office/drawing/2014/main" xmlns="" id="{B2528BF9-71D7-B2EB-BC00-3756A629F7C9}"/>
-              </a:ext>
-            </a:extLst>
-          </p:cNvPr>
-          <p:cNvSpPr>
-            <a:spLocks noGrp="1"/>
-          </p:cNvSpPr>
-          <p:nvPr>
-            <p:ph type="title"/>
-          </p:nvPr>
-        </p:nvSpPr>
-        <p:spPr/>
-        <p:txBody>
-          <a:bodyPr/>
-          <a:lstStyle/>
-          <a:p>
-            <a:r>
-              <a:rPr lang="fr-FR" dirty="0"/>
-              <a:t>Travaux Soft</a:t>
-            </a:r>
-          </a:p>
-        </p:txBody>
-      </p:sp>
-      <p:sp>
-        <p:nvSpPr>
-          <p:cNvPr id="3" name="Espace réservé du texte 2">
-            <a:extLst>
-              <a:ext uri="{FF2B5EF4-FFF2-40B4-BE49-F238E27FC236}">
-                <a16:creationId xmlns:a16="http://schemas.microsoft.com/office/drawing/2014/main" xmlns="" id="{7E40D924-9265-A739-8DAE-2B89321A4F2E}"/>
-              </a:ext>
-            </a:extLst>
-          </p:cNvPr>
-          <p:cNvSpPr>
-            <a:spLocks noGrp="1"/>
-          </p:cNvSpPr>
-          <p:nvPr>
-            <p:ph type="body" idx="1"/>
-          </p:nvPr>
-        </p:nvSpPr>
-        <p:spPr/>
-        <p:txBody>
-          <a:bodyPr/>
-          <a:lstStyle/>
-          <a:p>
-            <a:endParaRPr lang="fr-FR"/>
-          </a:p>
-        </p:txBody>
-      </p:sp>
-    </p:spTree>
-    <p:extLst>
-      <p:ext uri="{BB962C8B-B14F-4D97-AF65-F5344CB8AC3E}">
-        <p14:creationId xmlns:p14="http://schemas.microsoft.com/office/powerpoint/2010/main" xmlns="" val="2990754855"/>
-      </p:ext>
-    </p:extLst>
-  </p:cSld>
-  <p:clrMapOvr>
-    <a:masterClrMapping/>
-  </p:clrMapOvr>
-</p:sld>
-</file>
-
-<file path=ppt/slides/slide6.xml><?xml version="1.0" encoding="utf-8"?>
-<p:sld xmlns:a="http://schemas.openxmlformats.org/drawingml/2006/main" xmlns:r="http://schemas.openxmlformats.org/officeDocument/2006/relationships" xmlns:p="http://schemas.openxmlformats.org/presentationml/2006/main">
-  <p:cSld>
-    <p:spTree>
-      <p:nvGrpSpPr>
-        <p:cNvPr id="1" name=""/>
-        <p:cNvGrpSpPr/>
-        <p:nvPr/>
-      </p:nvGrpSpPr>
-      <p:grpSpPr>
-        <a:xfrm>
-          <a:off x="0" y="0"/>
-          <a:ext cx="0" cy="0"/>
-          <a:chOff x="0" y="0"/>
-          <a:chExt cx="0" cy="0"/>
-        </a:xfrm>
-      </p:grpSpPr>
-      <p:sp>
-        <p:nvSpPr>
-          <p:cNvPr id="2" name="Titre 1">
-            <a:extLst>
-              <a:ext uri="{FF2B5EF4-FFF2-40B4-BE49-F238E27FC236}">
-                <a16:creationId xmlns:a16="http://schemas.microsoft.com/office/drawing/2014/main" xmlns="" id="{60DD8BB1-FA8A-8972-AACC-056C8CA353FF}"/>
-              </a:ext>
-            </a:extLst>
-          </p:cNvPr>
-          <p:cNvSpPr>
-            <a:spLocks noGrp="1"/>
-          </p:cNvSpPr>
-          <p:nvPr>
-            <p:ph type="title"/>
-          </p:nvPr>
-        </p:nvSpPr>
-        <p:spPr/>
-        <p:txBody>
-          <a:bodyPr/>
-          <a:lstStyle/>
-          <a:p>
-            <a:r>
-              <a:rPr lang="fr-FR" dirty="0"/>
-              <a:t>Schématique et PCB</a:t>
-            </a:r>
-          </a:p>
-        </p:txBody>
-      </p:sp>
-      <p:pic>
-        <p:nvPicPr>
-          <p:cNvPr id="1026" name="Picture 2"/>
-          <p:cNvPicPr>
-            <a:picLocks noChangeAspect="1" noChangeArrowheads="1"/>
-          </p:cNvPicPr>
-          <p:nvPr/>
-        </p:nvPicPr>
-        <p:blipFill>
-          <a:blip r:embed="rId2" cstate="print"/>
-          <a:srcRect/>
-          <a:stretch>
-            <a:fillRect/>
-          </a:stretch>
-        </p:blipFill>
-        <p:spPr bwMode="auto">
-          <a:xfrm>
-            <a:off x="201441" y="1496711"/>
-            <a:ext cx="4833937" cy="4851058"/>
-          </a:xfrm>
-          <a:prstGeom prst="rect">
-            <a:avLst/>
-          </a:prstGeom>
-          <a:noFill/>
-          <a:ln w="9525">
-            <a:noFill/>
-            <a:miter lim="800000"/>
-            <a:headEnd/>
-            <a:tailEnd/>
-          </a:ln>
-        </p:spPr>
-      </p:pic>
-      <p:pic>
-        <p:nvPicPr>
-          <p:cNvPr id="1027" name="Picture 3"/>
-          <p:cNvPicPr>
-            <a:picLocks noChangeAspect="1" noChangeArrowheads="1"/>
-          </p:cNvPicPr>
-          <p:nvPr/>
-        </p:nvPicPr>
-        <p:blipFill>
-          <a:blip r:embed="rId3" cstate="print"/>
-          <a:srcRect/>
-          <a:stretch>
-            <a:fillRect/>
-          </a:stretch>
-        </p:blipFill>
-        <p:spPr bwMode="auto">
-          <a:xfrm>
-            <a:off x="5618206" y="2439231"/>
-            <a:ext cx="5430022" cy="3380158"/>
-          </a:xfrm>
-          <a:prstGeom prst="rect">
-            <a:avLst/>
-          </a:prstGeom>
-          <a:noFill/>
-          <a:ln w="9525">
-            <a:noFill/>
-            <a:miter lim="800000"/>
-            <a:headEnd/>
-            <a:tailEnd/>
-          </a:ln>
-        </p:spPr>
-      </p:pic>
-    </p:spTree>
-    <p:extLst>
-      <p:ext uri="{BB962C8B-B14F-4D97-AF65-F5344CB8AC3E}">
-        <p14:creationId xmlns:p14="http://schemas.microsoft.com/office/powerpoint/2010/main" xmlns="" val="1205318223"/>
-      </p:ext>
-    </p:extLst>
-  </p:cSld>
-  <p:clrMapOvr>
-    <a:masterClrMapping/>
-  </p:clrMapOvr>
-</p:sld>
-</file>
-
-<file path=ppt/slides/slide7.xml><?xml version="1.0" encoding="utf-8"?>
-<p:sld xmlns:a="http://schemas.openxmlformats.org/drawingml/2006/main" xmlns:r="http://schemas.openxmlformats.org/officeDocument/2006/relationships" xmlns:p="http://schemas.openxmlformats.org/presentationml/2006/main">
-  <p:cSld>
-    <p:spTree>
-      <p:nvGrpSpPr>
-        <p:cNvPr id="1" name=""/>
-        <p:cNvGrpSpPr/>
-        <p:nvPr/>
-      </p:nvGrpSpPr>
-      <p:grpSpPr>
-        <a:xfrm>
-          <a:off x="0" y="0"/>
-          <a:ext cx="0" cy="0"/>
-          <a:chOff x="0" y="0"/>
-          <a:chExt cx="0" cy="0"/>
-        </a:xfrm>
-      </p:grpSpPr>
-      <p:sp>
-        <p:nvSpPr>
-          <p:cNvPr id="2" name="Titre 1"/>
-          <p:cNvSpPr>
-            <a:spLocks noGrp="1"/>
-          </p:cNvSpPr>
-          <p:nvPr>
-            <p:ph type="title"/>
-          </p:nvPr>
-        </p:nvSpPr>
-        <p:spPr/>
-        <p:txBody>
-          <a:bodyPr/>
-          <a:lstStyle/>
-          <a:p>
-            <a:endParaRPr lang="fr-FR" dirty="0"/>
-          </a:p>
-        </p:txBody>
-      </p:sp>
-      <p:pic>
-        <p:nvPicPr>
-          <p:cNvPr id="4" name="Picture 2"/>
-          <p:cNvPicPr>
-            <a:picLocks noChangeAspect="1" noChangeArrowheads="1"/>
-          </p:cNvPicPr>
-          <p:nvPr/>
-        </p:nvPicPr>
-        <p:blipFill>
-          <a:blip r:embed="rId2" cstate="print"/>
-          <a:srcRect/>
-          <a:stretch>
-            <a:fillRect/>
-          </a:stretch>
-        </p:blipFill>
-        <p:spPr bwMode="auto">
-          <a:xfrm>
-            <a:off x="363623" y="1316381"/>
-            <a:ext cx="11382375" cy="5114925"/>
-          </a:xfrm>
-          <a:prstGeom prst="rect">
-            <a:avLst/>
-          </a:prstGeom>
-          <a:noFill/>
-          <a:ln w="9525">
-            <a:noFill/>
-            <a:miter lim="800000"/>
-            <a:headEnd/>
-            <a:tailEnd/>
-          </a:ln>
-        </p:spPr>
-      </p:pic>
-    </p:spTree>
-  </p:cSld>
-  <p:clrMapOvr>
-    <a:masterClrMapping/>
-  </p:clrMapOvr>
-</p:sld>
-</file>
-
-<file path=ppt/slides/slide8.xml><?xml version="1.0" encoding="utf-8"?>
 <p:sld xmlns:a="http://schemas.openxmlformats.org/drawingml/2006/main" xmlns:r="http://schemas.openxmlformats.org/officeDocument/2006/relationships" xmlns:p="http://schemas.openxmlformats.org/presentationml/2006/main">
   <p:cSld>
     <p:spTree>
@@ -9813,7 +7971,7 @@
 </p:sld>
 </file>
 
-<file path=ppt/slides/slide9.xml><?xml version="1.0" encoding="utf-8"?>
+<file path=ppt/slides/slide11.xml><?xml version="1.0" encoding="utf-8"?>
 <p:sld xmlns:a="http://schemas.openxmlformats.org/drawingml/2006/main" xmlns:r="http://schemas.openxmlformats.org/officeDocument/2006/relationships" xmlns:p="http://schemas.openxmlformats.org/presentationml/2006/main">
   <p:cSld>
     <p:spTree>
@@ -9964,6 +8122,2200 @@
           <a:xfrm>
             <a:off x="8758238" y="2324100"/>
             <a:ext cx="2815639" cy="3886200"/>
+          </a:xfrm>
+          <a:prstGeom prst="rect">
+            <a:avLst/>
+          </a:prstGeom>
+          <a:noFill/>
+          <a:ln w="9525">
+            <a:noFill/>
+            <a:miter lim="800000"/>
+            <a:headEnd/>
+            <a:tailEnd/>
+          </a:ln>
+        </p:spPr>
+      </p:pic>
+    </p:spTree>
+  </p:cSld>
+  <p:clrMapOvr>
+    <a:masterClrMapping/>
+  </p:clrMapOvr>
+</p:sld>
+</file>
+
+<file path=ppt/slides/slide12.xml><?xml version="1.0" encoding="utf-8"?>
+<p:sld xmlns:a="http://schemas.openxmlformats.org/drawingml/2006/main" xmlns:r="http://schemas.openxmlformats.org/officeDocument/2006/relationships" xmlns:p="http://schemas.openxmlformats.org/presentationml/2006/main">
+  <p:cSld>
+    <p:spTree>
+      <p:nvGrpSpPr>
+        <p:cNvPr id="1" name=""/>
+        <p:cNvGrpSpPr/>
+        <p:nvPr/>
+      </p:nvGrpSpPr>
+      <p:grpSpPr>
+        <a:xfrm>
+          <a:off x="0" y="0"/>
+          <a:ext cx="0" cy="0"/>
+          <a:chOff x="0" y="0"/>
+          <a:chExt cx="0" cy="0"/>
+        </a:xfrm>
+      </p:grpSpPr>
+      <p:sp>
+        <p:nvSpPr>
+          <p:cNvPr id="2" name="Titre 1"/>
+          <p:cNvSpPr>
+            <a:spLocks noGrp="1"/>
+          </p:cNvSpPr>
+          <p:nvPr>
+            <p:ph type="title"/>
+          </p:nvPr>
+        </p:nvSpPr>
+        <p:spPr/>
+        <p:txBody>
+          <a:bodyPr/>
+          <a:lstStyle/>
+          <a:p>
+            <a:endParaRPr lang="fr-FR"/>
+          </a:p>
+        </p:txBody>
+      </p:sp>
+      <p:sp>
+        <p:nvSpPr>
+          <p:cNvPr id="3" name="Espace réservé du texte 2"/>
+          <p:cNvSpPr>
+            <a:spLocks noGrp="1"/>
+          </p:cNvSpPr>
+          <p:nvPr>
+            <p:ph type="body" idx="1"/>
+          </p:nvPr>
+        </p:nvSpPr>
+        <p:spPr/>
+        <p:txBody>
+          <a:bodyPr/>
+          <a:lstStyle/>
+          <a:p>
+            <a:endParaRPr lang="fr-FR"/>
+          </a:p>
+        </p:txBody>
+      </p:sp>
+      <p:pic>
+        <p:nvPicPr>
+          <p:cNvPr id="5122" name="Picture 2"/>
+          <p:cNvPicPr>
+            <a:picLocks noChangeAspect="1" noChangeArrowheads="1"/>
+          </p:cNvPicPr>
+          <p:nvPr/>
+        </p:nvPicPr>
+        <p:blipFill>
+          <a:blip r:embed="rId2" cstate="print"/>
+          <a:srcRect/>
+          <a:stretch>
+            <a:fillRect/>
+          </a:stretch>
+        </p:blipFill>
+        <p:spPr bwMode="auto">
+          <a:xfrm>
+            <a:off x="3143250" y="1547218"/>
+            <a:ext cx="5838825" cy="4744045"/>
+          </a:xfrm>
+          <a:prstGeom prst="rect">
+            <a:avLst/>
+          </a:prstGeom>
+          <a:noFill/>
+          <a:ln w="9525">
+            <a:noFill/>
+            <a:miter lim="800000"/>
+            <a:headEnd/>
+            <a:tailEnd/>
+          </a:ln>
+        </p:spPr>
+      </p:pic>
+    </p:spTree>
+  </p:cSld>
+  <p:clrMapOvr>
+    <a:masterClrMapping/>
+  </p:clrMapOvr>
+</p:sld>
+</file>
+
+<file path=ppt/slides/slide13.xml><?xml version="1.0" encoding="utf-8"?>
+<p:sld xmlns:a="http://schemas.openxmlformats.org/drawingml/2006/main" xmlns:r="http://schemas.openxmlformats.org/officeDocument/2006/relationships" xmlns:p="http://schemas.openxmlformats.org/presentationml/2006/main">
+  <p:cSld>
+    <p:spTree>
+      <p:nvGrpSpPr>
+        <p:cNvPr id="1" name=""/>
+        <p:cNvGrpSpPr/>
+        <p:nvPr/>
+      </p:nvGrpSpPr>
+      <p:grpSpPr>
+        <a:xfrm>
+          <a:off x="0" y="0"/>
+          <a:ext cx="0" cy="0"/>
+          <a:chOff x="0" y="0"/>
+          <a:chExt cx="0" cy="0"/>
+        </a:xfrm>
+      </p:grpSpPr>
+      <p:sp>
+        <p:nvSpPr>
+          <p:cNvPr id="2" name="Titre 1">
+            <a:extLst>
+              <a:ext uri="{FF2B5EF4-FFF2-40B4-BE49-F238E27FC236}">
+                <a16:creationId xmlns:a16="http://schemas.microsoft.com/office/drawing/2014/main" id="{60DD8BB1-FA8A-8972-AACC-056C8CA353FF}"/>
+              </a:ext>
+            </a:extLst>
+          </p:cNvPr>
+          <p:cNvSpPr>
+            <a:spLocks noGrp="1"/>
+          </p:cNvSpPr>
+          <p:nvPr>
+            <p:ph type="title"/>
+          </p:nvPr>
+        </p:nvSpPr>
+        <p:spPr/>
+        <p:txBody>
+          <a:bodyPr/>
+          <a:lstStyle/>
+          <a:p>
+            <a:r>
+              <a:rPr lang="fr-FR" dirty="0"/>
+              <a:t>Bilan de puissance </a:t>
+            </a:r>
+          </a:p>
+        </p:txBody>
+      </p:sp>
+      <p:sp>
+        <p:nvSpPr>
+          <p:cNvPr id="3" name="Espace réservé du texte 2">
+            <a:extLst>
+              <a:ext uri="{FF2B5EF4-FFF2-40B4-BE49-F238E27FC236}">
+                <a16:creationId xmlns:a16="http://schemas.microsoft.com/office/drawing/2014/main" id="{0C4E86A4-93E7-2C97-23AB-406BE1AFA25F}"/>
+              </a:ext>
+            </a:extLst>
+          </p:cNvPr>
+          <p:cNvSpPr>
+            <a:spLocks noGrp="1"/>
+          </p:cNvSpPr>
+          <p:nvPr>
+            <p:ph type="body" idx="1"/>
+          </p:nvPr>
+        </p:nvSpPr>
+        <p:spPr/>
+        <p:txBody>
+          <a:bodyPr/>
+          <a:lstStyle/>
+          <a:p>
+            <a:endParaRPr lang="fr-FR" dirty="0"/>
+          </a:p>
+        </p:txBody>
+      </p:sp>
+      <p:pic>
+        <p:nvPicPr>
+          <p:cNvPr id="6146" name="Picture 2"/>
+          <p:cNvPicPr>
+            <a:picLocks noChangeAspect="1" noChangeArrowheads="1"/>
+          </p:cNvPicPr>
+          <p:nvPr/>
+        </p:nvPicPr>
+        <p:blipFill>
+          <a:blip r:embed="rId2" cstate="print"/>
+          <a:srcRect/>
+          <a:stretch>
+            <a:fillRect/>
+          </a:stretch>
+        </p:blipFill>
+        <p:spPr bwMode="auto">
+          <a:xfrm>
+            <a:off x="438150" y="2494823"/>
+            <a:ext cx="11344275" cy="2124801"/>
+          </a:xfrm>
+          <a:prstGeom prst="rect">
+            <a:avLst/>
+          </a:prstGeom>
+          <a:noFill/>
+          <a:ln w="9525">
+            <a:noFill/>
+            <a:miter lim="800000"/>
+            <a:headEnd/>
+            <a:tailEnd/>
+          </a:ln>
+        </p:spPr>
+      </p:pic>
+    </p:spTree>
+    <p:extLst>
+      <p:ext uri="{BB962C8B-B14F-4D97-AF65-F5344CB8AC3E}">
+        <p14:creationId xmlns:p14="http://schemas.microsoft.com/office/powerpoint/2010/main" val="2213253413"/>
+      </p:ext>
+    </p:extLst>
+  </p:cSld>
+  <p:clrMapOvr>
+    <a:masterClrMapping/>
+  </p:clrMapOvr>
+</p:sld>
+</file>
+
+<file path=ppt/slides/slide2.xml><?xml version="1.0" encoding="utf-8"?>
+<p:sld xmlns:a="http://schemas.openxmlformats.org/drawingml/2006/main" xmlns:r="http://schemas.openxmlformats.org/officeDocument/2006/relationships" xmlns:p="http://schemas.openxmlformats.org/presentationml/2006/main">
+  <p:cSld>
+    <p:spTree>
+      <p:nvGrpSpPr>
+        <p:cNvPr id="1" name=""/>
+        <p:cNvGrpSpPr/>
+        <p:nvPr/>
+      </p:nvGrpSpPr>
+      <p:grpSpPr>
+        <a:xfrm>
+          <a:off x="0" y="0"/>
+          <a:ext cx="0" cy="0"/>
+          <a:chOff x="0" y="0"/>
+          <a:chExt cx="0" cy="0"/>
+        </a:xfrm>
+      </p:grpSpPr>
+      <p:sp>
+        <p:nvSpPr>
+          <p:cNvPr id="2" name="Titre 1">
+            <a:extLst>
+              <a:ext uri="{FF2B5EF4-FFF2-40B4-BE49-F238E27FC236}">
+                <a16:creationId xmlns:a16="http://schemas.microsoft.com/office/drawing/2014/main" id="{709515F8-52F5-41EA-9F94-01B0981A1295}"/>
+              </a:ext>
+            </a:extLst>
+          </p:cNvPr>
+          <p:cNvSpPr>
+            <a:spLocks noGrp="1"/>
+          </p:cNvSpPr>
+          <p:nvPr>
+            <p:ph type="title"/>
+          </p:nvPr>
+        </p:nvSpPr>
+        <p:spPr/>
+        <p:txBody>
+          <a:bodyPr/>
+          <a:lstStyle/>
+          <a:p>
+            <a:r>
+              <a:rPr lang="fr-FR" dirty="0"/>
+              <a:t>Ordre du jour</a:t>
+            </a:r>
+          </a:p>
+        </p:txBody>
+      </p:sp>
+      <p:sp>
+        <p:nvSpPr>
+          <p:cNvPr id="3" name="Espace réservé du contenu 2">
+            <a:extLst>
+              <a:ext uri="{FF2B5EF4-FFF2-40B4-BE49-F238E27FC236}">
+                <a16:creationId xmlns:a16="http://schemas.microsoft.com/office/drawing/2014/main" id="{BF6A637C-CB97-4C62-85F7-63CB79C428D8}"/>
+              </a:ext>
+            </a:extLst>
+          </p:cNvPr>
+          <p:cNvSpPr>
+            <a:spLocks noGrp="1"/>
+          </p:cNvSpPr>
+          <p:nvPr>
+            <p:ph type="body" idx="1"/>
+          </p:nvPr>
+        </p:nvSpPr>
+        <p:spPr/>
+        <p:txBody>
+          <a:bodyPr/>
+          <a:lstStyle/>
+          <a:p>
+            <a:pPr algn="l"/>
+            <a:r>
+              <a:rPr lang="fr-FR" sz="1800" b="0" i="0" dirty="0">
+                <a:solidFill>
+                  <a:srgbClr val="000000"/>
+                </a:solidFill>
+                <a:effectLst/>
+                <a:latin typeface="arial" panose="020B0604020202020204" pitchFamily="34" charset="0"/>
+              </a:rPr>
+              <a:t>Spécifications définitives</a:t>
+            </a:r>
+            <a:endParaRPr lang="fr-FR" sz="2000" b="0" i="0" dirty="0">
+              <a:solidFill>
+                <a:srgbClr val="000000"/>
+              </a:solidFill>
+              <a:effectLst/>
+              <a:latin typeface="arial" panose="020B0604020202020204" pitchFamily="34" charset="0"/>
+            </a:endParaRPr>
+          </a:p>
+          <a:p>
+            <a:pPr algn="l"/>
+            <a:r>
+              <a:rPr lang="fr-FR" sz="1800" b="0" i="0" dirty="0">
+                <a:solidFill>
+                  <a:srgbClr val="000000"/>
+                </a:solidFill>
+                <a:effectLst/>
+                <a:latin typeface="arial" panose="020B0604020202020204" pitchFamily="34" charset="0"/>
+              </a:rPr>
+              <a:t>Ordre de priorité des fonctions à réaliser </a:t>
+            </a:r>
+            <a:endParaRPr lang="fr-FR" sz="2000" b="0" i="0" dirty="0">
+              <a:solidFill>
+                <a:srgbClr val="000000"/>
+              </a:solidFill>
+              <a:effectLst/>
+              <a:latin typeface="arial" panose="020B0604020202020204" pitchFamily="34" charset="0"/>
+            </a:endParaRPr>
+          </a:p>
+          <a:p>
+            <a:pPr algn="l"/>
+            <a:r>
+              <a:rPr lang="fr-FR" sz="1800" b="0" i="0" dirty="0">
+                <a:solidFill>
+                  <a:srgbClr val="000000"/>
+                </a:solidFill>
+                <a:effectLst/>
+                <a:latin typeface="arial" panose="020B0604020202020204" pitchFamily="34" charset="0"/>
+              </a:rPr>
+              <a:t>Travaux Soft</a:t>
+            </a:r>
+            <a:endParaRPr lang="fr-FR" sz="2000" b="0" i="0" dirty="0">
+              <a:solidFill>
+                <a:srgbClr val="000000"/>
+              </a:solidFill>
+              <a:effectLst/>
+              <a:latin typeface="arial" panose="020B0604020202020204" pitchFamily="34" charset="0"/>
+            </a:endParaRPr>
+          </a:p>
+          <a:p>
+            <a:pPr algn="l"/>
+            <a:r>
+              <a:rPr lang="fr-FR" sz="1800" b="0" i="0" dirty="0">
+                <a:solidFill>
+                  <a:srgbClr val="000000"/>
+                </a:solidFill>
+                <a:effectLst/>
+                <a:latin typeface="arial" panose="020B0604020202020204" pitchFamily="34" charset="0"/>
+              </a:rPr>
+              <a:t>Schématique et PCB </a:t>
+            </a:r>
+            <a:endParaRPr lang="fr-FR" sz="2000" b="0" i="0" dirty="0">
+              <a:solidFill>
+                <a:srgbClr val="000000"/>
+              </a:solidFill>
+              <a:effectLst/>
+              <a:latin typeface="arial" panose="020B0604020202020204" pitchFamily="34" charset="0"/>
+            </a:endParaRPr>
+          </a:p>
+          <a:p>
+            <a:pPr algn="l"/>
+            <a:r>
+              <a:rPr lang="fr-FR" sz="1800" b="0" i="0" dirty="0">
+                <a:solidFill>
+                  <a:srgbClr val="000000"/>
+                </a:solidFill>
+                <a:effectLst/>
+                <a:latin typeface="arial" panose="020B0604020202020204" pitchFamily="34" charset="0"/>
+              </a:rPr>
+              <a:t>Gestion de la batterie</a:t>
+            </a:r>
+            <a:endParaRPr lang="fr-FR" sz="2000" b="0" i="0" dirty="0">
+              <a:solidFill>
+                <a:srgbClr val="000000"/>
+              </a:solidFill>
+              <a:effectLst/>
+              <a:latin typeface="arial" panose="020B0604020202020204" pitchFamily="34" charset="0"/>
+            </a:endParaRPr>
+          </a:p>
+          <a:p>
+            <a:pPr algn="l"/>
+            <a:r>
+              <a:rPr lang="fr-FR" sz="1800" b="0" i="0" dirty="0">
+                <a:solidFill>
+                  <a:srgbClr val="000000"/>
+                </a:solidFill>
+                <a:effectLst/>
+                <a:latin typeface="arial" panose="020B0604020202020204" pitchFamily="34" charset="0"/>
+              </a:rPr>
+              <a:t>Bilan de puissance</a:t>
+            </a:r>
+            <a:endParaRPr lang="fr-FR" sz="2000" b="0" i="0" dirty="0">
+              <a:solidFill>
+                <a:srgbClr val="000000"/>
+              </a:solidFill>
+              <a:effectLst/>
+              <a:latin typeface="arial" panose="020B0604020202020204" pitchFamily="34" charset="0"/>
+            </a:endParaRPr>
+          </a:p>
+          <a:p>
+            <a:endParaRPr lang="fr-FR" dirty="0"/>
+          </a:p>
+          <a:p>
+            <a:endParaRPr lang="fr-FR" dirty="0"/>
+          </a:p>
+          <a:p>
+            <a:endParaRPr lang="fr-FR" dirty="0"/>
+          </a:p>
+        </p:txBody>
+      </p:sp>
+    </p:spTree>
+    <p:extLst>
+      <p:ext uri="{BB962C8B-B14F-4D97-AF65-F5344CB8AC3E}">
+        <p14:creationId xmlns:p14="http://schemas.microsoft.com/office/powerpoint/2010/main" val="4219772065"/>
+      </p:ext>
+    </p:extLst>
+  </p:cSld>
+  <p:clrMapOvr>
+    <a:masterClrMapping/>
+  </p:clrMapOvr>
+</p:sld>
+</file>
+
+<file path=ppt/slides/slide3.xml><?xml version="1.0" encoding="utf-8"?>
+<p:sld xmlns:a="http://schemas.openxmlformats.org/drawingml/2006/main" xmlns:r="http://schemas.openxmlformats.org/officeDocument/2006/relationships" xmlns:p="http://schemas.openxmlformats.org/presentationml/2006/main">
+  <p:cSld>
+    <p:spTree>
+      <p:nvGrpSpPr>
+        <p:cNvPr id="1" name=""/>
+        <p:cNvGrpSpPr/>
+        <p:nvPr/>
+      </p:nvGrpSpPr>
+      <p:grpSpPr>
+        <a:xfrm>
+          <a:off x="0" y="0"/>
+          <a:ext cx="0" cy="0"/>
+          <a:chOff x="0" y="0"/>
+          <a:chExt cx="0" cy="0"/>
+        </a:xfrm>
+      </p:grpSpPr>
+      <p:sp>
+        <p:nvSpPr>
+          <p:cNvPr id="2" name="Titre 1">
+            <a:extLst>
+              <a:ext uri="{FF2B5EF4-FFF2-40B4-BE49-F238E27FC236}">
+                <a16:creationId xmlns:a16="http://schemas.microsoft.com/office/drawing/2014/main" id="{0F27501F-F26B-46CD-BAAA-F12624F0404D}"/>
+              </a:ext>
+            </a:extLst>
+          </p:cNvPr>
+          <p:cNvSpPr>
+            <a:spLocks noGrp="1"/>
+          </p:cNvSpPr>
+          <p:nvPr>
+            <p:ph type="title"/>
+          </p:nvPr>
+        </p:nvSpPr>
+        <p:spPr>
+          <a:xfrm>
+            <a:off x="479425" y="710394"/>
+            <a:ext cx="10515600" cy="535200"/>
+          </a:xfrm>
+        </p:spPr>
+        <p:txBody>
+          <a:bodyPr/>
+          <a:lstStyle/>
+          <a:p>
+            <a:r>
+              <a:rPr lang="fr-FR" dirty="0"/>
+              <a:t>Spécifications définitives</a:t>
+            </a:r>
+          </a:p>
+        </p:txBody>
+      </p:sp>
+      <p:pic>
+        <p:nvPicPr>
+          <p:cNvPr id="7" name="Image 6">
+            <a:extLst>
+              <a:ext uri="{FF2B5EF4-FFF2-40B4-BE49-F238E27FC236}">
+                <a16:creationId xmlns:a16="http://schemas.microsoft.com/office/drawing/2014/main" id="{313BAE3B-9142-056F-E2AA-105E775B9EAD}"/>
+              </a:ext>
+            </a:extLst>
+          </p:cNvPr>
+          <p:cNvPicPr>
+            <a:picLocks noChangeAspect="1"/>
+          </p:cNvPicPr>
+          <p:nvPr/>
+        </p:nvPicPr>
+        <p:blipFill>
+          <a:blip r:embed="rId2" cstate="print">
+            <a:extLst>
+              <a:ext uri="{28A0092B-C50C-407E-A947-70E740481C1C}">
+                <a14:useLocalDpi xmlns:a14="http://schemas.microsoft.com/office/drawing/2010/main" val="0"/>
+              </a:ext>
+            </a:extLst>
+          </a:blip>
+          <a:stretch>
+            <a:fillRect/>
+          </a:stretch>
+        </p:blipFill>
+        <p:spPr>
+          <a:xfrm>
+            <a:off x="4537537" y="0"/>
+            <a:ext cx="7261087" cy="6858000"/>
+          </a:xfrm>
+          <a:prstGeom prst="rect">
+            <a:avLst/>
+          </a:prstGeom>
+        </p:spPr>
+      </p:pic>
+    </p:spTree>
+    <p:extLst>
+      <p:ext uri="{BB962C8B-B14F-4D97-AF65-F5344CB8AC3E}">
+        <p14:creationId xmlns:p14="http://schemas.microsoft.com/office/powerpoint/2010/main" val="2767477300"/>
+      </p:ext>
+    </p:extLst>
+  </p:cSld>
+  <p:clrMapOvr>
+    <a:masterClrMapping/>
+  </p:clrMapOvr>
+</p:sld>
+</file>
+
+<file path=ppt/slides/slide4.xml><?xml version="1.0" encoding="utf-8"?>
+<p:sld xmlns:a="http://schemas.openxmlformats.org/drawingml/2006/main" xmlns:r="http://schemas.openxmlformats.org/officeDocument/2006/relationships" xmlns:p="http://schemas.openxmlformats.org/presentationml/2006/main">
+  <p:cSld>
+    <p:spTree>
+      <p:nvGrpSpPr>
+        <p:cNvPr id="1" name=""/>
+        <p:cNvGrpSpPr/>
+        <p:nvPr/>
+      </p:nvGrpSpPr>
+      <p:grpSpPr>
+        <a:xfrm>
+          <a:off x="0" y="0"/>
+          <a:ext cx="0" cy="0"/>
+          <a:chOff x="0" y="0"/>
+          <a:chExt cx="0" cy="0"/>
+        </a:xfrm>
+      </p:grpSpPr>
+      <p:sp>
+        <p:nvSpPr>
+          <p:cNvPr id="2" name="Titre 1">
+            <a:extLst>
+              <a:ext uri="{FF2B5EF4-FFF2-40B4-BE49-F238E27FC236}">
+                <a16:creationId xmlns:a16="http://schemas.microsoft.com/office/drawing/2014/main" id="{0F27501F-F26B-46CD-BAAA-F12624F0404D}"/>
+              </a:ext>
+            </a:extLst>
+          </p:cNvPr>
+          <p:cNvSpPr>
+            <a:spLocks noGrp="1"/>
+          </p:cNvSpPr>
+          <p:nvPr>
+            <p:ph type="title"/>
+          </p:nvPr>
+        </p:nvSpPr>
+        <p:spPr>
+          <a:xfrm>
+            <a:off x="479425" y="710394"/>
+            <a:ext cx="10515600" cy="535200"/>
+          </a:xfrm>
+        </p:spPr>
+        <p:txBody>
+          <a:bodyPr/>
+          <a:lstStyle/>
+          <a:p>
+            <a:r>
+              <a:rPr lang="fr-FR" dirty="0"/>
+              <a:t>Ordre de priorité des fonctions à réaliser</a:t>
+            </a:r>
+          </a:p>
+        </p:txBody>
+      </p:sp>
+      <p:sp>
+        <p:nvSpPr>
+          <p:cNvPr id="3" name="Espace réservé du contenu 2">
+            <a:extLst>
+              <a:ext uri="{FF2B5EF4-FFF2-40B4-BE49-F238E27FC236}">
+                <a16:creationId xmlns:a16="http://schemas.microsoft.com/office/drawing/2014/main" id="{DC79A26A-F989-8AAC-161F-647794972DA7}"/>
+              </a:ext>
+            </a:extLst>
+          </p:cNvPr>
+          <p:cNvSpPr>
+            <a:spLocks noGrp="1"/>
+          </p:cNvSpPr>
+          <p:nvPr>
+            <p:ph type="body" idx="1"/>
+          </p:nvPr>
+        </p:nvSpPr>
+        <p:spPr>
+          <a:xfrm>
+            <a:off x="838200" y="1245594"/>
+            <a:ext cx="10515600" cy="5532711"/>
+          </a:xfrm>
+        </p:spPr>
+        <p:txBody>
+          <a:bodyPr/>
+          <a:lstStyle/>
+          <a:p>
+            <a:pPr algn="l">
+              <a:spcBef>
+                <a:spcPts val="600"/>
+              </a:spcBef>
+            </a:pPr>
+            <a:r>
+              <a:rPr lang="fr-FR" sz="1400" dirty="0">
+                <a:solidFill>
+                  <a:srgbClr val="000000"/>
+                </a:solidFill>
+                <a:latin typeface="arial" panose="020B0604020202020204" pitchFamily="34" charset="0"/>
+              </a:rPr>
+              <a:t>Communication Holo32 (Odométrie + commandes)		PS</a:t>
+            </a:r>
+          </a:p>
+          <a:p>
+            <a:pPr algn="l">
+              <a:spcBef>
+                <a:spcPts val="600"/>
+              </a:spcBef>
+            </a:pPr>
+            <a:r>
+              <a:rPr lang="fr-FR" sz="1400" b="0" i="0" dirty="0">
+                <a:solidFill>
+                  <a:srgbClr val="000000"/>
+                </a:solidFill>
+                <a:effectLst/>
+                <a:latin typeface="arial" panose="020B0604020202020204" pitchFamily="34" charset="0"/>
+              </a:rPr>
+              <a:t>Communication à distance Zybo</a:t>
+            </a:r>
+            <a:r>
+              <a:rPr lang="fr-FR" sz="1400" dirty="0">
+                <a:solidFill>
+                  <a:srgbClr val="000000"/>
+                </a:solidFill>
+                <a:latin typeface="arial" panose="020B0604020202020204" pitchFamily="34" charset="0"/>
+              </a:rPr>
+              <a:t>-PC				PS</a:t>
+            </a:r>
+          </a:p>
+          <a:p>
+            <a:pPr algn="l">
+              <a:spcBef>
+                <a:spcPts val="600"/>
+              </a:spcBef>
+            </a:pPr>
+            <a:r>
+              <a:rPr lang="fr-FR" sz="1400" dirty="0">
+                <a:solidFill>
+                  <a:srgbClr val="000000"/>
+                </a:solidFill>
+                <a:latin typeface="arial" panose="020B0604020202020204" pitchFamily="34" charset="0"/>
+              </a:rPr>
+              <a:t>Localisation :        </a:t>
+            </a:r>
+            <a:r>
+              <a:rPr lang="fr-FR" sz="1100" b="1" dirty="0">
+                <a:solidFill>
+                  <a:srgbClr val="FFC000"/>
+                </a:solidFill>
+                <a:latin typeface="arial" panose="020B0604020202020204" pitchFamily="34" charset="0"/>
+              </a:rPr>
+              <a:t>-</a:t>
+            </a:r>
+            <a:r>
+              <a:rPr lang="fr-FR" sz="1400" b="1" dirty="0">
+                <a:solidFill>
+                  <a:srgbClr val="000000"/>
+                </a:solidFill>
+                <a:latin typeface="arial" panose="020B0604020202020204" pitchFamily="34" charset="0"/>
+              </a:rPr>
+              <a:t> </a:t>
+            </a:r>
+            <a:r>
+              <a:rPr lang="fr-FR" sz="1400" dirty="0">
+                <a:solidFill>
+                  <a:srgbClr val="000000"/>
+                </a:solidFill>
+                <a:latin typeface="arial" panose="020B0604020202020204" pitchFamily="34" charset="0"/>
+              </a:rPr>
+              <a:t>      </a:t>
+            </a:r>
+            <a:r>
+              <a:rPr lang="fr-FR" sz="800" dirty="0">
+                <a:solidFill>
+                  <a:srgbClr val="000000"/>
+                </a:solidFill>
+                <a:latin typeface="arial" panose="020B0604020202020204" pitchFamily="34" charset="0"/>
+                <a:sym typeface="Calibri"/>
+              </a:rPr>
+              <a:t>Cartographie				Manuellement</a:t>
+            </a:r>
+          </a:p>
+          <a:p>
+            <a:pPr lvl="3">
+              <a:buFontTx/>
+              <a:buChar char="-"/>
+            </a:pPr>
+            <a:r>
+              <a:rPr lang="fr-FR" sz="800" dirty="0">
+                <a:solidFill>
+                  <a:srgbClr val="000000"/>
+                </a:solidFill>
+                <a:latin typeface="arial" panose="020B0604020202020204" pitchFamily="34" charset="0"/>
+              </a:rPr>
+              <a:t>NFC 					FPGA</a:t>
+            </a:r>
+          </a:p>
+          <a:p>
+            <a:pPr lvl="3">
+              <a:buFontTx/>
+              <a:buChar char="-"/>
+            </a:pPr>
+            <a:r>
+              <a:rPr lang="fr-FR" sz="800" b="0" i="0" dirty="0">
+                <a:solidFill>
+                  <a:srgbClr val="000000"/>
+                </a:solidFill>
+                <a:effectLst/>
+                <a:latin typeface="arial" panose="020B0604020202020204" pitchFamily="34" charset="0"/>
+              </a:rPr>
+              <a:t>Odométrie </a:t>
+            </a:r>
+            <a:r>
+              <a:rPr lang="fr-FR" sz="800" dirty="0">
+                <a:solidFill>
+                  <a:srgbClr val="000000"/>
+                </a:solidFill>
+                <a:latin typeface="arial" panose="020B0604020202020204" pitchFamily="34" charset="0"/>
+              </a:rPr>
+              <a:t>				FPGA</a:t>
+            </a:r>
+            <a:endParaRPr lang="fr-FR" sz="800" b="0" i="0" dirty="0">
+              <a:solidFill>
+                <a:srgbClr val="000000"/>
+              </a:solidFill>
+              <a:effectLst/>
+              <a:latin typeface="arial" panose="020B0604020202020204" pitchFamily="34" charset="0"/>
+            </a:endParaRPr>
+          </a:p>
+          <a:p>
+            <a:pPr lvl="3">
+              <a:buFontTx/>
+              <a:buChar char="-"/>
+            </a:pPr>
+            <a:r>
+              <a:rPr lang="fr-FR" sz="800" dirty="0">
+                <a:solidFill>
+                  <a:srgbClr val="000000"/>
+                </a:solidFill>
+                <a:latin typeface="arial" panose="020B0604020202020204" pitchFamily="34" charset="0"/>
+              </a:rPr>
+              <a:t>IMU					FPGA</a:t>
+            </a:r>
+            <a:endParaRPr lang="fr-FR" dirty="0">
+              <a:solidFill>
+                <a:srgbClr val="000000"/>
+              </a:solidFill>
+              <a:latin typeface="arial" panose="020B0604020202020204" pitchFamily="34" charset="0"/>
+            </a:endParaRPr>
+          </a:p>
+          <a:p>
+            <a:pPr>
+              <a:spcBef>
+                <a:spcPts val="600"/>
+              </a:spcBef>
+            </a:pPr>
+            <a:r>
+              <a:rPr lang="fr-FR" sz="1400" dirty="0">
+                <a:solidFill>
+                  <a:srgbClr val="000000"/>
+                </a:solidFill>
+                <a:latin typeface="arial" panose="020B0604020202020204" pitchFamily="34" charset="0"/>
+              </a:rPr>
+              <a:t>Navigation </a:t>
+            </a:r>
+            <a:r>
+              <a:rPr lang="fr-FR" sz="1400" dirty="0"/>
+              <a:t>:         </a:t>
+            </a:r>
+            <a:r>
+              <a:rPr kumimoji="0" lang="fr-FR" sz="1100" b="1" i="0" u="none" strike="noStrike" kern="0" cap="none" spc="0" normalizeH="0" baseline="0" noProof="0" dirty="0">
+                <a:ln>
+                  <a:noFill/>
+                </a:ln>
+                <a:solidFill>
+                  <a:srgbClr val="FFC000"/>
+                </a:solidFill>
+                <a:effectLst/>
+                <a:uLnTx/>
+                <a:uFillTx/>
+                <a:latin typeface="arial" panose="020B0604020202020204" pitchFamily="34" charset="0"/>
+                <a:cs typeface="Arial"/>
+                <a:sym typeface="Arial"/>
+              </a:rPr>
+              <a:t>-</a:t>
+            </a:r>
+            <a:r>
+              <a:rPr kumimoji="0" lang="fr-FR" sz="1100" b="0" i="0" u="none" strike="noStrike" kern="0" cap="none" spc="0" normalizeH="0" baseline="0" noProof="0" dirty="0">
+                <a:ln>
+                  <a:noFill/>
+                </a:ln>
+                <a:solidFill>
+                  <a:srgbClr val="FFC000"/>
+                </a:solidFill>
+                <a:effectLst/>
+                <a:uLnTx/>
+                <a:uFillTx/>
+                <a:latin typeface="arial" panose="020B0604020202020204" pitchFamily="34" charset="0"/>
+                <a:cs typeface="Arial"/>
+                <a:sym typeface="Arial"/>
+              </a:rPr>
+              <a:t> </a:t>
+            </a:r>
+            <a:r>
+              <a:rPr kumimoji="0" lang="fr-FR" sz="1200" b="0" i="0" u="none" strike="noStrike" kern="0" cap="none" spc="0" normalizeH="0" baseline="0" noProof="0" dirty="0">
+                <a:ln>
+                  <a:noFill/>
+                </a:ln>
+                <a:solidFill>
+                  <a:srgbClr val="FFC000"/>
+                </a:solidFill>
+                <a:effectLst/>
+                <a:uLnTx/>
+                <a:uFillTx/>
+                <a:latin typeface="arial" panose="020B0604020202020204" pitchFamily="34" charset="0"/>
+                <a:cs typeface="Arial"/>
+                <a:sym typeface="Arial"/>
+              </a:rPr>
+              <a:t>         </a:t>
+            </a:r>
+            <a:r>
+              <a:rPr lang="fr-FR" sz="800" dirty="0">
+                <a:solidFill>
+                  <a:srgbClr val="000000"/>
+                </a:solidFill>
+                <a:latin typeface="arial" panose="020B0604020202020204" pitchFamily="34" charset="0"/>
+              </a:rPr>
+              <a:t>Dijkstra				FPGA</a:t>
+            </a:r>
+            <a:endParaRPr lang="fr-FR" sz="800" dirty="0">
+              <a:solidFill>
+                <a:srgbClr val="000000"/>
+              </a:solidFill>
+              <a:latin typeface="arial" panose="020B0604020202020204" pitchFamily="34" charset="0"/>
+              <a:sym typeface="Calibri"/>
+            </a:endParaRPr>
+          </a:p>
+          <a:p>
+            <a:pPr lvl="3">
+              <a:buFontTx/>
+              <a:buChar char="-"/>
+            </a:pPr>
+            <a:r>
+              <a:rPr lang="fr-FR" sz="800" dirty="0">
+                <a:solidFill>
+                  <a:srgbClr val="000000"/>
+                </a:solidFill>
+                <a:latin typeface="arial" panose="020B0604020202020204" pitchFamily="34" charset="0"/>
+              </a:rPr>
+              <a:t>Orientation 				</a:t>
+            </a:r>
+          </a:p>
+          <a:p>
+            <a:pPr lvl="3">
+              <a:buFontTx/>
+              <a:buChar char="-"/>
+            </a:pPr>
+            <a:r>
+              <a:rPr lang="fr-FR" sz="800" dirty="0">
+                <a:solidFill>
+                  <a:srgbClr val="000000"/>
+                </a:solidFill>
+                <a:latin typeface="arial" panose="020B0604020202020204" pitchFamily="34" charset="0"/>
+              </a:rPr>
+              <a:t>Cheminement </a:t>
+            </a:r>
+            <a:endParaRPr lang="fr-FR" sz="1100" dirty="0"/>
+          </a:p>
+          <a:p>
+            <a:pPr>
+              <a:spcBef>
+                <a:spcPts val="600"/>
+              </a:spcBef>
+            </a:pPr>
+            <a:r>
+              <a:rPr lang="fr-FR" sz="1400" dirty="0"/>
+              <a:t>Détection d’alertes  					FPGA</a:t>
+            </a:r>
+          </a:p>
+          <a:p>
+            <a:pPr marL="609585" marR="0" lvl="0" indent="-423323" algn="l" defTabSz="914400" rtl="0" eaLnBrk="1" fontAlgn="auto" latinLnBrk="0" hangingPunct="1">
+              <a:lnSpc>
+                <a:spcPct val="90000"/>
+              </a:lnSpc>
+              <a:spcBef>
+                <a:spcPts val="600"/>
+              </a:spcBef>
+              <a:spcAft>
+                <a:spcPts val="0"/>
+              </a:spcAft>
+              <a:buClr>
+                <a:srgbClr val="F9B63B"/>
+              </a:buClr>
+              <a:buSzPts val="1400"/>
+              <a:buFont typeface="Arial"/>
+              <a:buChar char="•"/>
+              <a:tabLst/>
+              <a:defRPr/>
+            </a:pPr>
+            <a:r>
+              <a:rPr lang="fr-FR" sz="1400" dirty="0"/>
+              <a:t>Gestionnaire de mission :             </a:t>
+            </a:r>
+            <a:r>
+              <a:rPr kumimoji="0" lang="fr-FR" sz="1100" b="1" i="0" u="none" strike="noStrike" kern="0" cap="none" spc="0" normalizeH="0" baseline="0" noProof="0" dirty="0">
+                <a:ln>
+                  <a:noFill/>
+                </a:ln>
+                <a:solidFill>
+                  <a:srgbClr val="FFC000"/>
+                </a:solidFill>
+                <a:effectLst/>
+                <a:uLnTx/>
+                <a:uFillTx/>
+                <a:latin typeface="arial" panose="020B0604020202020204" pitchFamily="34" charset="0"/>
+                <a:cs typeface="Arial"/>
+                <a:sym typeface="Arial"/>
+              </a:rPr>
+              <a:t>-</a:t>
+            </a:r>
+            <a:r>
+              <a:rPr kumimoji="0" lang="fr-FR" sz="1100" b="0" i="0" u="none" strike="noStrike" kern="0" cap="none" spc="0" normalizeH="0" baseline="0" noProof="0" dirty="0">
+                <a:ln>
+                  <a:noFill/>
+                </a:ln>
+                <a:solidFill>
+                  <a:srgbClr val="FFC000"/>
+                </a:solidFill>
+                <a:effectLst/>
+                <a:uLnTx/>
+                <a:uFillTx/>
+                <a:latin typeface="arial" panose="020B0604020202020204" pitchFamily="34" charset="0"/>
+                <a:cs typeface="Arial"/>
+                <a:sym typeface="Arial"/>
+              </a:rPr>
+              <a:t> </a:t>
+            </a:r>
+            <a:r>
+              <a:rPr kumimoji="0" lang="fr-FR" sz="1200" b="0" i="0" u="none" strike="noStrike" kern="0" cap="none" spc="0" normalizeH="0" baseline="0" noProof="0" dirty="0">
+                <a:ln>
+                  <a:noFill/>
+                </a:ln>
+                <a:solidFill>
+                  <a:srgbClr val="FFC000"/>
+                </a:solidFill>
+                <a:effectLst/>
+                <a:uLnTx/>
+                <a:uFillTx/>
+                <a:latin typeface="arial" panose="020B0604020202020204" pitchFamily="34" charset="0"/>
+                <a:cs typeface="Arial"/>
+                <a:sym typeface="Arial"/>
+              </a:rPr>
+              <a:t>        </a:t>
+            </a:r>
+            <a:r>
+              <a:rPr lang="fr-FR" sz="800" dirty="0">
+                <a:solidFill>
+                  <a:srgbClr val="000000"/>
+                </a:solidFill>
+                <a:latin typeface="arial" panose="020B0604020202020204" pitchFamily="34" charset="0"/>
+              </a:rPr>
+              <a:t>Démarrage			PS</a:t>
+            </a:r>
+          </a:p>
+          <a:p>
+            <a:pPr lvl="5">
+              <a:spcBef>
+                <a:spcPts val="300"/>
+              </a:spcBef>
+              <a:buClr>
+                <a:srgbClr val="FFC000"/>
+              </a:buClr>
+              <a:buFontTx/>
+              <a:buChar char="-"/>
+              <a:defRPr/>
+            </a:pPr>
+            <a:r>
+              <a:rPr kumimoji="0" lang="fr-FR" sz="800" b="0" u="none" strike="noStrike" kern="0" cap="none" spc="0" normalizeH="0" baseline="0" noProof="0" dirty="0">
+                <a:ln>
+                  <a:noFill/>
+                </a:ln>
+                <a:solidFill>
+                  <a:srgbClr val="000000"/>
+                </a:solidFill>
+                <a:effectLst/>
+                <a:uLnTx/>
+                <a:uFillTx/>
+                <a:latin typeface="arial" panose="020B0604020202020204" pitchFamily="34" charset="0"/>
+                <a:cs typeface="Arial"/>
+                <a:sym typeface="Arial"/>
+              </a:rPr>
+              <a:t>Mode auto/mode manuel		PS</a:t>
+            </a:r>
+          </a:p>
+          <a:p>
+            <a:pPr lvl="5">
+              <a:spcBef>
+                <a:spcPts val="300"/>
+              </a:spcBef>
+              <a:buClr>
+                <a:srgbClr val="FFC000"/>
+              </a:buClr>
+              <a:buFontTx/>
+              <a:buChar char="-"/>
+              <a:defRPr/>
+            </a:pPr>
+            <a:r>
+              <a:rPr kumimoji="0" lang="fr-FR" sz="800" b="0" u="none" strike="noStrike" kern="0" cap="none" spc="0" normalizeH="0" baseline="0" noProof="0" dirty="0">
+                <a:ln>
+                  <a:noFill/>
+                </a:ln>
+                <a:solidFill>
+                  <a:srgbClr val="000000"/>
+                </a:solidFill>
+                <a:effectLst/>
+                <a:uLnTx/>
+                <a:uFillTx/>
+                <a:latin typeface="arial" panose="020B0604020202020204" pitchFamily="34" charset="0"/>
+                <a:cs typeface="Arial"/>
+                <a:sym typeface="Arial"/>
+              </a:rPr>
+              <a:t>Gestion d’alertes			PS</a:t>
+            </a:r>
+          </a:p>
+          <a:p>
+            <a:pPr lvl="5">
+              <a:spcBef>
+                <a:spcPts val="300"/>
+              </a:spcBef>
+              <a:buClr>
+                <a:srgbClr val="FFC000"/>
+              </a:buClr>
+              <a:buFontTx/>
+              <a:buChar char="-"/>
+              <a:defRPr/>
+            </a:pPr>
+            <a:r>
+              <a:rPr lang="fr-FR" sz="800" dirty="0">
+                <a:solidFill>
+                  <a:srgbClr val="000000"/>
+                </a:solidFill>
+                <a:latin typeface="arial" panose="020B0604020202020204" pitchFamily="34" charset="0"/>
+                <a:cs typeface="Arial"/>
+                <a:sym typeface="Arial"/>
+              </a:rPr>
+              <a:t>Rondes et </a:t>
+            </a:r>
+            <a:r>
+              <a:rPr lang="fr-FR" sz="800" dirty="0" err="1">
+                <a:solidFill>
+                  <a:srgbClr val="000000"/>
+                </a:solidFill>
+                <a:latin typeface="arial" panose="020B0604020202020204" pitchFamily="34" charset="0"/>
+                <a:cs typeface="Arial"/>
+                <a:sym typeface="Arial"/>
+              </a:rPr>
+              <a:t>timer</a:t>
+            </a:r>
+            <a:r>
+              <a:rPr lang="fr-FR" sz="800" dirty="0">
+                <a:solidFill>
+                  <a:srgbClr val="000000"/>
+                </a:solidFill>
+                <a:latin typeface="arial" panose="020B0604020202020204" pitchFamily="34" charset="0"/>
+                <a:cs typeface="Arial"/>
+                <a:sym typeface="Arial"/>
+              </a:rPr>
+              <a:t>			PS &amp; FPGA pour le </a:t>
+            </a:r>
+            <a:r>
+              <a:rPr lang="fr-FR" sz="800" dirty="0" err="1">
+                <a:solidFill>
+                  <a:srgbClr val="000000"/>
+                </a:solidFill>
+                <a:latin typeface="arial" panose="020B0604020202020204" pitchFamily="34" charset="0"/>
+                <a:cs typeface="Arial"/>
+                <a:sym typeface="Arial"/>
+              </a:rPr>
+              <a:t>timer</a:t>
+            </a:r>
+            <a:endParaRPr lang="fr-FR" sz="800" dirty="0">
+              <a:solidFill>
+                <a:srgbClr val="000000"/>
+              </a:solidFill>
+              <a:latin typeface="arial" panose="020B0604020202020204" pitchFamily="34" charset="0"/>
+              <a:cs typeface="Arial"/>
+              <a:sym typeface="Arial"/>
+            </a:endParaRPr>
+          </a:p>
+          <a:p>
+            <a:pPr lvl="5">
+              <a:spcBef>
+                <a:spcPts val="300"/>
+              </a:spcBef>
+              <a:buClr>
+                <a:srgbClr val="FFC000"/>
+              </a:buClr>
+              <a:buFontTx/>
+              <a:buChar char="-"/>
+              <a:defRPr/>
+            </a:pPr>
+            <a:r>
+              <a:rPr kumimoji="0" lang="fr-FR" sz="800" b="0" u="none" strike="noStrike" kern="0" cap="none" spc="0" normalizeH="0" baseline="0" noProof="0" dirty="0">
+                <a:ln>
+                  <a:noFill/>
+                </a:ln>
+                <a:solidFill>
+                  <a:srgbClr val="000000"/>
+                </a:solidFill>
+                <a:effectLst/>
+                <a:uLnTx/>
+                <a:uFillTx/>
+                <a:latin typeface="arial" panose="020B0604020202020204" pitchFamily="34" charset="0"/>
+                <a:cs typeface="Arial"/>
+                <a:sym typeface="Arial"/>
+              </a:rPr>
+              <a:t>Interruption Ronde </a:t>
+            </a:r>
+            <a:r>
+              <a:rPr kumimoji="0" lang="fr-FR" sz="800" b="0" u="none" strike="noStrike" kern="0" cap="none" spc="0" normalizeH="0" baseline="0" noProof="0" dirty="0">
+                <a:ln>
+                  <a:noFill/>
+                </a:ln>
+                <a:solidFill>
+                  <a:srgbClr val="000000"/>
+                </a:solidFill>
+                <a:effectLst/>
+                <a:uLnTx/>
+                <a:uFillTx/>
+                <a:latin typeface="arial" panose="020B0604020202020204" pitchFamily="34" charset="0"/>
+                <a:cs typeface="Arial"/>
+                <a:sym typeface="Wingdings" panose="05000000000000000000" pitchFamily="2" charset="2"/>
+              </a:rPr>
+              <a:t></a:t>
+            </a:r>
+            <a:r>
+              <a:rPr kumimoji="0" lang="fr-FR" sz="800" b="0" u="none" strike="noStrike" kern="0" cap="none" spc="0" normalizeH="0" baseline="0" noProof="0" dirty="0">
+                <a:ln>
+                  <a:noFill/>
+                </a:ln>
+                <a:solidFill>
+                  <a:srgbClr val="000000"/>
+                </a:solidFill>
+                <a:effectLst/>
+                <a:uLnTx/>
+                <a:uFillTx/>
+                <a:latin typeface="arial" panose="020B0604020202020204" pitchFamily="34" charset="0"/>
+                <a:cs typeface="Arial"/>
+                <a:sym typeface="Arial"/>
+              </a:rPr>
+              <a:t> alertes		PS</a:t>
+            </a:r>
+            <a:endParaRPr lang="fr-FR" sz="1800" dirty="0"/>
+          </a:p>
+          <a:p>
+            <a:pPr marL="609585" marR="0" lvl="0" indent="-423323" algn="l" defTabSz="914400" rtl="0" eaLnBrk="1" fontAlgn="auto" latinLnBrk="0" hangingPunct="1">
+              <a:lnSpc>
+                <a:spcPct val="90000"/>
+              </a:lnSpc>
+              <a:spcBef>
+                <a:spcPts val="600"/>
+              </a:spcBef>
+              <a:spcAft>
+                <a:spcPts val="0"/>
+              </a:spcAft>
+              <a:buClr>
+                <a:srgbClr val="F9B63B"/>
+              </a:buClr>
+              <a:buSzPts val="1400"/>
+              <a:buFont typeface="Arial"/>
+              <a:buChar char="•"/>
+              <a:tabLst/>
+              <a:defRPr/>
+            </a:pPr>
+            <a:r>
+              <a:rPr lang="fr-FR" sz="1400" dirty="0"/>
+              <a:t>Evitement d’obstacle :      </a:t>
+            </a:r>
+            <a:r>
+              <a:rPr kumimoji="0" lang="fr-FR" sz="1100" b="1" i="0" u="none" strike="noStrike" kern="0" cap="none" spc="0" normalizeH="0" baseline="0" noProof="0" dirty="0">
+                <a:ln>
+                  <a:noFill/>
+                </a:ln>
+                <a:solidFill>
+                  <a:srgbClr val="FFC000"/>
+                </a:solidFill>
+                <a:effectLst/>
+                <a:uLnTx/>
+                <a:uFillTx/>
+                <a:latin typeface="arial" panose="020B0604020202020204" pitchFamily="34" charset="0"/>
+                <a:cs typeface="Arial"/>
+                <a:sym typeface="Arial"/>
+              </a:rPr>
+              <a:t>-</a:t>
+            </a:r>
+            <a:r>
+              <a:rPr kumimoji="0" lang="fr-FR" sz="1100" b="0" i="0" u="none" strike="noStrike" kern="0" cap="none" spc="0" normalizeH="0" baseline="0" noProof="0" dirty="0">
+                <a:ln>
+                  <a:noFill/>
+                </a:ln>
+                <a:solidFill>
+                  <a:srgbClr val="FFC000"/>
+                </a:solidFill>
+                <a:effectLst/>
+                <a:uLnTx/>
+                <a:uFillTx/>
+                <a:latin typeface="arial" panose="020B0604020202020204" pitchFamily="34" charset="0"/>
+                <a:cs typeface="Arial"/>
+                <a:sym typeface="Arial"/>
+              </a:rPr>
+              <a:t> </a:t>
+            </a:r>
+            <a:r>
+              <a:rPr kumimoji="0" lang="fr-FR" sz="1200" b="0" i="0" u="none" strike="noStrike" kern="0" cap="none" spc="0" normalizeH="0" baseline="0" noProof="0" dirty="0">
+                <a:ln>
+                  <a:noFill/>
+                </a:ln>
+                <a:solidFill>
+                  <a:srgbClr val="FFC000"/>
+                </a:solidFill>
+                <a:effectLst/>
+                <a:uLnTx/>
+                <a:uFillTx/>
+                <a:latin typeface="arial" panose="020B0604020202020204" pitchFamily="34" charset="0"/>
+                <a:cs typeface="Arial"/>
+                <a:sym typeface="Arial"/>
+              </a:rPr>
+              <a:t>        </a:t>
+            </a:r>
+            <a:r>
+              <a:rPr lang="fr-FR" sz="800" dirty="0">
+                <a:solidFill>
+                  <a:srgbClr val="000000"/>
+                </a:solidFill>
+                <a:latin typeface="arial" panose="020B0604020202020204" pitchFamily="34" charset="0"/>
+              </a:rPr>
+              <a:t>Détection</a:t>
+            </a:r>
+            <a:r>
+              <a:rPr kumimoji="0" lang="fr-FR" sz="800" b="0" i="0" u="none" strike="noStrike" kern="0" cap="none" spc="0" normalizeH="0" baseline="0" noProof="0" dirty="0">
+                <a:ln>
+                  <a:noFill/>
+                </a:ln>
+                <a:solidFill>
+                  <a:srgbClr val="000000"/>
+                </a:solidFill>
+                <a:effectLst/>
+                <a:uLnTx/>
+                <a:uFillTx/>
+                <a:latin typeface="arial" panose="020B0604020202020204" pitchFamily="34" charset="0"/>
+                <a:cs typeface="Arial"/>
+                <a:sym typeface="Arial"/>
+              </a:rPr>
+              <a:t> 				FPGA</a:t>
+            </a:r>
+            <a:endParaRPr kumimoji="0" lang="fr-FR" sz="700" b="0" i="0" u="none" strike="noStrike" kern="0" cap="none" spc="0" normalizeH="0" baseline="0" noProof="0" dirty="0">
+              <a:ln>
+                <a:noFill/>
+              </a:ln>
+              <a:solidFill>
+                <a:srgbClr val="000000"/>
+              </a:solidFill>
+              <a:effectLst/>
+              <a:uLnTx/>
+              <a:uFillTx/>
+              <a:latin typeface="arial" panose="020B0604020202020204" pitchFamily="34" charset="0"/>
+              <a:cs typeface="Arial"/>
+              <a:sym typeface="Arial"/>
+            </a:endParaRPr>
+          </a:p>
+          <a:p>
+            <a:pPr lvl="4">
+              <a:spcBef>
+                <a:spcPts val="300"/>
+              </a:spcBef>
+              <a:buClr>
+                <a:srgbClr val="FFC000"/>
+              </a:buClr>
+              <a:buFontTx/>
+              <a:buChar char="-"/>
+              <a:defRPr/>
+            </a:pPr>
+            <a:r>
+              <a:rPr kumimoji="0" lang="fr-FR" sz="800" b="0" i="0" u="none" strike="noStrike" kern="0" cap="none" spc="0" normalizeH="0" baseline="0" noProof="0" dirty="0">
+                <a:ln>
+                  <a:noFill/>
+                </a:ln>
+                <a:solidFill>
+                  <a:srgbClr val="000000"/>
+                </a:solidFill>
+                <a:effectLst/>
+                <a:uLnTx/>
+                <a:uFillTx/>
+                <a:latin typeface="arial" panose="020B0604020202020204" pitchFamily="34" charset="0"/>
+                <a:cs typeface="Arial"/>
+                <a:sym typeface="Arial"/>
+              </a:rPr>
+              <a:t>Interruption navigation			PS</a:t>
+            </a:r>
+          </a:p>
+          <a:p>
+            <a:pPr lvl="4">
+              <a:spcBef>
+                <a:spcPts val="300"/>
+              </a:spcBef>
+              <a:buClr>
+                <a:srgbClr val="FFC000"/>
+              </a:buClr>
+              <a:buFontTx/>
+              <a:buChar char="-"/>
+              <a:defRPr/>
+            </a:pPr>
+            <a:r>
+              <a:rPr kumimoji="0" lang="fr-FR" sz="800" b="0" i="0" u="none" strike="noStrike" kern="0" cap="none" spc="0" normalizeH="0" baseline="0" noProof="0" dirty="0">
+                <a:ln>
+                  <a:noFill/>
+                </a:ln>
+                <a:solidFill>
+                  <a:srgbClr val="000000"/>
+                </a:solidFill>
+                <a:effectLst/>
+                <a:uLnTx/>
+                <a:uFillTx/>
+                <a:latin typeface="arial" panose="020B0604020202020204" pitchFamily="34" charset="0"/>
+                <a:cs typeface="Arial"/>
+                <a:sym typeface="Arial"/>
+              </a:rPr>
+              <a:t>Arbre de décision 			PS</a:t>
+            </a:r>
+          </a:p>
+          <a:p>
+            <a:pPr lvl="4">
+              <a:spcBef>
+                <a:spcPts val="300"/>
+              </a:spcBef>
+              <a:buClr>
+                <a:srgbClr val="FFC000"/>
+              </a:buClr>
+              <a:buFontTx/>
+              <a:buChar char="-"/>
+              <a:defRPr/>
+            </a:pPr>
+            <a:r>
+              <a:rPr lang="fr-FR" sz="800" dirty="0">
+                <a:solidFill>
+                  <a:srgbClr val="000000"/>
+                </a:solidFill>
+                <a:latin typeface="arial" panose="020B0604020202020204" pitchFamily="34" charset="0"/>
+                <a:cs typeface="Arial"/>
+                <a:sym typeface="Arial"/>
+              </a:rPr>
+              <a:t>Sortie interruption			PS</a:t>
+            </a:r>
+            <a:endParaRPr lang="fr-FR" dirty="0"/>
+          </a:p>
+          <a:p>
+            <a:pPr marL="609585" marR="0" lvl="0" indent="-423323" algn="l" defTabSz="914400" rtl="0" eaLnBrk="1" fontAlgn="auto" latinLnBrk="0" hangingPunct="1">
+              <a:lnSpc>
+                <a:spcPct val="90000"/>
+              </a:lnSpc>
+              <a:spcBef>
+                <a:spcPts val="600"/>
+              </a:spcBef>
+              <a:spcAft>
+                <a:spcPts val="0"/>
+              </a:spcAft>
+              <a:buClr>
+                <a:srgbClr val="F9B63B"/>
+              </a:buClr>
+              <a:buSzPts val="1400"/>
+              <a:buFont typeface="Arial"/>
+              <a:buChar char="•"/>
+              <a:tabLst/>
+              <a:defRPr/>
+            </a:pPr>
+            <a:r>
+              <a:rPr lang="fr-FR" sz="1400" dirty="0"/>
+              <a:t>Autonome en énergie :     </a:t>
+            </a:r>
+            <a:r>
+              <a:rPr kumimoji="0" lang="fr-FR" sz="1100" b="1" i="0" u="none" strike="noStrike" kern="0" cap="none" spc="0" normalizeH="0" baseline="0" noProof="0" dirty="0">
+                <a:ln>
+                  <a:noFill/>
+                </a:ln>
+                <a:solidFill>
+                  <a:srgbClr val="FFC000"/>
+                </a:solidFill>
+                <a:effectLst/>
+                <a:uLnTx/>
+                <a:uFillTx/>
+                <a:latin typeface="arial" panose="020B0604020202020204" pitchFamily="34" charset="0"/>
+                <a:cs typeface="Arial"/>
+                <a:sym typeface="Arial"/>
+              </a:rPr>
+              <a:t>-</a:t>
+            </a:r>
+            <a:r>
+              <a:rPr kumimoji="0" lang="fr-FR" sz="1100" b="0" i="0" u="none" strike="noStrike" kern="0" cap="none" spc="0" normalizeH="0" baseline="0" noProof="0" dirty="0">
+                <a:ln>
+                  <a:noFill/>
+                </a:ln>
+                <a:solidFill>
+                  <a:srgbClr val="FFC000"/>
+                </a:solidFill>
+                <a:effectLst/>
+                <a:uLnTx/>
+                <a:uFillTx/>
+                <a:latin typeface="arial" panose="020B0604020202020204" pitchFamily="34" charset="0"/>
+                <a:cs typeface="Arial"/>
+                <a:sym typeface="Arial"/>
+              </a:rPr>
+              <a:t> </a:t>
+            </a:r>
+            <a:r>
+              <a:rPr kumimoji="0" lang="fr-FR" sz="1200" b="0" i="0" u="none" strike="noStrike" kern="0" cap="none" spc="0" normalizeH="0" baseline="0" noProof="0" dirty="0">
+                <a:ln>
+                  <a:noFill/>
+                </a:ln>
+                <a:solidFill>
+                  <a:srgbClr val="FFC000"/>
+                </a:solidFill>
+                <a:effectLst/>
+                <a:uLnTx/>
+                <a:uFillTx/>
+                <a:latin typeface="arial" panose="020B0604020202020204" pitchFamily="34" charset="0"/>
+                <a:cs typeface="Arial"/>
+                <a:sym typeface="Arial"/>
+              </a:rPr>
+              <a:t>        </a:t>
+            </a:r>
+            <a:r>
+              <a:rPr lang="fr-FR" sz="800" dirty="0">
+                <a:solidFill>
+                  <a:srgbClr val="000000"/>
+                </a:solidFill>
+                <a:latin typeface="arial" panose="020B0604020202020204" pitchFamily="34" charset="0"/>
+              </a:rPr>
+              <a:t>Calcul et réception des données			PS</a:t>
+            </a:r>
+            <a:endParaRPr kumimoji="0" lang="fr-FR" sz="700" b="0" i="0" u="none" strike="noStrike" kern="0" cap="none" spc="0" normalizeH="0" baseline="0" noProof="0" dirty="0">
+              <a:ln>
+                <a:noFill/>
+              </a:ln>
+              <a:solidFill>
+                <a:srgbClr val="000000"/>
+              </a:solidFill>
+              <a:effectLst/>
+              <a:uLnTx/>
+              <a:uFillTx/>
+              <a:latin typeface="arial" panose="020B0604020202020204" pitchFamily="34" charset="0"/>
+              <a:cs typeface="Arial"/>
+              <a:sym typeface="Arial"/>
+            </a:endParaRPr>
+          </a:p>
+          <a:p>
+            <a:pPr lvl="4">
+              <a:spcBef>
+                <a:spcPts val="300"/>
+              </a:spcBef>
+              <a:buClr>
+                <a:srgbClr val="FFC000"/>
+              </a:buClr>
+              <a:buFontTx/>
+              <a:buChar char="-"/>
+              <a:defRPr/>
+            </a:pPr>
+            <a:r>
+              <a:rPr kumimoji="0" lang="fr-FR" sz="800" b="0" i="0" u="none" strike="noStrike" kern="0" cap="none" spc="0" normalizeH="0" baseline="0" noProof="0" dirty="0">
+                <a:ln>
+                  <a:noFill/>
+                </a:ln>
+                <a:solidFill>
+                  <a:srgbClr val="000000"/>
+                </a:solidFill>
+                <a:effectLst/>
+                <a:uLnTx/>
+                <a:uFillTx/>
+                <a:latin typeface="arial" panose="020B0604020202020204" pitchFamily="34" charset="0"/>
+                <a:cs typeface="Arial"/>
+                <a:sym typeface="Arial"/>
+              </a:rPr>
+              <a:t>Interruption par gestionnaire de mission 		PS</a:t>
+            </a:r>
+          </a:p>
+          <a:p>
+            <a:pPr lvl="4">
+              <a:spcBef>
+                <a:spcPts val="300"/>
+              </a:spcBef>
+              <a:buClr>
+                <a:srgbClr val="FFC000"/>
+              </a:buClr>
+              <a:buFontTx/>
+              <a:buChar char="-"/>
+              <a:defRPr/>
+            </a:pPr>
+            <a:r>
+              <a:rPr kumimoji="0" lang="fr-FR" sz="800" b="0" i="0" u="none" strike="noStrike" kern="0" cap="none" spc="0" normalizeH="0" baseline="0" noProof="0" dirty="0">
+                <a:ln>
+                  <a:noFill/>
+                </a:ln>
+                <a:solidFill>
+                  <a:srgbClr val="000000"/>
+                </a:solidFill>
+                <a:effectLst/>
+                <a:uLnTx/>
+                <a:uFillTx/>
+                <a:latin typeface="arial" panose="020B0604020202020204" pitchFamily="34" charset="0"/>
+                <a:cs typeface="Arial"/>
+                <a:sym typeface="Arial"/>
+              </a:rPr>
+              <a:t>En charge				PS</a:t>
+            </a:r>
+          </a:p>
+          <a:p>
+            <a:pPr>
+              <a:spcBef>
+                <a:spcPts val="600"/>
+              </a:spcBef>
+            </a:pPr>
+            <a:r>
+              <a:rPr lang="fr-FR" sz="1400" dirty="0"/>
+              <a:t>Vidéo/Image</a:t>
+            </a:r>
+          </a:p>
+          <a:p>
+            <a:pPr>
+              <a:spcBef>
+                <a:spcPts val="600"/>
+              </a:spcBef>
+            </a:pPr>
+            <a:r>
+              <a:rPr lang="fr-FR" sz="1400" dirty="0"/>
+              <a:t>Alerte GSM</a:t>
+            </a:r>
+          </a:p>
+          <a:p>
+            <a:endParaRPr lang="fr-FR" sz="2000" dirty="0"/>
+          </a:p>
+          <a:p>
+            <a:endParaRPr lang="fr-FR" sz="2000" dirty="0"/>
+          </a:p>
+        </p:txBody>
+      </p:sp>
+    </p:spTree>
+    <p:extLst>
+      <p:ext uri="{BB962C8B-B14F-4D97-AF65-F5344CB8AC3E}">
+        <p14:creationId xmlns:p14="http://schemas.microsoft.com/office/powerpoint/2010/main" val="4061388971"/>
+      </p:ext>
+    </p:extLst>
+  </p:cSld>
+  <p:clrMapOvr>
+    <a:masterClrMapping/>
+  </p:clrMapOvr>
+</p:sld>
+</file>
+
+<file path=ppt/slides/slide5.xml><?xml version="1.0" encoding="utf-8"?>
+<p:sld xmlns:a="http://schemas.openxmlformats.org/drawingml/2006/main" xmlns:r="http://schemas.openxmlformats.org/officeDocument/2006/relationships" xmlns:p="http://schemas.openxmlformats.org/presentationml/2006/main">
+  <p:cSld>
+    <p:spTree>
+      <p:nvGrpSpPr>
+        <p:cNvPr id="1" name=""/>
+        <p:cNvGrpSpPr/>
+        <p:nvPr/>
+      </p:nvGrpSpPr>
+      <p:grpSpPr>
+        <a:xfrm>
+          <a:off x="0" y="0"/>
+          <a:ext cx="0" cy="0"/>
+          <a:chOff x="0" y="0"/>
+          <a:chExt cx="0" cy="0"/>
+        </a:xfrm>
+      </p:grpSpPr>
+      <p:sp>
+        <p:nvSpPr>
+          <p:cNvPr id="2" name="Titre 1">
+            <a:extLst>
+              <a:ext uri="{FF2B5EF4-FFF2-40B4-BE49-F238E27FC236}">
+                <a16:creationId xmlns:a16="http://schemas.microsoft.com/office/drawing/2014/main" id="{B2528BF9-71D7-B2EB-BC00-3756A629F7C9}"/>
+              </a:ext>
+            </a:extLst>
+          </p:cNvPr>
+          <p:cNvSpPr>
+            <a:spLocks noGrp="1"/>
+          </p:cNvSpPr>
+          <p:nvPr>
+            <p:ph type="title"/>
+          </p:nvPr>
+        </p:nvSpPr>
+        <p:spPr/>
+        <p:txBody>
+          <a:bodyPr/>
+          <a:lstStyle/>
+          <a:p>
+            <a:r>
+              <a:rPr lang="fr-FR" dirty="0"/>
+              <a:t>Travaux Soft</a:t>
+            </a:r>
+          </a:p>
+        </p:txBody>
+      </p:sp>
+      <p:pic>
+        <p:nvPicPr>
+          <p:cNvPr id="5" name="Image 4">
+            <a:extLst>
+              <a:ext uri="{FF2B5EF4-FFF2-40B4-BE49-F238E27FC236}">
+                <a16:creationId xmlns:a16="http://schemas.microsoft.com/office/drawing/2014/main" id="{9D7B4F82-4654-8EFE-84A7-74BF8A1FFEB2}"/>
+              </a:ext>
+            </a:extLst>
+          </p:cNvPr>
+          <p:cNvPicPr>
+            <a:picLocks noChangeAspect="1"/>
+          </p:cNvPicPr>
+          <p:nvPr/>
+        </p:nvPicPr>
+        <p:blipFill>
+          <a:blip r:embed="rId2"/>
+          <a:stretch>
+            <a:fillRect/>
+          </a:stretch>
+        </p:blipFill>
+        <p:spPr>
+          <a:xfrm>
+            <a:off x="838200" y="1797297"/>
+            <a:ext cx="4772025" cy="1266825"/>
+          </a:xfrm>
+          <a:prstGeom prst="rect">
+            <a:avLst/>
+          </a:prstGeom>
+        </p:spPr>
+      </p:pic>
+      <p:sp>
+        <p:nvSpPr>
+          <p:cNvPr id="6" name="ZoneTexte 5">
+            <a:extLst>
+              <a:ext uri="{FF2B5EF4-FFF2-40B4-BE49-F238E27FC236}">
+                <a16:creationId xmlns:a16="http://schemas.microsoft.com/office/drawing/2014/main" id="{5AE730FF-7CD4-B1D8-2248-7E80DF27205C}"/>
+              </a:ext>
+            </a:extLst>
+          </p:cNvPr>
+          <p:cNvSpPr txBox="1"/>
+          <p:nvPr/>
+        </p:nvSpPr>
+        <p:spPr>
+          <a:xfrm>
+            <a:off x="6096000" y="1797297"/>
+            <a:ext cx="4992072" cy="1200329"/>
+          </a:xfrm>
+          <a:prstGeom prst="rect">
+            <a:avLst/>
+          </a:prstGeom>
+          <a:noFill/>
+        </p:spPr>
+        <p:txBody>
+          <a:bodyPr wrap="none" rtlCol="0">
+            <a:spAutoFit/>
+          </a:bodyPr>
+          <a:lstStyle/>
+          <a:p>
+            <a:r>
+              <a:rPr lang="fr-FR" sz="2400" dirty="0" err="1"/>
+              <a:t>Petalinux</a:t>
+            </a:r>
+            <a:r>
+              <a:rPr lang="fr-FR" sz="2400" dirty="0"/>
+              <a:t> 2020.1</a:t>
+            </a:r>
+          </a:p>
+          <a:p>
+            <a:endParaRPr lang="fr-FR" sz="2400" dirty="0"/>
+          </a:p>
+          <a:p>
+            <a:r>
+              <a:rPr lang="fr-FR" sz="2400" dirty="0"/>
+              <a:t>Système de fichiers sur la carte SD</a:t>
+            </a:r>
+            <a:endParaRPr lang="fr-FR" sz="2000" dirty="0"/>
+          </a:p>
+        </p:txBody>
+      </p:sp>
+    </p:spTree>
+    <p:extLst>
+      <p:ext uri="{BB962C8B-B14F-4D97-AF65-F5344CB8AC3E}">
+        <p14:creationId xmlns:p14="http://schemas.microsoft.com/office/powerpoint/2010/main" val="2990754855"/>
+      </p:ext>
+    </p:extLst>
+  </p:cSld>
+  <p:clrMapOvr>
+    <a:masterClrMapping/>
+  </p:clrMapOvr>
+</p:sld>
+</file>
+
+<file path=ppt/slides/slide6.xml><?xml version="1.0" encoding="utf-8"?>
+<p:sld xmlns:a="http://schemas.openxmlformats.org/drawingml/2006/main" xmlns:r="http://schemas.openxmlformats.org/officeDocument/2006/relationships" xmlns:p="http://schemas.openxmlformats.org/presentationml/2006/main">
+  <p:cSld>
+    <p:spTree>
+      <p:nvGrpSpPr>
+        <p:cNvPr id="1" name=""/>
+        <p:cNvGrpSpPr/>
+        <p:nvPr/>
+      </p:nvGrpSpPr>
+      <p:grpSpPr>
+        <a:xfrm>
+          <a:off x="0" y="0"/>
+          <a:ext cx="0" cy="0"/>
+          <a:chOff x="0" y="0"/>
+          <a:chExt cx="0" cy="0"/>
+        </a:xfrm>
+      </p:grpSpPr>
+      <p:sp>
+        <p:nvSpPr>
+          <p:cNvPr id="2" name="Titre 1">
+            <a:extLst>
+              <a:ext uri="{FF2B5EF4-FFF2-40B4-BE49-F238E27FC236}">
+                <a16:creationId xmlns:a16="http://schemas.microsoft.com/office/drawing/2014/main" id="{B2528BF9-71D7-B2EB-BC00-3756A629F7C9}"/>
+              </a:ext>
+            </a:extLst>
+          </p:cNvPr>
+          <p:cNvSpPr>
+            <a:spLocks noGrp="1"/>
+          </p:cNvSpPr>
+          <p:nvPr>
+            <p:ph type="title"/>
+          </p:nvPr>
+        </p:nvSpPr>
+        <p:spPr/>
+        <p:txBody>
+          <a:bodyPr/>
+          <a:lstStyle/>
+          <a:p>
+            <a:r>
+              <a:rPr lang="fr-FR" dirty="0"/>
+              <a:t>Travaux Soft</a:t>
+            </a:r>
+          </a:p>
+        </p:txBody>
+      </p:sp>
+      <p:sp>
+        <p:nvSpPr>
+          <p:cNvPr id="6" name="ZoneTexte 5">
+            <a:extLst>
+              <a:ext uri="{FF2B5EF4-FFF2-40B4-BE49-F238E27FC236}">
+                <a16:creationId xmlns:a16="http://schemas.microsoft.com/office/drawing/2014/main" id="{5AE730FF-7CD4-B1D8-2248-7E80DF27205C}"/>
+              </a:ext>
+            </a:extLst>
+          </p:cNvPr>
+          <p:cNvSpPr txBox="1"/>
+          <p:nvPr/>
+        </p:nvSpPr>
+        <p:spPr>
+          <a:xfrm>
+            <a:off x="466987" y="1889576"/>
+            <a:ext cx="5049780" cy="830997"/>
+          </a:xfrm>
+          <a:prstGeom prst="rect">
+            <a:avLst/>
+          </a:prstGeom>
+          <a:noFill/>
+        </p:spPr>
+        <p:txBody>
+          <a:bodyPr wrap="none" rtlCol="0">
+            <a:spAutoFit/>
+          </a:bodyPr>
+          <a:lstStyle/>
+          <a:p>
+            <a:r>
+              <a:rPr lang="fr-FR" sz="2400" dirty="0"/>
+              <a:t>Impression 3D</a:t>
+            </a:r>
+          </a:p>
+          <a:p>
+            <a:r>
+              <a:rPr lang="fr-FR" sz="2400" dirty="0"/>
+              <a:t>Modélisation du support mécanique</a:t>
+            </a:r>
+            <a:endParaRPr lang="fr-FR" sz="2000" dirty="0"/>
+          </a:p>
+        </p:txBody>
+      </p:sp>
+      <p:pic>
+        <p:nvPicPr>
+          <p:cNvPr id="4" name="Image 3">
+            <a:extLst>
+              <a:ext uri="{FF2B5EF4-FFF2-40B4-BE49-F238E27FC236}">
+                <a16:creationId xmlns:a16="http://schemas.microsoft.com/office/drawing/2014/main" id="{5A1F3BD0-6BAC-FA88-E9FE-9EE8F3BD455D}"/>
+              </a:ext>
+            </a:extLst>
+          </p:cNvPr>
+          <p:cNvPicPr>
+            <a:picLocks noChangeAspect="1"/>
+          </p:cNvPicPr>
+          <p:nvPr/>
+        </p:nvPicPr>
+        <p:blipFill>
+          <a:blip r:embed="rId2"/>
+          <a:stretch>
+            <a:fillRect/>
+          </a:stretch>
+        </p:blipFill>
+        <p:spPr>
+          <a:xfrm>
+            <a:off x="7187751" y="1414401"/>
+            <a:ext cx="3727420" cy="3076949"/>
+          </a:xfrm>
+          <a:prstGeom prst="rect">
+            <a:avLst/>
+          </a:prstGeom>
+        </p:spPr>
+      </p:pic>
+      <p:pic>
+        <p:nvPicPr>
+          <p:cNvPr id="8" name="Image 7">
+            <a:extLst>
+              <a:ext uri="{FF2B5EF4-FFF2-40B4-BE49-F238E27FC236}">
+                <a16:creationId xmlns:a16="http://schemas.microsoft.com/office/drawing/2014/main" id="{F5F0916C-0241-C7F1-7DFD-29A800F92145}"/>
+              </a:ext>
+            </a:extLst>
+          </p:cNvPr>
+          <p:cNvPicPr>
+            <a:picLocks noChangeAspect="1"/>
+          </p:cNvPicPr>
+          <p:nvPr/>
+        </p:nvPicPr>
+        <p:blipFill>
+          <a:blip r:embed="rId3"/>
+          <a:stretch>
+            <a:fillRect/>
+          </a:stretch>
+        </p:blipFill>
+        <p:spPr>
+          <a:xfrm rot="21399476">
+            <a:off x="1190558" y="2859802"/>
+            <a:ext cx="3602637" cy="3774822"/>
+          </a:xfrm>
+          <a:prstGeom prst="rect">
+            <a:avLst/>
+          </a:prstGeom>
+        </p:spPr>
+      </p:pic>
+      <p:pic>
+        <p:nvPicPr>
+          <p:cNvPr id="10" name="Image 9">
+            <a:extLst>
+              <a:ext uri="{FF2B5EF4-FFF2-40B4-BE49-F238E27FC236}">
+                <a16:creationId xmlns:a16="http://schemas.microsoft.com/office/drawing/2014/main" id="{0B6656DE-EAA2-C395-FE1A-37ADE0090DBF}"/>
+              </a:ext>
+            </a:extLst>
+          </p:cNvPr>
+          <p:cNvPicPr>
+            <a:picLocks noChangeAspect="1"/>
+          </p:cNvPicPr>
+          <p:nvPr/>
+        </p:nvPicPr>
+        <p:blipFill>
+          <a:blip r:embed="rId4"/>
+          <a:stretch>
+            <a:fillRect/>
+          </a:stretch>
+        </p:blipFill>
+        <p:spPr>
+          <a:xfrm>
+            <a:off x="7312448" y="4600020"/>
+            <a:ext cx="3478025" cy="1838385"/>
+          </a:xfrm>
+          <a:prstGeom prst="rect">
+            <a:avLst/>
+          </a:prstGeom>
+        </p:spPr>
+      </p:pic>
+    </p:spTree>
+    <p:extLst>
+      <p:ext uri="{BB962C8B-B14F-4D97-AF65-F5344CB8AC3E}">
+        <p14:creationId xmlns:p14="http://schemas.microsoft.com/office/powerpoint/2010/main" val="1374125851"/>
+      </p:ext>
+    </p:extLst>
+  </p:cSld>
+  <p:clrMapOvr>
+    <a:masterClrMapping/>
+  </p:clrMapOvr>
+</p:sld>
+</file>
+
+<file path=ppt/slides/slide7.xml><?xml version="1.0" encoding="utf-8"?>
+<p:sld xmlns:a="http://schemas.openxmlformats.org/drawingml/2006/main" xmlns:r="http://schemas.openxmlformats.org/officeDocument/2006/relationships" xmlns:p="http://schemas.openxmlformats.org/presentationml/2006/main">
+  <p:cSld>
+    <p:spTree>
+      <p:nvGrpSpPr>
+        <p:cNvPr id="1" name=""/>
+        <p:cNvGrpSpPr/>
+        <p:nvPr/>
+      </p:nvGrpSpPr>
+      <p:grpSpPr>
+        <a:xfrm>
+          <a:off x="0" y="0"/>
+          <a:ext cx="0" cy="0"/>
+          <a:chOff x="0" y="0"/>
+          <a:chExt cx="0" cy="0"/>
+        </a:xfrm>
+      </p:grpSpPr>
+      <p:sp>
+        <p:nvSpPr>
+          <p:cNvPr id="2" name="Titre 1">
+            <a:extLst>
+              <a:ext uri="{FF2B5EF4-FFF2-40B4-BE49-F238E27FC236}">
+                <a16:creationId xmlns:a16="http://schemas.microsoft.com/office/drawing/2014/main" id="{B2528BF9-71D7-B2EB-BC00-3756A629F7C9}"/>
+              </a:ext>
+            </a:extLst>
+          </p:cNvPr>
+          <p:cNvSpPr>
+            <a:spLocks noGrp="1"/>
+          </p:cNvSpPr>
+          <p:nvPr>
+            <p:ph type="title"/>
+          </p:nvPr>
+        </p:nvSpPr>
+        <p:spPr/>
+        <p:txBody>
+          <a:bodyPr/>
+          <a:lstStyle/>
+          <a:p>
+            <a:r>
+              <a:rPr lang="fr-FR" dirty="0"/>
+              <a:t>Travaux Soft</a:t>
+            </a:r>
+          </a:p>
+        </p:txBody>
+      </p:sp>
+      <p:sp>
+        <p:nvSpPr>
+          <p:cNvPr id="6" name="ZoneTexte 5">
+            <a:extLst>
+              <a:ext uri="{FF2B5EF4-FFF2-40B4-BE49-F238E27FC236}">
+                <a16:creationId xmlns:a16="http://schemas.microsoft.com/office/drawing/2014/main" id="{5AE730FF-7CD4-B1D8-2248-7E80DF27205C}"/>
+              </a:ext>
+            </a:extLst>
+          </p:cNvPr>
+          <p:cNvSpPr txBox="1"/>
+          <p:nvPr/>
+        </p:nvSpPr>
+        <p:spPr>
+          <a:xfrm>
+            <a:off x="2905062" y="3013501"/>
+            <a:ext cx="6381875" cy="830997"/>
+          </a:xfrm>
+          <a:prstGeom prst="rect">
+            <a:avLst/>
+          </a:prstGeom>
+          <a:noFill/>
+        </p:spPr>
+        <p:txBody>
+          <a:bodyPr wrap="none" rtlCol="0">
+            <a:spAutoFit/>
+          </a:bodyPr>
+          <a:lstStyle/>
+          <a:p>
+            <a:pPr algn="ctr"/>
+            <a:r>
+              <a:rPr lang="fr-FR" sz="2400" dirty="0"/>
+              <a:t>IHM avec python et </a:t>
+            </a:r>
+            <a:r>
+              <a:rPr lang="fr-FR" sz="2400" dirty="0" err="1"/>
+              <a:t>flask</a:t>
+            </a:r>
+            <a:endParaRPr lang="fr-FR" sz="2400" dirty="0"/>
+          </a:p>
+          <a:p>
+            <a:r>
+              <a:rPr lang="fr-FR" sz="2400" dirty="0"/>
+              <a:t>Communication entre programme et interface</a:t>
+            </a:r>
+            <a:endParaRPr lang="fr-FR" sz="2000" dirty="0"/>
+          </a:p>
+        </p:txBody>
+      </p:sp>
+    </p:spTree>
+    <p:extLst>
+      <p:ext uri="{BB962C8B-B14F-4D97-AF65-F5344CB8AC3E}">
+        <p14:creationId xmlns:p14="http://schemas.microsoft.com/office/powerpoint/2010/main" val="1596480266"/>
+      </p:ext>
+    </p:extLst>
+  </p:cSld>
+  <p:clrMapOvr>
+    <a:masterClrMapping/>
+  </p:clrMapOvr>
+</p:sld>
+</file>
+
+<file path=ppt/slides/slide8.xml><?xml version="1.0" encoding="utf-8"?>
+<p:sld xmlns:a="http://schemas.openxmlformats.org/drawingml/2006/main" xmlns:r="http://schemas.openxmlformats.org/officeDocument/2006/relationships" xmlns:p="http://schemas.openxmlformats.org/presentationml/2006/main">
+  <p:cSld>
+    <p:spTree>
+      <p:nvGrpSpPr>
+        <p:cNvPr id="1" name=""/>
+        <p:cNvGrpSpPr/>
+        <p:nvPr/>
+      </p:nvGrpSpPr>
+      <p:grpSpPr>
+        <a:xfrm>
+          <a:off x="0" y="0"/>
+          <a:ext cx="0" cy="0"/>
+          <a:chOff x="0" y="0"/>
+          <a:chExt cx="0" cy="0"/>
+        </a:xfrm>
+      </p:grpSpPr>
+      <p:sp>
+        <p:nvSpPr>
+          <p:cNvPr id="2" name="Titre 1">
+            <a:extLst>
+              <a:ext uri="{FF2B5EF4-FFF2-40B4-BE49-F238E27FC236}">
+                <a16:creationId xmlns:a16="http://schemas.microsoft.com/office/drawing/2014/main" id="{60DD8BB1-FA8A-8972-AACC-056C8CA353FF}"/>
+              </a:ext>
+            </a:extLst>
+          </p:cNvPr>
+          <p:cNvSpPr>
+            <a:spLocks noGrp="1"/>
+          </p:cNvSpPr>
+          <p:nvPr>
+            <p:ph type="title"/>
+          </p:nvPr>
+        </p:nvSpPr>
+        <p:spPr/>
+        <p:txBody>
+          <a:bodyPr/>
+          <a:lstStyle/>
+          <a:p>
+            <a:r>
+              <a:rPr lang="fr-FR" dirty="0"/>
+              <a:t>Schématique et PCB</a:t>
+            </a:r>
+          </a:p>
+        </p:txBody>
+      </p:sp>
+      <p:pic>
+        <p:nvPicPr>
+          <p:cNvPr id="1026" name="Picture 2"/>
+          <p:cNvPicPr>
+            <a:picLocks noChangeAspect="1" noChangeArrowheads="1"/>
+          </p:cNvPicPr>
+          <p:nvPr/>
+        </p:nvPicPr>
+        <p:blipFill>
+          <a:blip r:embed="rId2" cstate="print"/>
+          <a:srcRect/>
+          <a:stretch>
+            <a:fillRect/>
+          </a:stretch>
+        </p:blipFill>
+        <p:spPr bwMode="auto">
+          <a:xfrm>
+            <a:off x="201441" y="1496711"/>
+            <a:ext cx="4833937" cy="4851058"/>
+          </a:xfrm>
+          <a:prstGeom prst="rect">
+            <a:avLst/>
+          </a:prstGeom>
+          <a:noFill/>
+          <a:ln w="9525">
+            <a:noFill/>
+            <a:miter lim="800000"/>
+            <a:headEnd/>
+            <a:tailEnd/>
+          </a:ln>
+        </p:spPr>
+      </p:pic>
+      <p:pic>
+        <p:nvPicPr>
+          <p:cNvPr id="1027" name="Picture 3"/>
+          <p:cNvPicPr>
+            <a:picLocks noChangeAspect="1" noChangeArrowheads="1"/>
+          </p:cNvPicPr>
+          <p:nvPr/>
+        </p:nvPicPr>
+        <p:blipFill>
+          <a:blip r:embed="rId3" cstate="print"/>
+          <a:srcRect/>
+          <a:stretch>
+            <a:fillRect/>
+          </a:stretch>
+        </p:blipFill>
+        <p:spPr bwMode="auto">
+          <a:xfrm>
+            <a:off x="5618206" y="2439231"/>
+            <a:ext cx="5430022" cy="3380158"/>
+          </a:xfrm>
+          <a:prstGeom prst="rect">
+            <a:avLst/>
+          </a:prstGeom>
+          <a:noFill/>
+          <a:ln w="9525">
+            <a:noFill/>
+            <a:miter lim="800000"/>
+            <a:headEnd/>
+            <a:tailEnd/>
+          </a:ln>
+        </p:spPr>
+      </p:pic>
+    </p:spTree>
+    <p:extLst>
+      <p:ext uri="{BB962C8B-B14F-4D97-AF65-F5344CB8AC3E}">
+        <p14:creationId xmlns:p14="http://schemas.microsoft.com/office/powerpoint/2010/main" val="1205318223"/>
+      </p:ext>
+    </p:extLst>
+  </p:cSld>
+  <p:clrMapOvr>
+    <a:masterClrMapping/>
+  </p:clrMapOvr>
+</p:sld>
+</file>
+
+<file path=ppt/slides/slide9.xml><?xml version="1.0" encoding="utf-8"?>
+<p:sld xmlns:a="http://schemas.openxmlformats.org/drawingml/2006/main" xmlns:r="http://schemas.openxmlformats.org/officeDocument/2006/relationships" xmlns:p="http://schemas.openxmlformats.org/presentationml/2006/main">
+  <p:cSld>
+    <p:spTree>
+      <p:nvGrpSpPr>
+        <p:cNvPr id="1" name=""/>
+        <p:cNvGrpSpPr/>
+        <p:nvPr/>
+      </p:nvGrpSpPr>
+      <p:grpSpPr>
+        <a:xfrm>
+          <a:off x="0" y="0"/>
+          <a:ext cx="0" cy="0"/>
+          <a:chOff x="0" y="0"/>
+          <a:chExt cx="0" cy="0"/>
+        </a:xfrm>
+      </p:grpSpPr>
+      <p:sp>
+        <p:nvSpPr>
+          <p:cNvPr id="2" name="Titre 1"/>
+          <p:cNvSpPr>
+            <a:spLocks noGrp="1"/>
+          </p:cNvSpPr>
+          <p:nvPr>
+            <p:ph type="title"/>
+          </p:nvPr>
+        </p:nvSpPr>
+        <p:spPr/>
+        <p:txBody>
+          <a:bodyPr/>
+          <a:lstStyle/>
+          <a:p>
+            <a:endParaRPr lang="fr-FR" dirty="0"/>
+          </a:p>
+        </p:txBody>
+      </p:sp>
+      <p:pic>
+        <p:nvPicPr>
+          <p:cNvPr id="4" name="Picture 2"/>
+          <p:cNvPicPr>
+            <a:picLocks noChangeAspect="1" noChangeArrowheads="1"/>
+          </p:cNvPicPr>
+          <p:nvPr/>
+        </p:nvPicPr>
+        <p:blipFill>
+          <a:blip r:embed="rId2" cstate="print"/>
+          <a:srcRect/>
+          <a:stretch>
+            <a:fillRect/>
+          </a:stretch>
+        </p:blipFill>
+        <p:spPr bwMode="auto">
+          <a:xfrm>
+            <a:off x="363623" y="1316381"/>
+            <a:ext cx="11382375" cy="5114925"/>
           </a:xfrm>
           <a:prstGeom prst="rect">
             <a:avLst/>
@@ -10265,7 +10617,7 @@
   <a:extraClrSchemeLst/>
   <a:extLst>
     <a:ext uri="{05A4C25C-085E-4340-85A3-A5531E510DB2}">
-      <thm15:themeFamily xmlns:thm15="http://schemas.microsoft.com/office/thememl/2012/main" xmlns="" name="Thème1" id="{F8D90D31-0E82-441F-979D-5CA5121051FF}" vid="{6756C6E6-5B85-46E8-8880-4CDFF9CDDAE6}"/>
+      <thm15:themeFamily xmlns:thm15="http://schemas.microsoft.com/office/thememl/2012/main" name="Thème1" id="{F8D90D31-0E82-441F-979D-5CA5121051FF}" vid="{6756C6E6-5B85-46E8-8880-4CDFF9CDDAE6}"/>
     </a:ext>
   </a:extLst>
 </a:theme>

--- a/GestionDeProjet/Reunions/Reunion 20_05_2022/Reunion_avancement20_05_22.pptx
+++ b/GestionDeProjet/Reunions/Reunion 20_05_2022/Reunion_avancement20_05_22.pptx
@@ -18,6 +18,9 @@
     <p:sldId id="266" r:id="rId12"/>
     <p:sldId id="267" r:id="rId13"/>
     <p:sldId id="263" r:id="rId14"/>
+    <p:sldId id="270" r:id="rId15"/>
+    <p:sldId id="272" r:id="rId16"/>
+    <p:sldId id="271" r:id="rId17"/>
   </p:sldIdLst>
   <p:sldSz cx="12192000" cy="6858000"/>
   <p:notesSz cx="6858000" cy="9144000"/>
@@ -252,7 +255,7 @@
   </p:defaultTextStyle>
   <p:extLst>
     <p:ext uri="{EFAFB233-063F-42B5-8137-9DF3F51BA10A}">
-      <p15:sldGuideLst xmlns:p15="http://schemas.microsoft.com/office/powerpoint/2012/main">
+      <p15:sldGuideLst xmlns:p15="http://schemas.microsoft.com/office/powerpoint/2012/main" xmlns="">
         <p15:guide id="1" orient="horz" pos="2160">
           <p15:clr>
             <a:srgbClr val="A4A3A4"/>
@@ -1009,7 +1012,7 @@
     </p:spTree>
     <p:extLst>
       <p:ext uri="{BB962C8B-B14F-4D97-AF65-F5344CB8AC3E}">
-        <p14:creationId xmlns:p14="http://schemas.microsoft.com/office/powerpoint/2010/main" val="1683196634"/>
+        <p14:creationId xmlns:p14="http://schemas.microsoft.com/office/powerpoint/2010/main" xmlns="" val="1683196634"/>
       </p:ext>
     </p:extLst>
   </p:cSld>
@@ -1758,7 +1761,7 @@
     </p:spTree>
     <p:extLst>
       <p:ext uri="{BB962C8B-B14F-4D97-AF65-F5344CB8AC3E}">
-        <p14:creationId xmlns:p14="http://schemas.microsoft.com/office/powerpoint/2010/main" val="3557230879"/>
+        <p14:creationId xmlns:p14="http://schemas.microsoft.com/office/powerpoint/2010/main" xmlns="" val="3557230879"/>
       </p:ext>
     </p:extLst>
   </p:cSld>
@@ -2516,7 +2519,7 @@
     </p:spTree>
     <p:extLst>
       <p:ext uri="{BB962C8B-B14F-4D97-AF65-F5344CB8AC3E}">
-        <p14:creationId xmlns:p14="http://schemas.microsoft.com/office/powerpoint/2010/main" val="1370354911"/>
+        <p14:creationId xmlns:p14="http://schemas.microsoft.com/office/powerpoint/2010/main" xmlns="" val="1370354911"/>
       </p:ext>
     </p:extLst>
   </p:cSld>
@@ -3268,7 +3271,7 @@
     </p:spTree>
     <p:extLst>
       <p:ext uri="{BB962C8B-B14F-4D97-AF65-F5344CB8AC3E}">
-        <p14:creationId xmlns:p14="http://schemas.microsoft.com/office/powerpoint/2010/main" val="1488441881"/>
+        <p14:creationId xmlns:p14="http://schemas.microsoft.com/office/powerpoint/2010/main" xmlns="" val="1488441881"/>
       </p:ext>
     </p:extLst>
   </p:cSld>
@@ -4017,7 +4020,7 @@
     </p:spTree>
     <p:extLst>
       <p:ext uri="{BB962C8B-B14F-4D97-AF65-F5344CB8AC3E}">
-        <p14:creationId xmlns:p14="http://schemas.microsoft.com/office/powerpoint/2010/main" val="4145855993"/>
+        <p14:creationId xmlns:p14="http://schemas.microsoft.com/office/powerpoint/2010/main" xmlns="" val="4145855993"/>
       </p:ext>
     </p:extLst>
   </p:cSld>
@@ -4798,7 +4801,7 @@
     </p:spTree>
     <p:extLst>
       <p:ext uri="{BB962C8B-B14F-4D97-AF65-F5344CB8AC3E}">
-        <p14:creationId xmlns:p14="http://schemas.microsoft.com/office/powerpoint/2010/main" val="3023544346"/>
+        <p14:creationId xmlns:p14="http://schemas.microsoft.com/office/powerpoint/2010/main" xmlns="" val="3023544346"/>
       </p:ext>
     </p:extLst>
   </p:cSld>
@@ -5520,7 +5523,7 @@
     </p:spTree>
     <p:extLst>
       <p:ext uri="{BB962C8B-B14F-4D97-AF65-F5344CB8AC3E}">
-        <p14:creationId xmlns:p14="http://schemas.microsoft.com/office/powerpoint/2010/main" val="2230660444"/>
+        <p14:creationId xmlns:p14="http://schemas.microsoft.com/office/powerpoint/2010/main" xmlns="" val="2230660444"/>
       </p:ext>
     </p:extLst>
   </p:cSld>
@@ -5887,7 +5890,7 @@
     </p:spTree>
     <p:extLst>
       <p:ext uri="{BB962C8B-B14F-4D97-AF65-F5344CB8AC3E}">
-        <p14:creationId xmlns:p14="http://schemas.microsoft.com/office/powerpoint/2010/main" val="2065464872"/>
+        <p14:creationId xmlns:p14="http://schemas.microsoft.com/office/powerpoint/2010/main" xmlns="" val="2065464872"/>
       </p:ext>
     </p:extLst>
   </p:cSld>
@@ -6984,7 +6987,7 @@
     </p:spTree>
     <p:extLst>
       <p:ext uri="{BB962C8B-B14F-4D97-AF65-F5344CB8AC3E}">
-        <p14:creationId xmlns:p14="http://schemas.microsoft.com/office/powerpoint/2010/main" val="2551948298"/>
+        <p14:creationId xmlns:p14="http://schemas.microsoft.com/office/powerpoint/2010/main" xmlns="" val="2551948298"/>
       </p:ext>
     </p:extLst>
   </p:cSld>
@@ -7713,7 +7716,7 @@
           <p:cNvPr id="2" name="Titre 1">
             <a:extLst>
               <a:ext uri="{FF2B5EF4-FFF2-40B4-BE49-F238E27FC236}">
-                <a16:creationId xmlns:a16="http://schemas.microsoft.com/office/drawing/2014/main" id="{AB203E22-A68F-43B4-8A2A-8135BAB9C7D4}"/>
+                <a16:creationId xmlns:a16="http://schemas.microsoft.com/office/drawing/2014/main" xmlns="" id="{AB203E22-A68F-43B4-8A2A-8135BAB9C7D4}"/>
               </a:ext>
             </a:extLst>
           </p:cNvPr>
@@ -7743,7 +7746,7 @@
           <p:cNvPr id="3" name="Sous-titre 2">
             <a:extLst>
               <a:ext uri="{FF2B5EF4-FFF2-40B4-BE49-F238E27FC236}">
-                <a16:creationId xmlns:a16="http://schemas.microsoft.com/office/drawing/2014/main" id="{E4DA1A89-6A6D-438F-AD0A-7258D468F648}"/>
+                <a16:creationId xmlns:a16="http://schemas.microsoft.com/office/drawing/2014/main" xmlns="" id="{E4DA1A89-6A6D-438F-AD0A-7258D468F648}"/>
               </a:ext>
             </a:extLst>
           </p:cNvPr>
@@ -7786,7 +7789,7 @@
     </p:spTree>
     <p:extLst>
       <p:ext uri="{BB962C8B-B14F-4D97-AF65-F5344CB8AC3E}">
-        <p14:creationId xmlns:p14="http://schemas.microsoft.com/office/powerpoint/2010/main" val="3615421672"/>
+        <p14:creationId xmlns:p14="http://schemas.microsoft.com/office/powerpoint/2010/main" xmlns="" val="3615421672"/>
       </p:ext>
     </p:extLst>
   </p:cSld>
@@ -7796,6 +7799,13 @@
   <p:transition spd="med">
     <p:fade/>
   </p:transition>
+  <p:timing>
+    <p:tnLst>
+      <p:par>
+        <p:cTn id="1" dur="indefinite" restart="never" nodeType="tmRoot"/>
+      </p:par>
+    </p:tnLst>
+  </p:timing>
 </p:sld>
 </file>
 
@@ -7968,6 +7978,13 @@
   <p:clrMapOvr>
     <a:masterClrMapping/>
   </p:clrMapOvr>
+  <p:timing>
+    <p:tnLst>
+      <p:par>
+        <p:cTn id="1" dur="indefinite" restart="never" nodeType="tmRoot"/>
+      </p:par>
+    </p:tnLst>
+  </p:timing>
 </p:sld>
 </file>
 
@@ -8140,6 +8157,13 @@
   <p:clrMapOvr>
     <a:masterClrMapping/>
   </p:clrMapOvr>
+  <p:timing>
+    <p:tnLst>
+      <p:par>
+        <p:cTn id="1" dur="indefinite" restart="never" nodeType="tmRoot"/>
+      </p:par>
+    </p:tnLst>
+  </p:timing>
 </p:sld>
 </file>
 
@@ -8235,6 +8259,13 @@
   <p:clrMapOvr>
     <a:masterClrMapping/>
   </p:clrMapOvr>
+  <p:timing>
+    <p:tnLst>
+      <p:par>
+        <p:cTn id="1" dur="indefinite" restart="never" nodeType="tmRoot"/>
+      </p:par>
+    </p:tnLst>
+  </p:timing>
 </p:sld>
 </file>
 
@@ -8260,7 +8291,7 @@
           <p:cNvPr id="2" name="Titre 1">
             <a:extLst>
               <a:ext uri="{FF2B5EF4-FFF2-40B4-BE49-F238E27FC236}">
-                <a16:creationId xmlns:a16="http://schemas.microsoft.com/office/drawing/2014/main" id="{60DD8BB1-FA8A-8972-AACC-056C8CA353FF}"/>
+                <a16:creationId xmlns:a16="http://schemas.microsoft.com/office/drawing/2014/main" xmlns="" id="{60DD8BB1-FA8A-8972-AACC-056C8CA353FF}"/>
               </a:ext>
             </a:extLst>
           </p:cNvPr>
@@ -8288,7 +8319,7 @@
           <p:cNvPr id="3" name="Espace réservé du texte 2">
             <a:extLst>
               <a:ext uri="{FF2B5EF4-FFF2-40B4-BE49-F238E27FC236}">
-                <a16:creationId xmlns:a16="http://schemas.microsoft.com/office/drawing/2014/main" id="{0C4E86A4-93E7-2C97-23AB-406BE1AFA25F}"/>
+                <a16:creationId xmlns:a16="http://schemas.microsoft.com/office/drawing/2014/main" xmlns="" id="{0C4E86A4-93E7-2C97-23AB-406BE1AFA25F}"/>
               </a:ext>
             </a:extLst>
           </p:cNvPr>
@@ -8343,13 +8374,334 @@
     </p:spTree>
     <p:extLst>
       <p:ext uri="{BB962C8B-B14F-4D97-AF65-F5344CB8AC3E}">
-        <p14:creationId xmlns:p14="http://schemas.microsoft.com/office/powerpoint/2010/main" val="2213253413"/>
+        <p14:creationId xmlns:p14="http://schemas.microsoft.com/office/powerpoint/2010/main" xmlns="" val="2213253413"/>
       </p:ext>
     </p:extLst>
   </p:cSld>
   <p:clrMapOvr>
     <a:masterClrMapping/>
   </p:clrMapOvr>
+  <p:timing>
+    <p:tnLst>
+      <p:par>
+        <p:cTn id="1" dur="indefinite" restart="never" nodeType="tmRoot"/>
+      </p:par>
+    </p:tnLst>
+  </p:timing>
+</p:sld>
+</file>
+
+<file path=ppt/slides/slide14.xml><?xml version="1.0" encoding="utf-8"?>
+<p:sld xmlns:a="http://schemas.openxmlformats.org/drawingml/2006/main" xmlns:r="http://schemas.openxmlformats.org/officeDocument/2006/relationships" xmlns:p="http://schemas.openxmlformats.org/presentationml/2006/main">
+  <p:cSld>
+    <p:spTree>
+      <p:nvGrpSpPr>
+        <p:cNvPr id="1" name=""/>
+        <p:cNvGrpSpPr/>
+        <p:nvPr/>
+      </p:nvGrpSpPr>
+      <p:grpSpPr>
+        <a:xfrm>
+          <a:off x="0" y="0"/>
+          <a:ext cx="0" cy="0"/>
+          <a:chOff x="0" y="0"/>
+          <a:chExt cx="0" cy="0"/>
+        </a:xfrm>
+      </p:grpSpPr>
+      <p:sp>
+        <p:nvSpPr>
+          <p:cNvPr id="2" name="Titre 1"/>
+          <p:cNvSpPr>
+            <a:spLocks noGrp="1"/>
+          </p:cNvSpPr>
+          <p:nvPr>
+            <p:ph type="title"/>
+          </p:nvPr>
+        </p:nvSpPr>
+        <p:spPr/>
+        <p:txBody>
+          <a:bodyPr/>
+          <a:lstStyle/>
+          <a:p>
+            <a:r>
+              <a:rPr lang="fr-FR" dirty="0" smtClean="0"/>
+              <a:t>Simulations </a:t>
+            </a:r>
+            <a:r>
+              <a:rPr lang="fr-FR" dirty="0" err="1" smtClean="0"/>
+              <a:t>LTspice</a:t>
+            </a:r>
+            <a:endParaRPr lang="fr-FR" dirty="0"/>
+          </a:p>
+        </p:txBody>
+      </p:sp>
+      <p:sp>
+        <p:nvSpPr>
+          <p:cNvPr id="3" name="Espace réservé du texte 2"/>
+          <p:cNvSpPr>
+            <a:spLocks noGrp="1"/>
+          </p:cNvSpPr>
+          <p:nvPr>
+            <p:ph type="body" idx="1"/>
+          </p:nvPr>
+        </p:nvSpPr>
+        <p:spPr/>
+        <p:txBody>
+          <a:bodyPr/>
+          <a:lstStyle/>
+          <a:p>
+            <a:endParaRPr lang="fr-FR" dirty="0"/>
+          </a:p>
+        </p:txBody>
+      </p:sp>
+      <p:pic>
+        <p:nvPicPr>
+          <p:cNvPr id="2050" name="Picture 2"/>
+          <p:cNvPicPr>
+            <a:picLocks noChangeAspect="1" noChangeArrowheads="1"/>
+          </p:cNvPicPr>
+          <p:nvPr/>
+        </p:nvPicPr>
+        <p:blipFill>
+          <a:blip r:embed="rId2" cstate="print"/>
+          <a:srcRect/>
+          <a:stretch>
+            <a:fillRect/>
+          </a:stretch>
+        </p:blipFill>
+        <p:spPr bwMode="auto">
+          <a:xfrm>
+            <a:off x="3050189" y="1977189"/>
+            <a:ext cx="6041295" cy="3974392"/>
+          </a:xfrm>
+          <a:prstGeom prst="rect">
+            <a:avLst/>
+          </a:prstGeom>
+          <a:noFill/>
+          <a:ln w="9525">
+            <a:noFill/>
+            <a:miter lim="800000"/>
+            <a:headEnd/>
+            <a:tailEnd/>
+          </a:ln>
+        </p:spPr>
+      </p:pic>
+    </p:spTree>
+  </p:cSld>
+  <p:clrMapOvr>
+    <a:masterClrMapping/>
+  </p:clrMapOvr>
+  <p:timing>
+    <p:tnLst>
+      <p:par>
+        <p:cTn id="1" dur="indefinite" restart="never" nodeType="tmRoot"/>
+      </p:par>
+    </p:tnLst>
+  </p:timing>
+</p:sld>
+</file>
+
+<file path=ppt/slides/slide15.xml><?xml version="1.0" encoding="utf-8"?>
+<p:sld xmlns:a="http://schemas.openxmlformats.org/drawingml/2006/main" xmlns:r="http://schemas.openxmlformats.org/officeDocument/2006/relationships" xmlns:p="http://schemas.openxmlformats.org/presentationml/2006/main">
+  <p:cSld>
+    <p:spTree>
+      <p:nvGrpSpPr>
+        <p:cNvPr id="1" name=""/>
+        <p:cNvGrpSpPr/>
+        <p:nvPr/>
+      </p:nvGrpSpPr>
+      <p:grpSpPr>
+        <a:xfrm>
+          <a:off x="0" y="0"/>
+          <a:ext cx="0" cy="0"/>
+          <a:chOff x="0" y="0"/>
+          <a:chExt cx="0" cy="0"/>
+        </a:xfrm>
+      </p:grpSpPr>
+      <p:sp>
+        <p:nvSpPr>
+          <p:cNvPr id="2" name="Titre 1"/>
+          <p:cNvSpPr>
+            <a:spLocks noGrp="1"/>
+          </p:cNvSpPr>
+          <p:nvPr>
+            <p:ph type="title"/>
+          </p:nvPr>
+        </p:nvSpPr>
+        <p:spPr/>
+        <p:txBody>
+          <a:bodyPr/>
+          <a:lstStyle/>
+          <a:p>
+            <a:endParaRPr lang="fr-FR"/>
+          </a:p>
+        </p:txBody>
+      </p:sp>
+      <p:sp>
+        <p:nvSpPr>
+          <p:cNvPr id="3" name="Espace réservé du texte 2"/>
+          <p:cNvSpPr>
+            <a:spLocks noGrp="1"/>
+          </p:cNvSpPr>
+          <p:nvPr>
+            <p:ph type="body" idx="1"/>
+          </p:nvPr>
+        </p:nvSpPr>
+        <p:spPr/>
+        <p:txBody>
+          <a:bodyPr/>
+          <a:lstStyle/>
+          <a:p>
+            <a:endParaRPr lang="fr-FR" dirty="0"/>
+          </a:p>
+        </p:txBody>
+      </p:sp>
+      <p:pic>
+        <p:nvPicPr>
+          <p:cNvPr id="3074" name="Picture 2"/>
+          <p:cNvPicPr>
+            <a:picLocks noChangeAspect="1" noChangeArrowheads="1"/>
+          </p:cNvPicPr>
+          <p:nvPr/>
+        </p:nvPicPr>
+        <p:blipFill>
+          <a:blip r:embed="rId2" cstate="print"/>
+          <a:srcRect/>
+          <a:stretch>
+            <a:fillRect/>
+          </a:stretch>
+        </p:blipFill>
+        <p:spPr bwMode="auto">
+          <a:xfrm>
+            <a:off x="0" y="1025662"/>
+            <a:ext cx="12192000" cy="5832338"/>
+          </a:xfrm>
+          <a:prstGeom prst="rect">
+            <a:avLst/>
+          </a:prstGeom>
+          <a:noFill/>
+          <a:ln w="9525">
+            <a:noFill/>
+            <a:miter lim="800000"/>
+            <a:headEnd/>
+            <a:tailEnd/>
+          </a:ln>
+        </p:spPr>
+      </p:pic>
+    </p:spTree>
+  </p:cSld>
+  <p:clrMapOvr>
+    <a:masterClrMapping/>
+  </p:clrMapOvr>
+  <p:timing>
+    <p:tnLst>
+      <p:par>
+        <p:cTn id="1" dur="indefinite" restart="never" nodeType="tmRoot"/>
+      </p:par>
+    </p:tnLst>
+  </p:timing>
+</p:sld>
+</file>
+
+<file path=ppt/slides/slide16.xml><?xml version="1.0" encoding="utf-8"?>
+<p:sld xmlns:a="http://schemas.openxmlformats.org/drawingml/2006/main" xmlns:r="http://schemas.openxmlformats.org/officeDocument/2006/relationships" xmlns:p="http://schemas.openxmlformats.org/presentationml/2006/main">
+  <p:cSld>
+    <p:spTree>
+      <p:nvGrpSpPr>
+        <p:cNvPr id="1" name=""/>
+        <p:cNvGrpSpPr/>
+        <p:nvPr/>
+      </p:nvGrpSpPr>
+      <p:grpSpPr>
+        <a:xfrm>
+          <a:off x="0" y="0"/>
+          <a:ext cx="0" cy="0"/>
+          <a:chOff x="0" y="0"/>
+          <a:chExt cx="0" cy="0"/>
+        </a:xfrm>
+      </p:grpSpPr>
+      <p:sp>
+        <p:nvSpPr>
+          <p:cNvPr id="2" name="Titre 1"/>
+          <p:cNvSpPr>
+            <a:spLocks noGrp="1"/>
+          </p:cNvSpPr>
+          <p:nvPr>
+            <p:ph type="title"/>
+          </p:nvPr>
+        </p:nvSpPr>
+        <p:spPr/>
+        <p:txBody>
+          <a:bodyPr/>
+          <a:lstStyle/>
+          <a:p>
+            <a:endParaRPr lang="fr-FR"/>
+          </a:p>
+        </p:txBody>
+      </p:sp>
+      <p:sp>
+        <p:nvSpPr>
+          <p:cNvPr id="3" name="Espace réservé du texte 2"/>
+          <p:cNvSpPr>
+            <a:spLocks noGrp="1"/>
+          </p:cNvSpPr>
+          <p:nvPr>
+            <p:ph type="body" idx="1"/>
+          </p:nvPr>
+        </p:nvSpPr>
+        <p:spPr/>
+        <p:txBody>
+          <a:bodyPr/>
+          <a:lstStyle/>
+          <a:p>
+            <a:endParaRPr lang="fr-FR"/>
+          </a:p>
+        </p:txBody>
+      </p:sp>
+      <p:pic>
+        <p:nvPicPr>
+          <p:cNvPr id="1026" name="Picture 2"/>
+          <p:cNvPicPr>
+            <a:picLocks noChangeAspect="1" noChangeArrowheads="1"/>
+          </p:cNvPicPr>
+          <p:nvPr/>
+        </p:nvPicPr>
+        <p:blipFill>
+          <a:blip r:embed="rId2" cstate="print"/>
+          <a:srcRect/>
+          <a:stretch>
+            <a:fillRect/>
+          </a:stretch>
+        </p:blipFill>
+        <p:spPr bwMode="auto">
+          <a:xfrm>
+            <a:off x="2530818" y="1852287"/>
+            <a:ext cx="6440187" cy="4381439"/>
+          </a:xfrm>
+          <a:prstGeom prst="rect">
+            <a:avLst/>
+          </a:prstGeom>
+          <a:noFill/>
+          <a:ln w="9525">
+            <a:noFill/>
+            <a:miter lim="800000"/>
+            <a:headEnd/>
+            <a:tailEnd/>
+          </a:ln>
+        </p:spPr>
+      </p:pic>
+    </p:spTree>
+  </p:cSld>
+  <p:clrMapOvr>
+    <a:masterClrMapping/>
+  </p:clrMapOvr>
+  <p:timing>
+    <p:tnLst>
+      <p:par>
+        <p:cTn id="1" dur="indefinite" restart="never" nodeType="tmRoot"/>
+      </p:par>
+    </p:tnLst>
+  </p:timing>
 </p:sld>
 </file>
 
@@ -8375,7 +8727,7 @@
           <p:cNvPr id="2" name="Titre 1">
             <a:extLst>
               <a:ext uri="{FF2B5EF4-FFF2-40B4-BE49-F238E27FC236}">
-                <a16:creationId xmlns:a16="http://schemas.microsoft.com/office/drawing/2014/main" id="{709515F8-52F5-41EA-9F94-01B0981A1295}"/>
+                <a16:creationId xmlns:a16="http://schemas.microsoft.com/office/drawing/2014/main" xmlns="" id="{709515F8-52F5-41EA-9F94-01B0981A1295}"/>
               </a:ext>
             </a:extLst>
           </p:cNvPr>
@@ -8403,7 +8755,7 @@
           <p:cNvPr id="3" name="Espace réservé du contenu 2">
             <a:extLst>
               <a:ext uri="{FF2B5EF4-FFF2-40B4-BE49-F238E27FC236}">
-                <a16:creationId xmlns:a16="http://schemas.microsoft.com/office/drawing/2014/main" id="{BF6A637C-CB97-4C62-85F7-63CB79C428D8}"/>
+                <a16:creationId xmlns:a16="http://schemas.microsoft.com/office/drawing/2014/main" xmlns="" id="{BF6A637C-CB97-4C62-85F7-63CB79C428D8}"/>
               </a:ext>
             </a:extLst>
           </p:cNvPr>
@@ -8552,13 +8904,20 @@
     </p:spTree>
     <p:extLst>
       <p:ext uri="{BB962C8B-B14F-4D97-AF65-F5344CB8AC3E}">
-        <p14:creationId xmlns:p14="http://schemas.microsoft.com/office/powerpoint/2010/main" val="4219772065"/>
+        <p14:creationId xmlns:p14="http://schemas.microsoft.com/office/powerpoint/2010/main" xmlns="" val="4219772065"/>
       </p:ext>
     </p:extLst>
   </p:cSld>
   <p:clrMapOvr>
     <a:masterClrMapping/>
   </p:clrMapOvr>
+  <p:timing>
+    <p:tnLst>
+      <p:par>
+        <p:cTn id="1" dur="indefinite" restart="never" nodeType="tmRoot"/>
+      </p:par>
+    </p:tnLst>
+  </p:timing>
 </p:sld>
 </file>
 
@@ -8584,7 +8943,7 @@
           <p:cNvPr id="2" name="Titre 1">
             <a:extLst>
               <a:ext uri="{FF2B5EF4-FFF2-40B4-BE49-F238E27FC236}">
-                <a16:creationId xmlns:a16="http://schemas.microsoft.com/office/drawing/2014/main" id="{0F27501F-F26B-46CD-BAAA-F12624F0404D}"/>
+                <a16:creationId xmlns:a16="http://schemas.microsoft.com/office/drawing/2014/main" xmlns="" id="{0F27501F-F26B-46CD-BAAA-F12624F0404D}"/>
               </a:ext>
             </a:extLst>
           </p:cNvPr>
@@ -8617,7 +8976,7 @@
           <p:cNvPr id="7" name="Image 6">
             <a:extLst>
               <a:ext uri="{FF2B5EF4-FFF2-40B4-BE49-F238E27FC236}">
-                <a16:creationId xmlns:a16="http://schemas.microsoft.com/office/drawing/2014/main" id="{313BAE3B-9142-056F-E2AA-105E775B9EAD}"/>
+                <a16:creationId xmlns:a16="http://schemas.microsoft.com/office/drawing/2014/main" xmlns="" id="{313BAE3B-9142-056F-E2AA-105E775B9EAD}"/>
               </a:ext>
             </a:extLst>
           </p:cNvPr>
@@ -8630,7 +8989,7 @@
           <a:blip r:embed="rId2" cstate="print">
             <a:extLst>
               <a:ext uri="{28A0092B-C50C-407E-A947-70E740481C1C}">
-                <a14:useLocalDpi xmlns:a14="http://schemas.microsoft.com/office/drawing/2010/main" val="0"/>
+                <a14:useLocalDpi xmlns:a14="http://schemas.microsoft.com/office/drawing/2010/main" xmlns="" val="0"/>
               </a:ext>
             </a:extLst>
           </a:blip>
@@ -8651,13 +9010,20 @@
     </p:spTree>
     <p:extLst>
       <p:ext uri="{BB962C8B-B14F-4D97-AF65-F5344CB8AC3E}">
-        <p14:creationId xmlns:p14="http://schemas.microsoft.com/office/powerpoint/2010/main" val="2767477300"/>
+        <p14:creationId xmlns:p14="http://schemas.microsoft.com/office/powerpoint/2010/main" xmlns="" val="2767477300"/>
       </p:ext>
     </p:extLst>
   </p:cSld>
   <p:clrMapOvr>
     <a:masterClrMapping/>
   </p:clrMapOvr>
+  <p:timing>
+    <p:tnLst>
+      <p:par>
+        <p:cTn id="1" dur="indefinite" restart="never" nodeType="tmRoot"/>
+      </p:par>
+    </p:tnLst>
+  </p:timing>
 </p:sld>
 </file>
 
@@ -8683,7 +9049,7 @@
           <p:cNvPr id="2" name="Titre 1">
             <a:extLst>
               <a:ext uri="{FF2B5EF4-FFF2-40B4-BE49-F238E27FC236}">
-                <a16:creationId xmlns:a16="http://schemas.microsoft.com/office/drawing/2014/main" id="{0F27501F-F26B-46CD-BAAA-F12624F0404D}"/>
+                <a16:creationId xmlns:a16="http://schemas.microsoft.com/office/drawing/2014/main" xmlns="" id="{0F27501F-F26B-46CD-BAAA-F12624F0404D}"/>
               </a:ext>
             </a:extLst>
           </p:cNvPr>
@@ -8716,7 +9082,7 @@
           <p:cNvPr id="3" name="Espace réservé du contenu 2">
             <a:extLst>
               <a:ext uri="{FF2B5EF4-FFF2-40B4-BE49-F238E27FC236}">
-                <a16:creationId xmlns:a16="http://schemas.microsoft.com/office/drawing/2014/main" id="{DC79A26A-F989-8AAC-161F-647794972DA7}"/>
+                <a16:creationId xmlns:a16="http://schemas.microsoft.com/office/drawing/2014/main" xmlns="" id="{DC79A26A-F989-8AAC-161F-647794972DA7}"/>
               </a:ext>
             </a:extLst>
           </p:cNvPr>
@@ -9696,13 +10062,20 @@
     </p:spTree>
     <p:extLst>
       <p:ext uri="{BB962C8B-B14F-4D97-AF65-F5344CB8AC3E}">
-        <p14:creationId xmlns:p14="http://schemas.microsoft.com/office/powerpoint/2010/main" val="4061388971"/>
+        <p14:creationId xmlns:p14="http://schemas.microsoft.com/office/powerpoint/2010/main" xmlns="" val="4061388971"/>
       </p:ext>
     </p:extLst>
   </p:cSld>
   <p:clrMapOvr>
     <a:masterClrMapping/>
   </p:clrMapOvr>
+  <p:timing>
+    <p:tnLst>
+      <p:par>
+        <p:cTn id="1" dur="indefinite" restart="never" nodeType="tmRoot"/>
+      </p:par>
+    </p:tnLst>
+  </p:timing>
 </p:sld>
 </file>
 
@@ -9728,7 +10101,7 @@
           <p:cNvPr id="2" name="Titre 1">
             <a:extLst>
               <a:ext uri="{FF2B5EF4-FFF2-40B4-BE49-F238E27FC236}">
-                <a16:creationId xmlns:a16="http://schemas.microsoft.com/office/drawing/2014/main" id="{B2528BF9-71D7-B2EB-BC00-3756A629F7C9}"/>
+                <a16:creationId xmlns:a16="http://schemas.microsoft.com/office/drawing/2014/main" xmlns="" id="{B2528BF9-71D7-B2EB-BC00-3756A629F7C9}"/>
               </a:ext>
             </a:extLst>
           </p:cNvPr>
@@ -9756,7 +10129,7 @@
           <p:cNvPr id="5" name="Image 4">
             <a:extLst>
               <a:ext uri="{FF2B5EF4-FFF2-40B4-BE49-F238E27FC236}">
-                <a16:creationId xmlns:a16="http://schemas.microsoft.com/office/drawing/2014/main" id="{9D7B4F82-4654-8EFE-84A7-74BF8A1FFEB2}"/>
+                <a16:creationId xmlns:a16="http://schemas.microsoft.com/office/drawing/2014/main" xmlns="" id="{9D7B4F82-4654-8EFE-84A7-74BF8A1FFEB2}"/>
               </a:ext>
             </a:extLst>
           </p:cNvPr>
@@ -9766,7 +10139,7 @@
           <p:nvPr/>
         </p:nvPicPr>
         <p:blipFill>
-          <a:blip r:embed="rId2"/>
+          <a:blip r:embed="rId2" cstate="print"/>
           <a:stretch>
             <a:fillRect/>
           </a:stretch>
@@ -9786,7 +10159,7 @@
           <p:cNvPr id="6" name="ZoneTexte 5">
             <a:extLst>
               <a:ext uri="{FF2B5EF4-FFF2-40B4-BE49-F238E27FC236}">
-                <a16:creationId xmlns:a16="http://schemas.microsoft.com/office/drawing/2014/main" id="{5AE730FF-7CD4-B1D8-2248-7E80DF27205C}"/>
+                <a16:creationId xmlns:a16="http://schemas.microsoft.com/office/drawing/2014/main" xmlns="" id="{5AE730FF-7CD4-B1D8-2248-7E80DF27205C}"/>
               </a:ext>
             </a:extLst>
           </p:cNvPr>
@@ -9833,13 +10206,20 @@
     </p:spTree>
     <p:extLst>
       <p:ext uri="{BB962C8B-B14F-4D97-AF65-F5344CB8AC3E}">
-        <p14:creationId xmlns:p14="http://schemas.microsoft.com/office/powerpoint/2010/main" val="2990754855"/>
+        <p14:creationId xmlns:p14="http://schemas.microsoft.com/office/powerpoint/2010/main" xmlns="" val="2990754855"/>
       </p:ext>
     </p:extLst>
   </p:cSld>
   <p:clrMapOvr>
     <a:masterClrMapping/>
   </p:clrMapOvr>
+  <p:timing>
+    <p:tnLst>
+      <p:par>
+        <p:cTn id="1" dur="indefinite" restart="never" nodeType="tmRoot"/>
+      </p:par>
+    </p:tnLst>
+  </p:timing>
 </p:sld>
 </file>
 
@@ -9865,7 +10245,7 @@
           <p:cNvPr id="2" name="Titre 1">
             <a:extLst>
               <a:ext uri="{FF2B5EF4-FFF2-40B4-BE49-F238E27FC236}">
-                <a16:creationId xmlns:a16="http://schemas.microsoft.com/office/drawing/2014/main" id="{B2528BF9-71D7-B2EB-BC00-3756A629F7C9}"/>
+                <a16:creationId xmlns:a16="http://schemas.microsoft.com/office/drawing/2014/main" xmlns="" id="{B2528BF9-71D7-B2EB-BC00-3756A629F7C9}"/>
               </a:ext>
             </a:extLst>
           </p:cNvPr>
@@ -9893,7 +10273,7 @@
           <p:cNvPr id="6" name="ZoneTexte 5">
             <a:extLst>
               <a:ext uri="{FF2B5EF4-FFF2-40B4-BE49-F238E27FC236}">
-                <a16:creationId xmlns:a16="http://schemas.microsoft.com/office/drawing/2014/main" id="{5AE730FF-7CD4-B1D8-2248-7E80DF27205C}"/>
+                <a16:creationId xmlns:a16="http://schemas.microsoft.com/office/drawing/2014/main" xmlns="" id="{5AE730FF-7CD4-B1D8-2248-7E80DF27205C}"/>
               </a:ext>
             </a:extLst>
           </p:cNvPr>
@@ -9935,7 +10315,7 @@
           <p:cNvPr id="4" name="Image 3">
             <a:extLst>
               <a:ext uri="{FF2B5EF4-FFF2-40B4-BE49-F238E27FC236}">
-                <a16:creationId xmlns:a16="http://schemas.microsoft.com/office/drawing/2014/main" id="{5A1F3BD0-6BAC-FA88-E9FE-9EE8F3BD455D}"/>
+                <a16:creationId xmlns:a16="http://schemas.microsoft.com/office/drawing/2014/main" xmlns="" id="{5A1F3BD0-6BAC-FA88-E9FE-9EE8F3BD455D}"/>
               </a:ext>
             </a:extLst>
           </p:cNvPr>
@@ -9945,7 +10325,7 @@
           <p:nvPr/>
         </p:nvPicPr>
         <p:blipFill>
-          <a:blip r:embed="rId2"/>
+          <a:blip r:embed="rId2" cstate="print"/>
           <a:stretch>
             <a:fillRect/>
           </a:stretch>
@@ -9965,7 +10345,7 @@
           <p:cNvPr id="8" name="Image 7">
             <a:extLst>
               <a:ext uri="{FF2B5EF4-FFF2-40B4-BE49-F238E27FC236}">
-                <a16:creationId xmlns:a16="http://schemas.microsoft.com/office/drawing/2014/main" id="{F5F0916C-0241-C7F1-7DFD-29A800F92145}"/>
+                <a16:creationId xmlns:a16="http://schemas.microsoft.com/office/drawing/2014/main" xmlns="" id="{F5F0916C-0241-C7F1-7DFD-29A800F92145}"/>
               </a:ext>
             </a:extLst>
           </p:cNvPr>
@@ -9975,7 +10355,7 @@
           <p:nvPr/>
         </p:nvPicPr>
         <p:blipFill>
-          <a:blip r:embed="rId3"/>
+          <a:blip r:embed="rId3" cstate="print"/>
           <a:stretch>
             <a:fillRect/>
           </a:stretch>
@@ -9995,7 +10375,7 @@
           <p:cNvPr id="10" name="Image 9">
             <a:extLst>
               <a:ext uri="{FF2B5EF4-FFF2-40B4-BE49-F238E27FC236}">
-                <a16:creationId xmlns:a16="http://schemas.microsoft.com/office/drawing/2014/main" id="{0B6656DE-EAA2-C395-FE1A-37ADE0090DBF}"/>
+                <a16:creationId xmlns:a16="http://schemas.microsoft.com/office/drawing/2014/main" xmlns="" id="{0B6656DE-EAA2-C395-FE1A-37ADE0090DBF}"/>
               </a:ext>
             </a:extLst>
           </p:cNvPr>
@@ -10005,7 +10385,7 @@
           <p:nvPr/>
         </p:nvPicPr>
         <p:blipFill>
-          <a:blip r:embed="rId4"/>
+          <a:blip r:embed="rId4" cstate="print"/>
           <a:stretch>
             <a:fillRect/>
           </a:stretch>
@@ -10023,13 +10403,20 @@
     </p:spTree>
     <p:extLst>
       <p:ext uri="{BB962C8B-B14F-4D97-AF65-F5344CB8AC3E}">
-        <p14:creationId xmlns:p14="http://schemas.microsoft.com/office/powerpoint/2010/main" val="1374125851"/>
+        <p14:creationId xmlns:p14="http://schemas.microsoft.com/office/powerpoint/2010/main" xmlns="" val="1374125851"/>
       </p:ext>
     </p:extLst>
   </p:cSld>
   <p:clrMapOvr>
     <a:masterClrMapping/>
   </p:clrMapOvr>
+  <p:timing>
+    <p:tnLst>
+      <p:par>
+        <p:cTn id="1" dur="indefinite" restart="never" nodeType="tmRoot"/>
+      </p:par>
+    </p:tnLst>
+  </p:timing>
 </p:sld>
 </file>
 
@@ -10055,7 +10442,7 @@
           <p:cNvPr id="2" name="Titre 1">
             <a:extLst>
               <a:ext uri="{FF2B5EF4-FFF2-40B4-BE49-F238E27FC236}">
-                <a16:creationId xmlns:a16="http://schemas.microsoft.com/office/drawing/2014/main" id="{B2528BF9-71D7-B2EB-BC00-3756A629F7C9}"/>
+                <a16:creationId xmlns:a16="http://schemas.microsoft.com/office/drawing/2014/main" xmlns="" id="{B2528BF9-71D7-B2EB-BC00-3756A629F7C9}"/>
               </a:ext>
             </a:extLst>
           </p:cNvPr>
@@ -10083,7 +10470,7 @@
           <p:cNvPr id="6" name="ZoneTexte 5">
             <a:extLst>
               <a:ext uri="{FF2B5EF4-FFF2-40B4-BE49-F238E27FC236}">
-                <a16:creationId xmlns:a16="http://schemas.microsoft.com/office/drawing/2014/main" id="{5AE730FF-7CD4-B1D8-2248-7E80DF27205C}"/>
+                <a16:creationId xmlns:a16="http://schemas.microsoft.com/office/drawing/2014/main" xmlns="" id="{5AE730FF-7CD4-B1D8-2248-7E80DF27205C}"/>
               </a:ext>
             </a:extLst>
           </p:cNvPr>
@@ -10129,13 +10516,20 @@
     </p:spTree>
     <p:extLst>
       <p:ext uri="{BB962C8B-B14F-4D97-AF65-F5344CB8AC3E}">
-        <p14:creationId xmlns:p14="http://schemas.microsoft.com/office/powerpoint/2010/main" val="1596480266"/>
+        <p14:creationId xmlns:p14="http://schemas.microsoft.com/office/powerpoint/2010/main" xmlns="" val="1596480266"/>
       </p:ext>
     </p:extLst>
   </p:cSld>
   <p:clrMapOvr>
     <a:masterClrMapping/>
   </p:clrMapOvr>
+  <p:timing>
+    <p:tnLst>
+      <p:par>
+        <p:cTn id="1" dur="indefinite" restart="never" nodeType="tmRoot"/>
+      </p:par>
+    </p:tnLst>
+  </p:timing>
 </p:sld>
 </file>
 
@@ -10161,7 +10555,7 @@
           <p:cNvPr id="2" name="Titre 1">
             <a:extLst>
               <a:ext uri="{FF2B5EF4-FFF2-40B4-BE49-F238E27FC236}">
-                <a16:creationId xmlns:a16="http://schemas.microsoft.com/office/drawing/2014/main" id="{60DD8BB1-FA8A-8972-AACC-056C8CA353FF}"/>
+                <a16:creationId xmlns:a16="http://schemas.microsoft.com/office/drawing/2014/main" xmlns="" id="{60DD8BB1-FA8A-8972-AACC-056C8CA353FF}"/>
               </a:ext>
             </a:extLst>
           </p:cNvPr>
@@ -10251,13 +10645,20 @@
     </p:spTree>
     <p:extLst>
       <p:ext uri="{BB962C8B-B14F-4D97-AF65-F5344CB8AC3E}">
-        <p14:creationId xmlns:p14="http://schemas.microsoft.com/office/powerpoint/2010/main" val="1205318223"/>
+        <p14:creationId xmlns:p14="http://schemas.microsoft.com/office/powerpoint/2010/main" xmlns="" val="1205318223"/>
       </p:ext>
     </p:extLst>
   </p:cSld>
   <p:clrMapOvr>
     <a:masterClrMapping/>
   </p:clrMapOvr>
+  <p:timing>
+    <p:tnLst>
+      <p:par>
+        <p:cTn id="1" dur="indefinite" restart="never" nodeType="tmRoot"/>
+      </p:par>
+    </p:tnLst>
+  </p:timing>
 </p:sld>
 </file>
 
@@ -10334,6 +10735,13 @@
   <p:clrMapOvr>
     <a:masterClrMapping/>
   </p:clrMapOvr>
+  <p:timing>
+    <p:tnLst>
+      <p:par>
+        <p:cTn id="1" dur="indefinite" restart="never" nodeType="tmRoot"/>
+      </p:par>
+    </p:tnLst>
+  </p:timing>
 </p:sld>
 </file>
 
@@ -10617,7 +11025,7 @@
   <a:extraClrSchemeLst/>
   <a:extLst>
     <a:ext uri="{05A4C25C-085E-4340-85A3-A5531E510DB2}">
-      <thm15:themeFamily xmlns:thm15="http://schemas.microsoft.com/office/thememl/2012/main" name="Thème1" id="{F8D90D31-0E82-441F-979D-5CA5121051FF}" vid="{6756C6E6-5B85-46E8-8880-4CDFF9CDDAE6}"/>
+      <thm15:themeFamily xmlns:thm15="http://schemas.microsoft.com/office/thememl/2012/main" xmlns="" name="Thème1" id="{F8D90D31-0E82-441F-979D-5CA5121051FF}" vid="{6756C6E6-5B85-46E8-8880-4CDFF9CDDAE6}"/>
     </a:ext>
   </a:extLst>
 </a:theme>

--- a/GestionDeProjet/Reunions/Reunion 20_05_2022/Reunion_avancement20_05_22.pptx
+++ b/GestionDeProjet/Reunions/Reunion 20_05_2022/Reunion_avancement20_05_22.pptx
@@ -255,7 +255,7 @@
   </p:defaultTextStyle>
   <p:extLst>
     <p:ext uri="{EFAFB233-063F-42B5-8137-9DF3F51BA10A}">
-      <p15:sldGuideLst xmlns:p15="http://schemas.microsoft.com/office/powerpoint/2012/main" xmlns="">
+      <p15:sldGuideLst xmlns:p15="http://schemas.microsoft.com/office/powerpoint/2012/main">
         <p15:guide id="1" orient="horz" pos="2160">
           <p15:clr>
             <a:srgbClr val="A4A3A4"/>
@@ -1012,7 +1012,7 @@
     </p:spTree>
     <p:extLst>
       <p:ext uri="{BB962C8B-B14F-4D97-AF65-F5344CB8AC3E}">
-        <p14:creationId xmlns:p14="http://schemas.microsoft.com/office/powerpoint/2010/main" xmlns="" val="1683196634"/>
+        <p14:creationId xmlns:p14="http://schemas.microsoft.com/office/powerpoint/2010/main" val="1683196634"/>
       </p:ext>
     </p:extLst>
   </p:cSld>
@@ -1761,7 +1761,7 @@
     </p:spTree>
     <p:extLst>
       <p:ext uri="{BB962C8B-B14F-4D97-AF65-F5344CB8AC3E}">
-        <p14:creationId xmlns:p14="http://schemas.microsoft.com/office/powerpoint/2010/main" xmlns="" val="3557230879"/>
+        <p14:creationId xmlns:p14="http://schemas.microsoft.com/office/powerpoint/2010/main" val="3557230879"/>
       </p:ext>
     </p:extLst>
   </p:cSld>
@@ -2519,7 +2519,7 @@
     </p:spTree>
     <p:extLst>
       <p:ext uri="{BB962C8B-B14F-4D97-AF65-F5344CB8AC3E}">
-        <p14:creationId xmlns:p14="http://schemas.microsoft.com/office/powerpoint/2010/main" xmlns="" val="1370354911"/>
+        <p14:creationId xmlns:p14="http://schemas.microsoft.com/office/powerpoint/2010/main" val="1370354911"/>
       </p:ext>
     </p:extLst>
   </p:cSld>
@@ -3271,7 +3271,7 @@
     </p:spTree>
     <p:extLst>
       <p:ext uri="{BB962C8B-B14F-4D97-AF65-F5344CB8AC3E}">
-        <p14:creationId xmlns:p14="http://schemas.microsoft.com/office/powerpoint/2010/main" xmlns="" val="1488441881"/>
+        <p14:creationId xmlns:p14="http://schemas.microsoft.com/office/powerpoint/2010/main" val="1488441881"/>
       </p:ext>
     </p:extLst>
   </p:cSld>
@@ -4020,7 +4020,7 @@
     </p:spTree>
     <p:extLst>
       <p:ext uri="{BB962C8B-B14F-4D97-AF65-F5344CB8AC3E}">
-        <p14:creationId xmlns:p14="http://schemas.microsoft.com/office/powerpoint/2010/main" xmlns="" val="4145855993"/>
+        <p14:creationId xmlns:p14="http://schemas.microsoft.com/office/powerpoint/2010/main" val="4145855993"/>
       </p:ext>
     </p:extLst>
   </p:cSld>
@@ -4801,7 +4801,7 @@
     </p:spTree>
     <p:extLst>
       <p:ext uri="{BB962C8B-B14F-4D97-AF65-F5344CB8AC3E}">
-        <p14:creationId xmlns:p14="http://schemas.microsoft.com/office/powerpoint/2010/main" xmlns="" val="3023544346"/>
+        <p14:creationId xmlns:p14="http://schemas.microsoft.com/office/powerpoint/2010/main" val="3023544346"/>
       </p:ext>
     </p:extLst>
   </p:cSld>
@@ -5523,7 +5523,7 @@
     </p:spTree>
     <p:extLst>
       <p:ext uri="{BB962C8B-B14F-4D97-AF65-F5344CB8AC3E}">
-        <p14:creationId xmlns:p14="http://schemas.microsoft.com/office/powerpoint/2010/main" xmlns="" val="2230660444"/>
+        <p14:creationId xmlns:p14="http://schemas.microsoft.com/office/powerpoint/2010/main" val="2230660444"/>
       </p:ext>
     </p:extLst>
   </p:cSld>
@@ -5890,7 +5890,7 @@
     </p:spTree>
     <p:extLst>
       <p:ext uri="{BB962C8B-B14F-4D97-AF65-F5344CB8AC3E}">
-        <p14:creationId xmlns:p14="http://schemas.microsoft.com/office/powerpoint/2010/main" xmlns="" val="2065464872"/>
+        <p14:creationId xmlns:p14="http://schemas.microsoft.com/office/powerpoint/2010/main" val="2065464872"/>
       </p:ext>
     </p:extLst>
   </p:cSld>
@@ -6987,7 +6987,7 @@
     </p:spTree>
     <p:extLst>
       <p:ext uri="{BB962C8B-B14F-4D97-AF65-F5344CB8AC3E}">
-        <p14:creationId xmlns:p14="http://schemas.microsoft.com/office/powerpoint/2010/main" xmlns="" val="2551948298"/>
+        <p14:creationId xmlns:p14="http://schemas.microsoft.com/office/powerpoint/2010/main" val="2551948298"/>
       </p:ext>
     </p:extLst>
   </p:cSld>
@@ -7716,7 +7716,7 @@
           <p:cNvPr id="2" name="Titre 1">
             <a:extLst>
               <a:ext uri="{FF2B5EF4-FFF2-40B4-BE49-F238E27FC236}">
-                <a16:creationId xmlns:a16="http://schemas.microsoft.com/office/drawing/2014/main" xmlns="" id="{AB203E22-A68F-43B4-8A2A-8135BAB9C7D4}"/>
+                <a16:creationId xmlns:a16="http://schemas.microsoft.com/office/drawing/2014/main" id="{AB203E22-A68F-43B4-8A2A-8135BAB9C7D4}"/>
               </a:ext>
             </a:extLst>
           </p:cNvPr>
@@ -7746,7 +7746,7 @@
           <p:cNvPr id="3" name="Sous-titre 2">
             <a:extLst>
               <a:ext uri="{FF2B5EF4-FFF2-40B4-BE49-F238E27FC236}">
-                <a16:creationId xmlns:a16="http://schemas.microsoft.com/office/drawing/2014/main" xmlns="" id="{E4DA1A89-6A6D-438F-AD0A-7258D468F648}"/>
+                <a16:creationId xmlns:a16="http://schemas.microsoft.com/office/drawing/2014/main" id="{E4DA1A89-6A6D-438F-AD0A-7258D468F648}"/>
               </a:ext>
             </a:extLst>
           </p:cNvPr>
@@ -7789,7 +7789,7 @@
     </p:spTree>
     <p:extLst>
       <p:ext uri="{BB962C8B-B14F-4D97-AF65-F5344CB8AC3E}">
-        <p14:creationId xmlns:p14="http://schemas.microsoft.com/office/powerpoint/2010/main" xmlns="" val="3615421672"/>
+        <p14:creationId xmlns:p14="http://schemas.microsoft.com/office/powerpoint/2010/main" val="3615421672"/>
       </p:ext>
     </p:extLst>
   </p:cSld>
@@ -7799,13 +7799,6 @@
   <p:transition spd="med">
     <p:fade/>
   </p:transition>
-  <p:timing>
-    <p:tnLst>
-      <p:par>
-        <p:cTn id="1" dur="indefinite" restart="never" nodeType="tmRoot"/>
-      </p:par>
-    </p:tnLst>
-  </p:timing>
 </p:sld>
 </file>
 
@@ -7978,13 +7971,6 @@
   <p:clrMapOvr>
     <a:masterClrMapping/>
   </p:clrMapOvr>
-  <p:timing>
-    <p:tnLst>
-      <p:par>
-        <p:cTn id="1" dur="indefinite" restart="never" nodeType="tmRoot"/>
-      </p:par>
-    </p:tnLst>
-  </p:timing>
 </p:sld>
 </file>
 
@@ -8157,13 +8143,6 @@
   <p:clrMapOvr>
     <a:masterClrMapping/>
   </p:clrMapOvr>
-  <p:timing>
-    <p:tnLst>
-      <p:par>
-        <p:cTn id="1" dur="indefinite" restart="never" nodeType="tmRoot"/>
-      </p:par>
-    </p:tnLst>
-  </p:timing>
 </p:sld>
 </file>
 
@@ -8259,13 +8238,6 @@
   <p:clrMapOvr>
     <a:masterClrMapping/>
   </p:clrMapOvr>
-  <p:timing>
-    <p:tnLst>
-      <p:par>
-        <p:cTn id="1" dur="indefinite" restart="never" nodeType="tmRoot"/>
-      </p:par>
-    </p:tnLst>
-  </p:timing>
 </p:sld>
 </file>
 
@@ -8291,7 +8263,7 @@
           <p:cNvPr id="2" name="Titre 1">
             <a:extLst>
               <a:ext uri="{FF2B5EF4-FFF2-40B4-BE49-F238E27FC236}">
-                <a16:creationId xmlns:a16="http://schemas.microsoft.com/office/drawing/2014/main" xmlns="" id="{60DD8BB1-FA8A-8972-AACC-056C8CA353FF}"/>
+                <a16:creationId xmlns:a16="http://schemas.microsoft.com/office/drawing/2014/main" id="{60DD8BB1-FA8A-8972-AACC-056C8CA353FF}"/>
               </a:ext>
             </a:extLst>
           </p:cNvPr>
@@ -8319,7 +8291,7 @@
           <p:cNvPr id="3" name="Espace réservé du texte 2">
             <a:extLst>
               <a:ext uri="{FF2B5EF4-FFF2-40B4-BE49-F238E27FC236}">
-                <a16:creationId xmlns:a16="http://schemas.microsoft.com/office/drawing/2014/main" xmlns="" id="{0C4E86A4-93E7-2C97-23AB-406BE1AFA25F}"/>
+                <a16:creationId xmlns:a16="http://schemas.microsoft.com/office/drawing/2014/main" id="{0C4E86A4-93E7-2C97-23AB-406BE1AFA25F}"/>
               </a:ext>
             </a:extLst>
           </p:cNvPr>
@@ -8374,20 +8346,13 @@
     </p:spTree>
     <p:extLst>
       <p:ext uri="{BB962C8B-B14F-4D97-AF65-F5344CB8AC3E}">
-        <p14:creationId xmlns:p14="http://schemas.microsoft.com/office/powerpoint/2010/main" xmlns="" val="2213253413"/>
+        <p14:creationId xmlns:p14="http://schemas.microsoft.com/office/powerpoint/2010/main" val="2213253413"/>
       </p:ext>
     </p:extLst>
   </p:cSld>
   <p:clrMapOvr>
     <a:masterClrMapping/>
   </p:clrMapOvr>
-  <p:timing>
-    <p:tnLst>
-      <p:par>
-        <p:cTn id="1" dur="indefinite" restart="never" nodeType="tmRoot"/>
-      </p:par>
-    </p:tnLst>
-  </p:timing>
 </p:sld>
 </file>
 
@@ -8424,11 +8389,11 @@
           <a:lstStyle/>
           <a:p>
             <a:r>
-              <a:rPr lang="fr-FR" dirty="0" smtClean="0"/>
+              <a:rPr lang="fr-FR" dirty="0"/>
               <a:t>Simulations </a:t>
             </a:r>
             <a:r>
-              <a:rPr lang="fr-FR" dirty="0" err="1" smtClean="0"/>
+              <a:rPr lang="fr-FR" dirty="0" err="1"/>
               <a:t>LTspice</a:t>
             </a:r>
             <a:endParaRPr lang="fr-FR" dirty="0"/>
@@ -8491,13 +8456,6 @@
   <p:clrMapOvr>
     <a:masterClrMapping/>
   </p:clrMapOvr>
-  <p:timing>
-    <p:tnLst>
-      <p:par>
-        <p:cTn id="1" dur="indefinite" restart="never" nodeType="tmRoot"/>
-      </p:par>
-    </p:tnLst>
-  </p:timing>
 </p:sld>
 </file>
 
@@ -8593,13 +8551,6 @@
   <p:clrMapOvr>
     <a:masterClrMapping/>
   </p:clrMapOvr>
-  <p:timing>
-    <p:tnLst>
-      <p:par>
-        <p:cTn id="1" dur="indefinite" restart="never" nodeType="tmRoot"/>
-      </p:par>
-    </p:tnLst>
-  </p:timing>
 </p:sld>
 </file>
 
@@ -8695,13 +8646,6 @@
   <p:clrMapOvr>
     <a:masterClrMapping/>
   </p:clrMapOvr>
-  <p:timing>
-    <p:tnLst>
-      <p:par>
-        <p:cTn id="1" dur="indefinite" restart="never" nodeType="tmRoot"/>
-      </p:par>
-    </p:tnLst>
-  </p:timing>
 </p:sld>
 </file>
 
@@ -8727,7 +8671,7 @@
           <p:cNvPr id="2" name="Titre 1">
             <a:extLst>
               <a:ext uri="{FF2B5EF4-FFF2-40B4-BE49-F238E27FC236}">
-                <a16:creationId xmlns:a16="http://schemas.microsoft.com/office/drawing/2014/main" xmlns="" id="{709515F8-52F5-41EA-9F94-01B0981A1295}"/>
+                <a16:creationId xmlns:a16="http://schemas.microsoft.com/office/drawing/2014/main" id="{709515F8-52F5-41EA-9F94-01B0981A1295}"/>
               </a:ext>
             </a:extLst>
           </p:cNvPr>
@@ -8755,7 +8699,7 @@
           <p:cNvPr id="3" name="Espace réservé du contenu 2">
             <a:extLst>
               <a:ext uri="{FF2B5EF4-FFF2-40B4-BE49-F238E27FC236}">
-                <a16:creationId xmlns:a16="http://schemas.microsoft.com/office/drawing/2014/main" xmlns="" id="{BF6A637C-CB97-4C62-85F7-63CB79C428D8}"/>
+                <a16:creationId xmlns:a16="http://schemas.microsoft.com/office/drawing/2014/main" id="{BF6A637C-CB97-4C62-85F7-63CB79C428D8}"/>
               </a:ext>
             </a:extLst>
           </p:cNvPr>
@@ -8882,6 +8826,18 @@
               </a:rPr>
               <a:t>Bilan de puissance</a:t>
             </a:r>
+          </a:p>
+          <a:p>
+            <a:pPr algn="l"/>
+            <a:r>
+              <a:rPr lang="fr-FR" sz="1800">
+                <a:solidFill>
+                  <a:srgbClr val="000000"/>
+                </a:solidFill>
+                <a:latin typeface="arial" panose="020B0604020202020204" pitchFamily="34" charset="0"/>
+              </a:rPr>
+              <a:t>Travaux FPGA</a:t>
+            </a:r>
             <a:endParaRPr lang="fr-FR" sz="2000" b="0" i="0" dirty="0">
               <a:solidFill>
                 <a:srgbClr val="000000"/>
@@ -8904,20 +8860,13 @@
     </p:spTree>
     <p:extLst>
       <p:ext uri="{BB962C8B-B14F-4D97-AF65-F5344CB8AC3E}">
-        <p14:creationId xmlns:p14="http://schemas.microsoft.com/office/powerpoint/2010/main" xmlns="" val="4219772065"/>
+        <p14:creationId xmlns:p14="http://schemas.microsoft.com/office/powerpoint/2010/main" val="4219772065"/>
       </p:ext>
     </p:extLst>
   </p:cSld>
   <p:clrMapOvr>
     <a:masterClrMapping/>
   </p:clrMapOvr>
-  <p:timing>
-    <p:tnLst>
-      <p:par>
-        <p:cTn id="1" dur="indefinite" restart="never" nodeType="tmRoot"/>
-      </p:par>
-    </p:tnLst>
-  </p:timing>
 </p:sld>
 </file>
 
@@ -8943,7 +8892,7 @@
           <p:cNvPr id="2" name="Titre 1">
             <a:extLst>
               <a:ext uri="{FF2B5EF4-FFF2-40B4-BE49-F238E27FC236}">
-                <a16:creationId xmlns:a16="http://schemas.microsoft.com/office/drawing/2014/main" xmlns="" id="{0F27501F-F26B-46CD-BAAA-F12624F0404D}"/>
+                <a16:creationId xmlns:a16="http://schemas.microsoft.com/office/drawing/2014/main" id="{0F27501F-F26B-46CD-BAAA-F12624F0404D}"/>
               </a:ext>
             </a:extLst>
           </p:cNvPr>
@@ -8976,7 +8925,7 @@
           <p:cNvPr id="7" name="Image 6">
             <a:extLst>
               <a:ext uri="{FF2B5EF4-FFF2-40B4-BE49-F238E27FC236}">
-                <a16:creationId xmlns:a16="http://schemas.microsoft.com/office/drawing/2014/main" xmlns="" id="{313BAE3B-9142-056F-E2AA-105E775B9EAD}"/>
+                <a16:creationId xmlns:a16="http://schemas.microsoft.com/office/drawing/2014/main" id="{313BAE3B-9142-056F-E2AA-105E775B9EAD}"/>
               </a:ext>
             </a:extLst>
           </p:cNvPr>
@@ -8989,7 +8938,7 @@
           <a:blip r:embed="rId2" cstate="print">
             <a:extLst>
               <a:ext uri="{28A0092B-C50C-407E-A947-70E740481C1C}">
-                <a14:useLocalDpi xmlns:a14="http://schemas.microsoft.com/office/drawing/2010/main" xmlns="" val="0"/>
+                <a14:useLocalDpi xmlns:a14="http://schemas.microsoft.com/office/drawing/2010/main" val="0"/>
               </a:ext>
             </a:extLst>
           </a:blip>
@@ -9010,20 +8959,13 @@
     </p:spTree>
     <p:extLst>
       <p:ext uri="{BB962C8B-B14F-4D97-AF65-F5344CB8AC3E}">
-        <p14:creationId xmlns:p14="http://schemas.microsoft.com/office/powerpoint/2010/main" xmlns="" val="2767477300"/>
+        <p14:creationId xmlns:p14="http://schemas.microsoft.com/office/powerpoint/2010/main" val="2767477300"/>
       </p:ext>
     </p:extLst>
   </p:cSld>
   <p:clrMapOvr>
     <a:masterClrMapping/>
   </p:clrMapOvr>
-  <p:timing>
-    <p:tnLst>
-      <p:par>
-        <p:cTn id="1" dur="indefinite" restart="never" nodeType="tmRoot"/>
-      </p:par>
-    </p:tnLst>
-  </p:timing>
 </p:sld>
 </file>
 
@@ -9049,7 +8991,7 @@
           <p:cNvPr id="2" name="Titre 1">
             <a:extLst>
               <a:ext uri="{FF2B5EF4-FFF2-40B4-BE49-F238E27FC236}">
-                <a16:creationId xmlns:a16="http://schemas.microsoft.com/office/drawing/2014/main" xmlns="" id="{0F27501F-F26B-46CD-BAAA-F12624F0404D}"/>
+                <a16:creationId xmlns:a16="http://schemas.microsoft.com/office/drawing/2014/main" id="{0F27501F-F26B-46CD-BAAA-F12624F0404D}"/>
               </a:ext>
             </a:extLst>
           </p:cNvPr>
@@ -9082,7 +9024,7 @@
           <p:cNvPr id="3" name="Espace réservé du contenu 2">
             <a:extLst>
               <a:ext uri="{FF2B5EF4-FFF2-40B4-BE49-F238E27FC236}">
-                <a16:creationId xmlns:a16="http://schemas.microsoft.com/office/drawing/2014/main" xmlns="" id="{DC79A26A-F989-8AAC-161F-647794972DA7}"/>
+                <a16:creationId xmlns:a16="http://schemas.microsoft.com/office/drawing/2014/main" id="{DC79A26A-F989-8AAC-161F-647794972DA7}"/>
               </a:ext>
             </a:extLst>
           </p:cNvPr>
@@ -10062,20 +10004,13 @@
     </p:spTree>
     <p:extLst>
       <p:ext uri="{BB962C8B-B14F-4D97-AF65-F5344CB8AC3E}">
-        <p14:creationId xmlns:p14="http://schemas.microsoft.com/office/powerpoint/2010/main" xmlns="" val="4061388971"/>
+        <p14:creationId xmlns:p14="http://schemas.microsoft.com/office/powerpoint/2010/main" val="4061388971"/>
       </p:ext>
     </p:extLst>
   </p:cSld>
   <p:clrMapOvr>
     <a:masterClrMapping/>
   </p:clrMapOvr>
-  <p:timing>
-    <p:tnLst>
-      <p:par>
-        <p:cTn id="1" dur="indefinite" restart="never" nodeType="tmRoot"/>
-      </p:par>
-    </p:tnLst>
-  </p:timing>
 </p:sld>
 </file>
 
@@ -10101,7 +10036,7 @@
           <p:cNvPr id="2" name="Titre 1">
             <a:extLst>
               <a:ext uri="{FF2B5EF4-FFF2-40B4-BE49-F238E27FC236}">
-                <a16:creationId xmlns:a16="http://schemas.microsoft.com/office/drawing/2014/main" xmlns="" id="{B2528BF9-71D7-B2EB-BC00-3756A629F7C9}"/>
+                <a16:creationId xmlns:a16="http://schemas.microsoft.com/office/drawing/2014/main" id="{B2528BF9-71D7-B2EB-BC00-3756A629F7C9}"/>
               </a:ext>
             </a:extLst>
           </p:cNvPr>
@@ -10129,7 +10064,7 @@
           <p:cNvPr id="5" name="Image 4">
             <a:extLst>
               <a:ext uri="{FF2B5EF4-FFF2-40B4-BE49-F238E27FC236}">
-                <a16:creationId xmlns:a16="http://schemas.microsoft.com/office/drawing/2014/main" xmlns="" id="{9D7B4F82-4654-8EFE-84A7-74BF8A1FFEB2}"/>
+                <a16:creationId xmlns:a16="http://schemas.microsoft.com/office/drawing/2014/main" id="{9D7B4F82-4654-8EFE-84A7-74BF8A1FFEB2}"/>
               </a:ext>
             </a:extLst>
           </p:cNvPr>
@@ -10159,7 +10094,7 @@
           <p:cNvPr id="6" name="ZoneTexte 5">
             <a:extLst>
               <a:ext uri="{FF2B5EF4-FFF2-40B4-BE49-F238E27FC236}">
-                <a16:creationId xmlns:a16="http://schemas.microsoft.com/office/drawing/2014/main" xmlns="" id="{5AE730FF-7CD4-B1D8-2248-7E80DF27205C}"/>
+                <a16:creationId xmlns:a16="http://schemas.microsoft.com/office/drawing/2014/main" id="{5AE730FF-7CD4-B1D8-2248-7E80DF27205C}"/>
               </a:ext>
             </a:extLst>
           </p:cNvPr>
@@ -10206,20 +10141,13 @@
     </p:spTree>
     <p:extLst>
       <p:ext uri="{BB962C8B-B14F-4D97-AF65-F5344CB8AC3E}">
-        <p14:creationId xmlns:p14="http://schemas.microsoft.com/office/powerpoint/2010/main" xmlns="" val="2990754855"/>
+        <p14:creationId xmlns:p14="http://schemas.microsoft.com/office/powerpoint/2010/main" val="2990754855"/>
       </p:ext>
     </p:extLst>
   </p:cSld>
   <p:clrMapOvr>
     <a:masterClrMapping/>
   </p:clrMapOvr>
-  <p:timing>
-    <p:tnLst>
-      <p:par>
-        <p:cTn id="1" dur="indefinite" restart="never" nodeType="tmRoot"/>
-      </p:par>
-    </p:tnLst>
-  </p:timing>
 </p:sld>
 </file>
 
@@ -10245,7 +10173,7 @@
           <p:cNvPr id="2" name="Titre 1">
             <a:extLst>
               <a:ext uri="{FF2B5EF4-FFF2-40B4-BE49-F238E27FC236}">
-                <a16:creationId xmlns:a16="http://schemas.microsoft.com/office/drawing/2014/main" xmlns="" id="{B2528BF9-71D7-B2EB-BC00-3756A629F7C9}"/>
+                <a16:creationId xmlns:a16="http://schemas.microsoft.com/office/drawing/2014/main" id="{B2528BF9-71D7-B2EB-BC00-3756A629F7C9}"/>
               </a:ext>
             </a:extLst>
           </p:cNvPr>
@@ -10273,7 +10201,7 @@
           <p:cNvPr id="6" name="ZoneTexte 5">
             <a:extLst>
               <a:ext uri="{FF2B5EF4-FFF2-40B4-BE49-F238E27FC236}">
-                <a16:creationId xmlns:a16="http://schemas.microsoft.com/office/drawing/2014/main" xmlns="" id="{5AE730FF-7CD4-B1D8-2248-7E80DF27205C}"/>
+                <a16:creationId xmlns:a16="http://schemas.microsoft.com/office/drawing/2014/main" id="{5AE730FF-7CD4-B1D8-2248-7E80DF27205C}"/>
               </a:ext>
             </a:extLst>
           </p:cNvPr>
@@ -10315,7 +10243,7 @@
           <p:cNvPr id="4" name="Image 3">
             <a:extLst>
               <a:ext uri="{FF2B5EF4-FFF2-40B4-BE49-F238E27FC236}">
-                <a16:creationId xmlns:a16="http://schemas.microsoft.com/office/drawing/2014/main" xmlns="" id="{5A1F3BD0-6BAC-FA88-E9FE-9EE8F3BD455D}"/>
+                <a16:creationId xmlns:a16="http://schemas.microsoft.com/office/drawing/2014/main" id="{5A1F3BD0-6BAC-FA88-E9FE-9EE8F3BD455D}"/>
               </a:ext>
             </a:extLst>
           </p:cNvPr>
@@ -10345,7 +10273,7 @@
           <p:cNvPr id="8" name="Image 7">
             <a:extLst>
               <a:ext uri="{FF2B5EF4-FFF2-40B4-BE49-F238E27FC236}">
-                <a16:creationId xmlns:a16="http://schemas.microsoft.com/office/drawing/2014/main" xmlns="" id="{F5F0916C-0241-C7F1-7DFD-29A800F92145}"/>
+                <a16:creationId xmlns:a16="http://schemas.microsoft.com/office/drawing/2014/main" id="{F5F0916C-0241-C7F1-7DFD-29A800F92145}"/>
               </a:ext>
             </a:extLst>
           </p:cNvPr>
@@ -10375,7 +10303,7 @@
           <p:cNvPr id="10" name="Image 9">
             <a:extLst>
               <a:ext uri="{FF2B5EF4-FFF2-40B4-BE49-F238E27FC236}">
-                <a16:creationId xmlns:a16="http://schemas.microsoft.com/office/drawing/2014/main" xmlns="" id="{0B6656DE-EAA2-C395-FE1A-37ADE0090DBF}"/>
+                <a16:creationId xmlns:a16="http://schemas.microsoft.com/office/drawing/2014/main" id="{0B6656DE-EAA2-C395-FE1A-37ADE0090DBF}"/>
               </a:ext>
             </a:extLst>
           </p:cNvPr>
@@ -10403,20 +10331,13 @@
     </p:spTree>
     <p:extLst>
       <p:ext uri="{BB962C8B-B14F-4D97-AF65-F5344CB8AC3E}">
-        <p14:creationId xmlns:p14="http://schemas.microsoft.com/office/powerpoint/2010/main" xmlns="" val="1374125851"/>
+        <p14:creationId xmlns:p14="http://schemas.microsoft.com/office/powerpoint/2010/main" val="1374125851"/>
       </p:ext>
     </p:extLst>
   </p:cSld>
   <p:clrMapOvr>
     <a:masterClrMapping/>
   </p:clrMapOvr>
-  <p:timing>
-    <p:tnLst>
-      <p:par>
-        <p:cTn id="1" dur="indefinite" restart="never" nodeType="tmRoot"/>
-      </p:par>
-    </p:tnLst>
-  </p:timing>
 </p:sld>
 </file>
 
@@ -10442,7 +10363,7 @@
           <p:cNvPr id="2" name="Titre 1">
             <a:extLst>
               <a:ext uri="{FF2B5EF4-FFF2-40B4-BE49-F238E27FC236}">
-                <a16:creationId xmlns:a16="http://schemas.microsoft.com/office/drawing/2014/main" xmlns="" id="{B2528BF9-71D7-B2EB-BC00-3756A629F7C9}"/>
+                <a16:creationId xmlns:a16="http://schemas.microsoft.com/office/drawing/2014/main" id="{B2528BF9-71D7-B2EB-BC00-3756A629F7C9}"/>
               </a:ext>
             </a:extLst>
           </p:cNvPr>
@@ -10470,7 +10391,7 @@
           <p:cNvPr id="6" name="ZoneTexte 5">
             <a:extLst>
               <a:ext uri="{FF2B5EF4-FFF2-40B4-BE49-F238E27FC236}">
-                <a16:creationId xmlns:a16="http://schemas.microsoft.com/office/drawing/2014/main" xmlns="" id="{5AE730FF-7CD4-B1D8-2248-7E80DF27205C}"/>
+                <a16:creationId xmlns:a16="http://schemas.microsoft.com/office/drawing/2014/main" id="{5AE730FF-7CD4-B1D8-2248-7E80DF27205C}"/>
               </a:ext>
             </a:extLst>
           </p:cNvPr>
@@ -10516,20 +10437,13 @@
     </p:spTree>
     <p:extLst>
       <p:ext uri="{BB962C8B-B14F-4D97-AF65-F5344CB8AC3E}">
-        <p14:creationId xmlns:p14="http://schemas.microsoft.com/office/powerpoint/2010/main" xmlns="" val="1596480266"/>
+        <p14:creationId xmlns:p14="http://schemas.microsoft.com/office/powerpoint/2010/main" val="1596480266"/>
       </p:ext>
     </p:extLst>
   </p:cSld>
   <p:clrMapOvr>
     <a:masterClrMapping/>
   </p:clrMapOvr>
-  <p:timing>
-    <p:tnLst>
-      <p:par>
-        <p:cTn id="1" dur="indefinite" restart="never" nodeType="tmRoot"/>
-      </p:par>
-    </p:tnLst>
-  </p:timing>
 </p:sld>
 </file>
 
@@ -10555,7 +10469,7 @@
           <p:cNvPr id="2" name="Titre 1">
             <a:extLst>
               <a:ext uri="{FF2B5EF4-FFF2-40B4-BE49-F238E27FC236}">
-                <a16:creationId xmlns:a16="http://schemas.microsoft.com/office/drawing/2014/main" xmlns="" id="{60DD8BB1-FA8A-8972-AACC-056C8CA353FF}"/>
+                <a16:creationId xmlns:a16="http://schemas.microsoft.com/office/drawing/2014/main" id="{60DD8BB1-FA8A-8972-AACC-056C8CA353FF}"/>
               </a:ext>
             </a:extLst>
           </p:cNvPr>
@@ -10645,20 +10559,13 @@
     </p:spTree>
     <p:extLst>
       <p:ext uri="{BB962C8B-B14F-4D97-AF65-F5344CB8AC3E}">
-        <p14:creationId xmlns:p14="http://schemas.microsoft.com/office/powerpoint/2010/main" xmlns="" val="1205318223"/>
+        <p14:creationId xmlns:p14="http://schemas.microsoft.com/office/powerpoint/2010/main" val="1205318223"/>
       </p:ext>
     </p:extLst>
   </p:cSld>
   <p:clrMapOvr>
     <a:masterClrMapping/>
   </p:clrMapOvr>
-  <p:timing>
-    <p:tnLst>
-      <p:par>
-        <p:cTn id="1" dur="indefinite" restart="never" nodeType="tmRoot"/>
-      </p:par>
-    </p:tnLst>
-  </p:timing>
 </p:sld>
 </file>
 
@@ -10735,13 +10642,6 @@
   <p:clrMapOvr>
     <a:masterClrMapping/>
   </p:clrMapOvr>
-  <p:timing>
-    <p:tnLst>
-      <p:par>
-        <p:cTn id="1" dur="indefinite" restart="never" nodeType="tmRoot"/>
-      </p:par>
-    </p:tnLst>
-  </p:timing>
 </p:sld>
 </file>
 
@@ -11025,7 +10925,7 @@
   <a:extraClrSchemeLst/>
   <a:extLst>
     <a:ext uri="{05A4C25C-085E-4340-85A3-A5531E510DB2}">
-      <thm15:themeFamily xmlns:thm15="http://schemas.microsoft.com/office/thememl/2012/main" xmlns="" name="Thème1" id="{F8D90D31-0E82-441F-979D-5CA5121051FF}" vid="{6756C6E6-5B85-46E8-8880-4CDFF9CDDAE6}"/>
+      <thm15:themeFamily xmlns:thm15="http://schemas.microsoft.com/office/thememl/2012/main" name="Thème1" id="{F8D90D31-0E82-441F-979D-5CA5121051FF}" vid="{6756C6E6-5B85-46E8-8880-4CDFF9CDDAE6}"/>
     </a:ext>
   </a:extLst>
 </a:theme>
